--- a/Delivery 3/IPC.pptx
+++ b/Delivery 3/IPC.pptx
@@ -122,6 +122,977 @@
     </p:ext>
   </p:extLst>
 </p:presentation>
+</file>
+
+<file path=ppt/charts/chart1.xml><?xml version="1.0" encoding="utf-8"?>
+<c:chartSpace xmlns:c="http://schemas.openxmlformats.org/drawingml/2006/chart" xmlns:a="http://schemas.openxmlformats.org/drawingml/2006/main" xmlns:r="http://schemas.openxmlformats.org/officeDocument/2006/relationships" xmlns:c16r2="http://schemas.microsoft.com/office/drawing/2015/06/chart">
+  <c:date1904 val="0"/>
+  <c:lang val="en-US"/>
+  <c:roundedCorners val="0"/>
+  <mc:AlternateContent xmlns:mc="http://schemas.openxmlformats.org/markup-compatibility/2006">
+    <mc:Choice xmlns:c14="http://schemas.microsoft.com/office/drawing/2007/8/2/chart" Requires="c14">
+      <c14:style val="102"/>
+    </mc:Choice>
+    <mc:Fallback>
+      <c:style val="2"/>
+    </mc:Fallback>
+  </mc:AlternateContent>
+  <c:chart>
+    <c:title>
+      <c:tx>
+        <c:rich>
+          <a:bodyPr rot="0" spcFirstLastPara="1" vertOverflow="ellipsis" vert="horz" wrap="square" anchor="ctr" anchorCtr="1"/>
+          <a:lstStyle/>
+          <a:p>
+            <a:pPr>
+              <a:defRPr sz="1400" b="0" i="0" u="none" strike="noStrike" kern="1200" spc="0" baseline="0">
+                <a:solidFill>
+                  <a:schemeClr val="tx1">
+                    <a:lumMod val="65000"/>
+                    <a:lumOff val="35000"/>
+                  </a:schemeClr>
+                </a:solidFill>
+                <a:latin typeface="+mn-lt"/>
+                <a:ea typeface="+mn-ea"/>
+                <a:cs typeface="+mn-cs"/>
+              </a:defRPr>
+            </a:pPr>
+            <a:r>
+              <a:rPr lang="pt-PT"/>
+              <a:t>Time</a:t>
+            </a:r>
+            <a:r>
+              <a:rPr lang="pt-PT" baseline="0"/>
+              <a:t> Spent (</a:t>
+            </a:r>
+            <a:r>
+              <a:rPr lang="pt-PT"/>
+              <a:t>Confidence Intervals)</a:t>
+            </a:r>
+          </a:p>
+        </c:rich>
+      </c:tx>
+      <c:overlay val="0"/>
+      <c:spPr>
+        <a:noFill/>
+        <a:ln>
+          <a:noFill/>
+        </a:ln>
+        <a:effectLst/>
+      </c:spPr>
+      <c:txPr>
+        <a:bodyPr rot="0" spcFirstLastPara="1" vertOverflow="ellipsis" vert="horz" wrap="square" anchor="ctr" anchorCtr="1"/>
+        <a:lstStyle/>
+        <a:p>
+          <a:pPr>
+            <a:defRPr sz="1400" b="0" i="0" u="none" strike="noStrike" kern="1200" spc="0" baseline="0">
+              <a:solidFill>
+                <a:schemeClr val="tx1">
+                  <a:lumMod val="65000"/>
+                  <a:lumOff val="35000"/>
+                </a:schemeClr>
+              </a:solidFill>
+              <a:latin typeface="+mn-lt"/>
+              <a:ea typeface="+mn-ea"/>
+              <a:cs typeface="+mn-cs"/>
+            </a:defRPr>
+          </a:pPr>
+          <a:endParaRPr lang="pt-PT"/>
+        </a:p>
+      </c:txPr>
+    </c:title>
+    <c:autoTitleDeleted val="0"/>
+    <c:plotArea>
+      <c:layout/>
+      <c:barChart>
+        <c:barDir val="col"/>
+        <c:grouping val="clustered"/>
+        <c:varyColors val="0"/>
+        <c:ser>
+          <c:idx val="0"/>
+          <c:order val="0"/>
+          <c:tx>
+            <c:v>Tests</c:v>
+          </c:tx>
+          <c:spPr>
+            <a:solidFill>
+              <a:schemeClr val="accent1"/>
+            </a:solidFill>
+            <a:ln>
+              <a:noFill/>
+            </a:ln>
+            <a:effectLst/>
+          </c:spPr>
+          <c:invertIfNegative val="0"/>
+          <c:errBars>
+            <c:errBarType val="both"/>
+            <c:errValType val="cust"/>
+            <c:noEndCap val="0"/>
+            <c:plus>
+              <c:numRef>
+                <c:f>[responses.xlsx]Questions!$H$62:$H$64</c:f>
+                <c:numCache>
+                  <c:formatCode>General</c:formatCode>
+                  <c:ptCount val="3"/>
+                  <c:pt idx="0">
+                    <c:v>47.905778453488907</c:v>
+                  </c:pt>
+                  <c:pt idx="1">
+                    <c:v>40.75231530674067</c:v>
+                  </c:pt>
+                  <c:pt idx="2">
+                    <c:v>67.136479095828548</c:v>
+                  </c:pt>
+                </c:numCache>
+              </c:numRef>
+            </c:plus>
+            <c:minus>
+              <c:numRef>
+                <c:f>[responses.xlsx]Questions!$G$62:$G$64</c:f>
+                <c:numCache>
+                  <c:formatCode>General</c:formatCode>
+                  <c:ptCount val="3"/>
+                  <c:pt idx="0">
+                    <c:v>10.987554879844414</c:v>
+                  </c:pt>
+                  <c:pt idx="1">
+                    <c:v>18.566018026592666</c:v>
+                  </c:pt>
+                  <c:pt idx="2">
+                    <c:v>18.871854237504781</c:v>
+                  </c:pt>
+                </c:numCache>
+              </c:numRef>
+            </c:minus>
+            <c:spPr>
+              <a:noFill/>
+              <a:ln w="9525" cap="flat" cmpd="sng" algn="ctr">
+                <a:solidFill>
+                  <a:schemeClr val="tx1">
+                    <a:lumMod val="65000"/>
+                    <a:lumOff val="35000"/>
+                  </a:schemeClr>
+                </a:solidFill>
+                <a:round/>
+              </a:ln>
+              <a:effectLst/>
+            </c:spPr>
+          </c:errBars>
+          <c:cat>
+            <c:strRef>
+              <c:f>[responses.xlsx]Questions!$A$62:$A$64</c:f>
+              <c:strCache>
+                <c:ptCount val="3"/>
+                <c:pt idx="0">
+                  <c:v>Task1 (Search)</c:v>
+                </c:pt>
+                <c:pt idx="1">
+                  <c:v>Task2 (Filter &amp; Order)</c:v>
+                </c:pt>
+                <c:pt idx="2">
+                  <c:v>Task3 (Create Offer)</c:v>
+                </c:pt>
+              </c:strCache>
+            </c:strRef>
+          </c:cat>
+          <c:val>
+            <c:numRef>
+              <c:f>[responses.xlsx]Questions!$C$62:$C$64</c:f>
+              <c:numCache>
+                <c:formatCode>General</c:formatCode>
+                <c:ptCount val="3"/>
+                <c:pt idx="0">
+                  <c:v>29.446666666666662</c:v>
+                </c:pt>
+                <c:pt idx="1">
+                  <c:v>29.659166666666668</c:v>
+                </c:pt>
+                <c:pt idx="2">
+                  <c:v>43.004166666666663</c:v>
+                </c:pt>
+              </c:numCache>
+            </c:numRef>
+          </c:val>
+          <c:extLst>
+            <c:ext xmlns:c16="http://schemas.microsoft.com/office/drawing/2014/chart" uri="{C3380CC4-5D6E-409C-BE32-E72D297353CC}">
+              <c16:uniqueId val="{00000000-007C-4133-9634-D819F404BC3D}"/>
+            </c:ext>
+          </c:extLst>
+        </c:ser>
+        <c:ser>
+          <c:idx val="1"/>
+          <c:order val="1"/>
+          <c:tx>
+            <c:v>Expected</c:v>
+          </c:tx>
+          <c:spPr>
+            <a:solidFill>
+              <a:schemeClr val="accent2"/>
+            </a:solidFill>
+            <a:ln>
+              <a:noFill/>
+            </a:ln>
+            <a:effectLst/>
+          </c:spPr>
+          <c:invertIfNegative val="0"/>
+          <c:val>
+            <c:numRef>
+              <c:f>[responses.xlsx]Questions!$B$62:$B$64</c:f>
+              <c:numCache>
+                <c:formatCode>General</c:formatCode>
+                <c:ptCount val="3"/>
+                <c:pt idx="0">
+                  <c:v>30</c:v>
+                </c:pt>
+                <c:pt idx="1">
+                  <c:v>40</c:v>
+                </c:pt>
+                <c:pt idx="2">
+                  <c:v>150</c:v>
+                </c:pt>
+              </c:numCache>
+            </c:numRef>
+          </c:val>
+          <c:extLst>
+            <c:ext xmlns:c16="http://schemas.microsoft.com/office/drawing/2014/chart" uri="{C3380CC4-5D6E-409C-BE32-E72D297353CC}">
+              <c16:uniqueId val="{00000001-007C-4133-9634-D819F404BC3D}"/>
+            </c:ext>
+          </c:extLst>
+        </c:ser>
+        <c:dLbls>
+          <c:showLegendKey val="0"/>
+          <c:showVal val="0"/>
+          <c:showCatName val="0"/>
+          <c:showSerName val="0"/>
+          <c:showPercent val="0"/>
+          <c:showBubbleSize val="0"/>
+        </c:dLbls>
+        <c:gapWidth val="219"/>
+        <c:overlap val="-27"/>
+        <c:axId val="722777408"/>
+        <c:axId val="722777824"/>
+      </c:barChart>
+      <c:catAx>
+        <c:axId val="722777408"/>
+        <c:scaling>
+          <c:orientation val="minMax"/>
+        </c:scaling>
+        <c:delete val="0"/>
+        <c:axPos val="b"/>
+        <c:numFmt formatCode="General" sourceLinked="1"/>
+        <c:majorTickMark val="none"/>
+        <c:minorTickMark val="none"/>
+        <c:tickLblPos val="nextTo"/>
+        <c:spPr>
+          <a:noFill/>
+          <a:ln w="9525" cap="flat" cmpd="sng" algn="ctr">
+            <a:solidFill>
+              <a:schemeClr val="tx1">
+                <a:lumMod val="15000"/>
+                <a:lumOff val="85000"/>
+              </a:schemeClr>
+            </a:solidFill>
+            <a:round/>
+          </a:ln>
+          <a:effectLst/>
+        </c:spPr>
+        <c:txPr>
+          <a:bodyPr rot="-60000000" spcFirstLastPara="1" vertOverflow="ellipsis" vert="horz" wrap="square" anchor="ctr" anchorCtr="1"/>
+          <a:lstStyle/>
+          <a:p>
+            <a:pPr>
+              <a:defRPr sz="900" b="0" i="0" u="none" strike="noStrike" kern="1200" baseline="0">
+                <a:solidFill>
+                  <a:schemeClr val="tx1">
+                    <a:lumMod val="65000"/>
+                    <a:lumOff val="35000"/>
+                  </a:schemeClr>
+                </a:solidFill>
+                <a:latin typeface="+mn-lt"/>
+                <a:ea typeface="+mn-ea"/>
+                <a:cs typeface="+mn-cs"/>
+              </a:defRPr>
+            </a:pPr>
+            <a:endParaRPr lang="pt-PT"/>
+          </a:p>
+        </c:txPr>
+        <c:crossAx val="722777824"/>
+        <c:crosses val="autoZero"/>
+        <c:auto val="1"/>
+        <c:lblAlgn val="ctr"/>
+        <c:lblOffset val="100"/>
+        <c:noMultiLvlLbl val="0"/>
+      </c:catAx>
+      <c:valAx>
+        <c:axId val="722777824"/>
+        <c:scaling>
+          <c:orientation val="minMax"/>
+        </c:scaling>
+        <c:delete val="0"/>
+        <c:axPos val="l"/>
+        <c:majorGridlines>
+          <c:spPr>
+            <a:ln w="9525" cap="flat" cmpd="sng" algn="ctr">
+              <a:solidFill>
+                <a:schemeClr val="tx1">
+                  <a:lumMod val="15000"/>
+                  <a:lumOff val="85000"/>
+                </a:schemeClr>
+              </a:solidFill>
+              <a:round/>
+            </a:ln>
+            <a:effectLst/>
+          </c:spPr>
+        </c:majorGridlines>
+        <c:numFmt formatCode="General" sourceLinked="1"/>
+        <c:majorTickMark val="none"/>
+        <c:minorTickMark val="none"/>
+        <c:tickLblPos val="nextTo"/>
+        <c:spPr>
+          <a:noFill/>
+          <a:ln>
+            <a:noFill/>
+          </a:ln>
+          <a:effectLst/>
+        </c:spPr>
+        <c:txPr>
+          <a:bodyPr rot="-60000000" spcFirstLastPara="1" vertOverflow="ellipsis" vert="horz" wrap="square" anchor="ctr" anchorCtr="1"/>
+          <a:lstStyle/>
+          <a:p>
+            <a:pPr>
+              <a:defRPr sz="900" b="0" i="0" u="none" strike="noStrike" kern="1200" baseline="0">
+                <a:solidFill>
+                  <a:schemeClr val="tx1">
+                    <a:lumMod val="65000"/>
+                    <a:lumOff val="35000"/>
+                  </a:schemeClr>
+                </a:solidFill>
+                <a:latin typeface="+mn-lt"/>
+                <a:ea typeface="+mn-ea"/>
+                <a:cs typeface="+mn-cs"/>
+              </a:defRPr>
+            </a:pPr>
+            <a:endParaRPr lang="pt-PT"/>
+          </a:p>
+        </c:txPr>
+        <c:crossAx val="722777408"/>
+        <c:crosses val="autoZero"/>
+        <c:crossBetween val="between"/>
+      </c:valAx>
+      <c:spPr>
+        <a:noFill/>
+        <a:ln>
+          <a:noFill/>
+        </a:ln>
+        <a:effectLst/>
+      </c:spPr>
+    </c:plotArea>
+    <c:legend>
+      <c:legendPos val="r"/>
+      <c:overlay val="0"/>
+      <c:spPr>
+        <a:noFill/>
+        <a:ln>
+          <a:noFill/>
+        </a:ln>
+        <a:effectLst/>
+      </c:spPr>
+      <c:txPr>
+        <a:bodyPr rot="0" spcFirstLastPara="1" vertOverflow="ellipsis" vert="horz" wrap="square" anchor="ctr" anchorCtr="1"/>
+        <a:lstStyle/>
+        <a:p>
+          <a:pPr>
+            <a:defRPr sz="900" b="0" i="0" u="none" strike="noStrike" kern="1200" baseline="0">
+              <a:solidFill>
+                <a:schemeClr val="tx1">
+                  <a:lumMod val="65000"/>
+                  <a:lumOff val="35000"/>
+                </a:schemeClr>
+              </a:solidFill>
+              <a:latin typeface="+mn-lt"/>
+              <a:ea typeface="+mn-ea"/>
+              <a:cs typeface="+mn-cs"/>
+            </a:defRPr>
+          </a:pPr>
+          <a:endParaRPr lang="pt-PT"/>
+        </a:p>
+      </c:txPr>
+    </c:legend>
+    <c:plotVisOnly val="1"/>
+    <c:dispBlanksAs val="gap"/>
+    <c:extLst>
+      <c:ext xmlns:c16r3="http://schemas.microsoft.com/office/drawing/2017/03/chart" uri="{56B9EC1D-385E-4148-901F-78D8002777C0}">
+        <c16r3:dataDisplayOptions16>
+          <c16r3:dispNaAsBlank val="1"/>
+        </c16r3:dataDisplayOptions16>
+      </c:ext>
+    </c:extLst>
+    <c:showDLblsOverMax val="0"/>
+  </c:chart>
+  <c:spPr>
+    <a:noFill/>
+    <a:ln>
+      <a:noFill/>
+    </a:ln>
+    <a:effectLst/>
+  </c:spPr>
+  <c:txPr>
+    <a:bodyPr/>
+    <a:lstStyle/>
+    <a:p>
+      <a:pPr>
+        <a:defRPr/>
+      </a:pPr>
+      <a:endParaRPr lang="pt-PT"/>
+    </a:p>
+  </c:txPr>
+  <c:externalData r:id="rId3">
+    <c:autoUpdate val="0"/>
+  </c:externalData>
+</c:chartSpace>
+</file>
+
+<file path=ppt/charts/colors1.xml><?xml version="1.0" encoding="utf-8"?>
+<cs:colorStyle xmlns:cs="http://schemas.microsoft.com/office/drawing/2012/chartStyle" xmlns:a="http://schemas.openxmlformats.org/drawingml/2006/main" meth="cycle" id="10">
+  <a:schemeClr val="accent1"/>
+  <a:schemeClr val="accent2"/>
+  <a:schemeClr val="accent3"/>
+  <a:schemeClr val="accent4"/>
+  <a:schemeClr val="accent5"/>
+  <a:schemeClr val="accent6"/>
+  <cs:variation/>
+  <cs:variation>
+    <a:lumMod val="60000"/>
+  </cs:variation>
+  <cs:variation>
+    <a:lumMod val="80000"/>
+    <a:lumOff val="20000"/>
+  </cs:variation>
+  <cs:variation>
+    <a:lumMod val="80000"/>
+  </cs:variation>
+  <cs:variation>
+    <a:lumMod val="60000"/>
+    <a:lumOff val="40000"/>
+  </cs:variation>
+  <cs:variation>
+    <a:lumMod val="50000"/>
+  </cs:variation>
+  <cs:variation>
+    <a:lumMod val="70000"/>
+    <a:lumOff val="30000"/>
+  </cs:variation>
+  <cs:variation>
+    <a:lumMod val="70000"/>
+  </cs:variation>
+  <cs:variation>
+    <a:lumMod val="50000"/>
+    <a:lumOff val="50000"/>
+  </cs:variation>
+</cs:colorStyle>
+</file>
+
+<file path=ppt/charts/style1.xml><?xml version="1.0" encoding="utf-8"?>
+<cs:chartStyle xmlns:cs="http://schemas.microsoft.com/office/drawing/2012/chartStyle" xmlns:a="http://schemas.openxmlformats.org/drawingml/2006/main" id="201">
+  <cs:axisTitle>
+    <cs:lnRef idx="0"/>
+    <cs:fillRef idx="0"/>
+    <cs:effectRef idx="0"/>
+    <cs:fontRef idx="minor">
+      <a:schemeClr val="tx1">
+        <a:lumMod val="65000"/>
+        <a:lumOff val="35000"/>
+      </a:schemeClr>
+    </cs:fontRef>
+    <cs:defRPr sz="1000" kern="1200"/>
+  </cs:axisTitle>
+  <cs:categoryAxis>
+    <cs:lnRef idx="0"/>
+    <cs:fillRef idx="0"/>
+    <cs:effectRef idx="0"/>
+    <cs:fontRef idx="minor">
+      <a:schemeClr val="tx1">
+        <a:lumMod val="65000"/>
+        <a:lumOff val="35000"/>
+      </a:schemeClr>
+    </cs:fontRef>
+    <cs:spPr>
+      <a:ln w="9525" cap="flat" cmpd="sng" algn="ctr">
+        <a:solidFill>
+          <a:schemeClr val="tx1">
+            <a:lumMod val="15000"/>
+            <a:lumOff val="85000"/>
+          </a:schemeClr>
+        </a:solidFill>
+        <a:round/>
+      </a:ln>
+    </cs:spPr>
+    <cs:defRPr sz="900" kern="1200"/>
+  </cs:categoryAxis>
+  <cs:chartArea mods="allowNoFillOverride allowNoLineOverride">
+    <cs:lnRef idx="0"/>
+    <cs:fillRef idx="0"/>
+    <cs:effectRef idx="0"/>
+    <cs:fontRef idx="minor">
+      <a:schemeClr val="tx1"/>
+    </cs:fontRef>
+    <cs:spPr>
+      <a:solidFill>
+        <a:schemeClr val="bg1"/>
+      </a:solidFill>
+      <a:ln w="9525" cap="flat" cmpd="sng" algn="ctr">
+        <a:solidFill>
+          <a:schemeClr val="tx1">
+            <a:lumMod val="15000"/>
+            <a:lumOff val="85000"/>
+          </a:schemeClr>
+        </a:solidFill>
+        <a:round/>
+      </a:ln>
+    </cs:spPr>
+    <cs:defRPr sz="1000" kern="1200"/>
+  </cs:chartArea>
+  <cs:dataLabel>
+    <cs:lnRef idx="0"/>
+    <cs:fillRef idx="0"/>
+    <cs:effectRef idx="0"/>
+    <cs:fontRef idx="minor">
+      <a:schemeClr val="tx1">
+        <a:lumMod val="75000"/>
+        <a:lumOff val="25000"/>
+      </a:schemeClr>
+    </cs:fontRef>
+    <cs:defRPr sz="900" kern="1200"/>
+  </cs:dataLabel>
+  <cs:dataLabelCallout>
+    <cs:lnRef idx="0"/>
+    <cs:fillRef idx="0"/>
+    <cs:effectRef idx="0"/>
+    <cs:fontRef idx="minor">
+      <a:schemeClr val="dk1">
+        <a:lumMod val="65000"/>
+        <a:lumOff val="35000"/>
+      </a:schemeClr>
+    </cs:fontRef>
+    <cs:spPr>
+      <a:solidFill>
+        <a:schemeClr val="lt1"/>
+      </a:solidFill>
+      <a:ln>
+        <a:solidFill>
+          <a:schemeClr val="dk1">
+            <a:lumMod val="25000"/>
+            <a:lumOff val="75000"/>
+          </a:schemeClr>
+        </a:solidFill>
+      </a:ln>
+    </cs:spPr>
+    <cs:defRPr sz="900" kern="1200"/>
+    <cs:bodyPr rot="0" spcFirstLastPara="1" vertOverflow="clip" horzOverflow="clip" vert="horz" wrap="square" lIns="36576" tIns="18288" rIns="36576" bIns="18288" anchor="ctr" anchorCtr="1">
+      <a:spAutoFit/>
+    </cs:bodyPr>
+  </cs:dataLabelCallout>
+  <cs:dataPoint>
+    <cs:lnRef idx="0"/>
+    <cs:fillRef idx="1">
+      <cs:styleClr val="auto"/>
+    </cs:fillRef>
+    <cs:effectRef idx="0"/>
+    <cs:fontRef idx="minor">
+      <a:schemeClr val="tx1"/>
+    </cs:fontRef>
+  </cs:dataPoint>
+  <cs:dataPoint3D>
+    <cs:lnRef idx="0"/>
+    <cs:fillRef idx="1">
+      <cs:styleClr val="auto"/>
+    </cs:fillRef>
+    <cs:effectRef idx="0"/>
+    <cs:fontRef idx="minor">
+      <a:schemeClr val="tx1"/>
+    </cs:fontRef>
+  </cs:dataPoint3D>
+  <cs:dataPointLine>
+    <cs:lnRef idx="0">
+      <cs:styleClr val="auto"/>
+    </cs:lnRef>
+    <cs:fillRef idx="1"/>
+    <cs:effectRef idx="0"/>
+    <cs:fontRef idx="minor">
+      <a:schemeClr val="tx1"/>
+    </cs:fontRef>
+    <cs:spPr>
+      <a:ln w="28575" cap="rnd">
+        <a:solidFill>
+          <a:schemeClr val="phClr"/>
+        </a:solidFill>
+        <a:round/>
+      </a:ln>
+    </cs:spPr>
+  </cs:dataPointLine>
+  <cs:dataPointMarker>
+    <cs:lnRef idx="0">
+      <cs:styleClr val="auto"/>
+    </cs:lnRef>
+    <cs:fillRef idx="1">
+      <cs:styleClr val="auto"/>
+    </cs:fillRef>
+    <cs:effectRef idx="0"/>
+    <cs:fontRef idx="minor">
+      <a:schemeClr val="tx1"/>
+    </cs:fontRef>
+    <cs:spPr>
+      <a:ln w="9525">
+        <a:solidFill>
+          <a:schemeClr val="phClr"/>
+        </a:solidFill>
+      </a:ln>
+    </cs:spPr>
+  </cs:dataPointMarker>
+  <cs:dataPointMarkerLayout symbol="circle" size="5"/>
+  <cs:dataPointWireframe>
+    <cs:lnRef idx="0">
+      <cs:styleClr val="auto"/>
+    </cs:lnRef>
+    <cs:fillRef idx="1"/>
+    <cs:effectRef idx="0"/>
+    <cs:fontRef idx="minor">
+      <a:schemeClr val="tx1"/>
+    </cs:fontRef>
+    <cs:spPr>
+      <a:ln w="9525" cap="rnd">
+        <a:solidFill>
+          <a:schemeClr val="phClr"/>
+        </a:solidFill>
+        <a:round/>
+      </a:ln>
+    </cs:spPr>
+  </cs:dataPointWireframe>
+  <cs:dataTable>
+    <cs:lnRef idx="0"/>
+    <cs:fillRef idx="0"/>
+    <cs:effectRef idx="0"/>
+    <cs:fontRef idx="minor">
+      <a:schemeClr val="tx1">
+        <a:lumMod val="65000"/>
+        <a:lumOff val="35000"/>
+      </a:schemeClr>
+    </cs:fontRef>
+    <cs:spPr>
+      <a:noFill/>
+      <a:ln w="9525" cap="flat" cmpd="sng" algn="ctr">
+        <a:solidFill>
+          <a:schemeClr val="tx1">
+            <a:lumMod val="15000"/>
+            <a:lumOff val="85000"/>
+          </a:schemeClr>
+        </a:solidFill>
+        <a:round/>
+      </a:ln>
+    </cs:spPr>
+    <cs:defRPr sz="900" kern="1200"/>
+  </cs:dataTable>
+  <cs:downBar>
+    <cs:lnRef idx="0"/>
+    <cs:fillRef idx="0"/>
+    <cs:effectRef idx="0"/>
+    <cs:fontRef idx="minor">
+      <a:schemeClr val="dk1"/>
+    </cs:fontRef>
+    <cs:spPr>
+      <a:solidFill>
+        <a:schemeClr val="dk1">
+          <a:lumMod val="65000"/>
+          <a:lumOff val="35000"/>
+        </a:schemeClr>
+      </a:solidFill>
+      <a:ln w="9525">
+        <a:solidFill>
+          <a:schemeClr val="tx1">
+            <a:lumMod val="65000"/>
+            <a:lumOff val="35000"/>
+          </a:schemeClr>
+        </a:solidFill>
+      </a:ln>
+    </cs:spPr>
+  </cs:downBar>
+  <cs:dropLine>
+    <cs:lnRef idx="0"/>
+    <cs:fillRef idx="0"/>
+    <cs:effectRef idx="0"/>
+    <cs:fontRef idx="minor">
+      <a:schemeClr val="tx1"/>
+    </cs:fontRef>
+    <cs:spPr>
+      <a:ln w="9525" cap="flat" cmpd="sng" algn="ctr">
+        <a:solidFill>
+          <a:schemeClr val="tx1">
+            <a:lumMod val="35000"/>
+            <a:lumOff val="65000"/>
+          </a:schemeClr>
+        </a:solidFill>
+        <a:round/>
+      </a:ln>
+    </cs:spPr>
+  </cs:dropLine>
+  <cs:errorBar>
+    <cs:lnRef idx="0"/>
+    <cs:fillRef idx="0"/>
+    <cs:effectRef idx="0"/>
+    <cs:fontRef idx="minor">
+      <a:schemeClr val="tx1"/>
+    </cs:fontRef>
+    <cs:spPr>
+      <a:ln w="9525" cap="flat" cmpd="sng" algn="ctr">
+        <a:solidFill>
+          <a:schemeClr val="tx1">
+            <a:lumMod val="65000"/>
+            <a:lumOff val="35000"/>
+          </a:schemeClr>
+        </a:solidFill>
+        <a:round/>
+      </a:ln>
+    </cs:spPr>
+  </cs:errorBar>
+  <cs:floor>
+    <cs:lnRef idx="0"/>
+    <cs:fillRef idx="0"/>
+    <cs:effectRef idx="0"/>
+    <cs:fontRef idx="minor">
+      <a:schemeClr val="tx1"/>
+    </cs:fontRef>
+    <cs:spPr>
+      <a:noFill/>
+      <a:ln>
+        <a:noFill/>
+      </a:ln>
+    </cs:spPr>
+  </cs:floor>
+  <cs:gridlineMajor>
+    <cs:lnRef idx="0"/>
+    <cs:fillRef idx="0"/>
+    <cs:effectRef idx="0"/>
+    <cs:fontRef idx="minor">
+      <a:schemeClr val="tx1"/>
+    </cs:fontRef>
+    <cs:spPr>
+      <a:ln w="9525" cap="flat" cmpd="sng" algn="ctr">
+        <a:solidFill>
+          <a:schemeClr val="tx1">
+            <a:lumMod val="15000"/>
+            <a:lumOff val="85000"/>
+          </a:schemeClr>
+        </a:solidFill>
+        <a:round/>
+      </a:ln>
+    </cs:spPr>
+  </cs:gridlineMajor>
+  <cs:gridlineMinor>
+    <cs:lnRef idx="0"/>
+    <cs:fillRef idx="0"/>
+    <cs:effectRef idx="0"/>
+    <cs:fontRef idx="minor">
+      <a:schemeClr val="tx1"/>
+    </cs:fontRef>
+    <cs:spPr>
+      <a:ln w="9525" cap="flat" cmpd="sng" algn="ctr">
+        <a:solidFill>
+          <a:schemeClr val="tx1">
+            <a:lumMod val="5000"/>
+            <a:lumOff val="95000"/>
+          </a:schemeClr>
+        </a:solidFill>
+        <a:round/>
+      </a:ln>
+    </cs:spPr>
+  </cs:gridlineMinor>
+  <cs:hiLoLine>
+    <cs:lnRef idx="0"/>
+    <cs:fillRef idx="0"/>
+    <cs:effectRef idx="0"/>
+    <cs:fontRef idx="minor">
+      <a:schemeClr val="tx1"/>
+    </cs:fontRef>
+    <cs:spPr>
+      <a:ln w="9525" cap="flat" cmpd="sng" algn="ctr">
+        <a:solidFill>
+          <a:schemeClr val="tx1">
+            <a:lumMod val="75000"/>
+            <a:lumOff val="25000"/>
+          </a:schemeClr>
+        </a:solidFill>
+        <a:round/>
+      </a:ln>
+    </cs:spPr>
+  </cs:hiLoLine>
+  <cs:leaderLine>
+    <cs:lnRef idx="0"/>
+    <cs:fillRef idx="0"/>
+    <cs:effectRef idx="0"/>
+    <cs:fontRef idx="minor">
+      <a:schemeClr val="tx1"/>
+    </cs:fontRef>
+    <cs:spPr>
+      <a:ln w="9525" cap="flat" cmpd="sng" algn="ctr">
+        <a:solidFill>
+          <a:schemeClr val="tx1">
+            <a:lumMod val="35000"/>
+            <a:lumOff val="65000"/>
+          </a:schemeClr>
+        </a:solidFill>
+        <a:round/>
+      </a:ln>
+    </cs:spPr>
+  </cs:leaderLine>
+  <cs:legend>
+    <cs:lnRef idx="0"/>
+    <cs:fillRef idx="0"/>
+    <cs:effectRef idx="0"/>
+    <cs:fontRef idx="minor">
+      <a:schemeClr val="tx1">
+        <a:lumMod val="65000"/>
+        <a:lumOff val="35000"/>
+      </a:schemeClr>
+    </cs:fontRef>
+    <cs:defRPr sz="900" kern="1200"/>
+  </cs:legend>
+  <cs:plotArea mods="allowNoFillOverride allowNoLineOverride">
+    <cs:lnRef idx="0"/>
+    <cs:fillRef idx="0"/>
+    <cs:effectRef idx="0"/>
+    <cs:fontRef idx="minor">
+      <a:schemeClr val="tx1"/>
+    </cs:fontRef>
+  </cs:plotArea>
+  <cs:plotArea3D mods="allowNoFillOverride allowNoLineOverride">
+    <cs:lnRef idx="0"/>
+    <cs:fillRef idx="0"/>
+    <cs:effectRef idx="0"/>
+    <cs:fontRef idx="minor">
+      <a:schemeClr val="tx1"/>
+    </cs:fontRef>
+  </cs:plotArea3D>
+  <cs:seriesAxis>
+    <cs:lnRef idx="0"/>
+    <cs:fillRef idx="0"/>
+    <cs:effectRef idx="0"/>
+    <cs:fontRef idx="minor">
+      <a:schemeClr val="tx1">
+        <a:lumMod val="65000"/>
+        <a:lumOff val="35000"/>
+      </a:schemeClr>
+    </cs:fontRef>
+    <cs:defRPr sz="900" kern="1200"/>
+  </cs:seriesAxis>
+  <cs:seriesLine>
+    <cs:lnRef idx="0"/>
+    <cs:fillRef idx="0"/>
+    <cs:effectRef idx="0"/>
+    <cs:fontRef idx="minor">
+      <a:schemeClr val="tx1"/>
+    </cs:fontRef>
+    <cs:spPr>
+      <a:ln w="9525" cap="flat" cmpd="sng" algn="ctr">
+        <a:solidFill>
+          <a:schemeClr val="tx1">
+            <a:lumMod val="35000"/>
+            <a:lumOff val="65000"/>
+          </a:schemeClr>
+        </a:solidFill>
+        <a:round/>
+      </a:ln>
+    </cs:spPr>
+  </cs:seriesLine>
+  <cs:title>
+    <cs:lnRef idx="0"/>
+    <cs:fillRef idx="0"/>
+    <cs:effectRef idx="0"/>
+    <cs:fontRef idx="minor">
+      <a:schemeClr val="tx1">
+        <a:lumMod val="65000"/>
+        <a:lumOff val="35000"/>
+      </a:schemeClr>
+    </cs:fontRef>
+    <cs:defRPr sz="1400" b="0" kern="1200" spc="0" baseline="0"/>
+  </cs:title>
+  <cs:trendline>
+    <cs:lnRef idx="0">
+      <cs:styleClr val="auto"/>
+    </cs:lnRef>
+    <cs:fillRef idx="0"/>
+    <cs:effectRef idx="0"/>
+    <cs:fontRef idx="minor">
+      <a:schemeClr val="tx1"/>
+    </cs:fontRef>
+    <cs:spPr>
+      <a:ln w="19050" cap="rnd">
+        <a:solidFill>
+          <a:schemeClr val="phClr"/>
+        </a:solidFill>
+        <a:prstDash val="sysDot"/>
+      </a:ln>
+    </cs:spPr>
+  </cs:trendline>
+  <cs:trendlineLabel>
+    <cs:lnRef idx="0"/>
+    <cs:fillRef idx="0"/>
+    <cs:effectRef idx="0"/>
+    <cs:fontRef idx="minor">
+      <a:schemeClr val="tx1">
+        <a:lumMod val="65000"/>
+        <a:lumOff val="35000"/>
+      </a:schemeClr>
+    </cs:fontRef>
+    <cs:defRPr sz="900" kern="1200"/>
+  </cs:trendlineLabel>
+  <cs:upBar>
+    <cs:lnRef idx="0"/>
+    <cs:fillRef idx="0"/>
+    <cs:effectRef idx="0"/>
+    <cs:fontRef idx="minor">
+      <a:schemeClr val="dk1"/>
+    </cs:fontRef>
+    <cs:spPr>
+      <a:solidFill>
+        <a:schemeClr val="lt1"/>
+      </a:solidFill>
+      <a:ln w="9525">
+        <a:solidFill>
+          <a:schemeClr val="tx1">
+            <a:lumMod val="15000"/>
+            <a:lumOff val="85000"/>
+          </a:schemeClr>
+        </a:solidFill>
+      </a:ln>
+    </cs:spPr>
+  </cs:upBar>
+  <cs:valueAxis>
+    <cs:lnRef idx="0"/>
+    <cs:fillRef idx="0"/>
+    <cs:effectRef idx="0"/>
+    <cs:fontRef idx="minor">
+      <a:schemeClr val="tx1">
+        <a:lumMod val="65000"/>
+        <a:lumOff val="35000"/>
+      </a:schemeClr>
+    </cs:fontRef>
+    <cs:defRPr sz="900" kern="1200"/>
+  </cs:valueAxis>
+  <cs:wall>
+    <cs:lnRef idx="0"/>
+    <cs:fillRef idx="0"/>
+    <cs:effectRef idx="0"/>
+    <cs:fontRef idx="minor">
+      <a:schemeClr val="tx1"/>
+    </cs:fontRef>
+    <cs:spPr>
+      <a:noFill/>
+      <a:ln>
+        <a:noFill/>
+      </a:ln>
+    </cs:spPr>
+  </cs:wall>
+</cs:chartStyle>
 </file>
 
 <file path=ppt/notesMasters/notesMaster1.xml><?xml version="1.0" encoding="utf-8"?>
@@ -4531,6 +5502,36 @@
           </a:p>
         </p:txBody>
       </p:sp>
+      <p:graphicFrame>
+        <p:nvGraphicFramePr>
+          <p:cNvPr id="3" name="Chart 2">
+            <a:extLst>
+              <a:ext uri="{FF2B5EF4-FFF2-40B4-BE49-F238E27FC236}">
+                <a16:creationId xmlns:a16="http://schemas.microsoft.com/office/drawing/2014/main" id="{9CBAE229-4E3D-8042-5271-A30D6D162001}"/>
+              </a:ext>
+            </a:extLst>
+          </p:cNvPr>
+          <p:cNvGraphicFramePr>
+            <a:graphicFrameLocks/>
+          </p:cNvGraphicFramePr>
+          <p:nvPr>
+            <p:extLst>
+              <p:ext uri="{D42A27DB-BD31-4B8C-83A1-F6EECF244321}">
+                <p14:modId xmlns:p14="http://schemas.microsoft.com/office/powerpoint/2010/main" val="2683093207"/>
+              </p:ext>
+            </p:extLst>
+          </p:nvPr>
+        </p:nvGraphicFramePr>
+        <p:xfrm>
+          <a:off x="2867025" y="2326770"/>
+          <a:ext cx="6457950" cy="3405188"/>
+        </p:xfrm>
+        <a:graphic>
+          <a:graphicData uri="http://schemas.openxmlformats.org/drawingml/2006/chart">
+            <c:chart xmlns:c="http://schemas.openxmlformats.org/drawingml/2006/chart" xmlns:r="http://schemas.openxmlformats.org/officeDocument/2006/relationships" r:id="rId3"/>
+          </a:graphicData>
+        </a:graphic>
+      </p:graphicFrame>
     </p:spTree>
     <p:extLst>
       <p:ext uri="{BB962C8B-B14F-4D97-AF65-F5344CB8AC3E}">
@@ -19247,6 +20248,15 @@
 </file>
 
 <file path=customXml/item1.xml><?xml version="1.0" encoding="utf-8"?>
+<?mso-contentType ?>
+<FormTemplates xmlns="http://schemas.microsoft.com/sharepoint/v3/contenttype/forms">
+  <Display>DocumentLibraryForm</Display>
+  <Edit>DocumentLibraryForm</Edit>
+  <New>DocumentLibraryForm</New>
+</FormTemplates>
+</file>
+
+<file path=customXml/item2.xml><?xml version="1.0" encoding="utf-8"?>
 <ct:contentTypeSchema xmlns:ct="http://schemas.microsoft.com/office/2006/metadata/contentType" xmlns:ma="http://schemas.microsoft.com/office/2006/metadata/properties/metaAttributes" ct:_="" ma:_="" ma:contentTypeName="Documento" ma:contentTypeID="0x01010014BC32AFF3718747B5A2CE47A88F3C6A" ma:contentTypeVersion="2" ma:contentTypeDescription="Criar um novo documento." ma:contentTypeScope="" ma:versionID="fee3d826901bcb9451dce0bbc19dadc3">
   <xsd:schema xmlns:xsd="http://www.w3.org/2001/XMLSchema" xmlns:xs="http://www.w3.org/2001/XMLSchema" xmlns:p="http://schemas.microsoft.com/office/2006/metadata/properties" xmlns:ns3="a47fcd35-67e3-4b66-9352-8d0db098ec50" targetNamespace="http://schemas.microsoft.com/office/2006/metadata/properties" ma:root="true" ma:fieldsID="deb6b73c7f47f6e6612a6af669b62c39" ns3:_="">
     <xsd:import namespace="a47fcd35-67e3-4b66-9352-8d0db098ec50"/>
@@ -19378,15 +20388,6 @@
 </ct:contentTypeSchema>
 </file>
 
-<file path=customXml/item2.xml><?xml version="1.0" encoding="utf-8"?>
-<?mso-contentType ?>
-<FormTemplates xmlns="http://schemas.microsoft.com/sharepoint/v3/contenttype/forms">
-  <Display>DocumentLibraryForm</Display>
-  <Edit>DocumentLibraryForm</Edit>
-  <New>DocumentLibraryForm</New>
-</FormTemplates>
-</file>
-
 <file path=customXml/item3.xml><?xml version="1.0" encoding="utf-8"?>
 <p:properties xmlns:p="http://schemas.microsoft.com/office/2006/metadata/properties" xmlns:xsi="http://www.w3.org/2001/XMLSchema-instance" xmlns:pc="http://schemas.microsoft.com/office/infopath/2007/PartnerControls">
   <documentManagement/>
@@ -19394,6 +20395,14 @@
 </file>
 
 <file path=customXml/itemProps1.xml><?xml version="1.0" encoding="utf-8"?>
+<ds:datastoreItem xmlns:ds="http://schemas.openxmlformats.org/officeDocument/2006/customXml" ds:itemID="{76EE102A-C587-47D4-980D-6EF803504572}">
+  <ds:schemaRefs>
+    <ds:schemaRef ds:uri="http://schemas.microsoft.com/sharepoint/v3/contenttype/forms"/>
+  </ds:schemaRefs>
+</ds:datastoreItem>
+</file>
+
+<file path=customXml/itemProps2.xml><?xml version="1.0" encoding="utf-8"?>
 <ds:datastoreItem xmlns:ds="http://schemas.openxmlformats.org/officeDocument/2006/customXml" ds:itemID="{9697E427-2E56-4B40-B661-233DAE44C32F}">
   <ds:schemaRefs>
     <ds:schemaRef ds:uri="http://schemas.microsoft.com/office/2006/metadata/contentType"/>
@@ -19407,14 +20416,6 @@
     <ds:schemaRef ds:uri="http://purl.org/dc/elements/1.1/"/>
     <ds:schemaRef ds:uri="http://purl.org/dc/terms/"/>
     <ds:schemaRef ds:uri="http://schemas.microsoft.com/internal/obd"/>
-  </ds:schemaRefs>
-</ds:datastoreItem>
-</file>
-
-<file path=customXml/itemProps2.xml><?xml version="1.0" encoding="utf-8"?>
-<ds:datastoreItem xmlns:ds="http://schemas.openxmlformats.org/officeDocument/2006/customXml" ds:itemID="{76EE102A-C587-47D4-980D-6EF803504572}">
-  <ds:schemaRefs>
-    <ds:schemaRef ds:uri="http://schemas.microsoft.com/sharepoint/v3/contenttype/forms"/>
   </ds:schemaRefs>
 </ds:datastoreItem>
 </file>

--- a/Delivery 3/IPC.pptx
+++ b/Delivery 3/IPC.pptx
@@ -197,7 +197,7 @@
               <a:cs typeface="+mn-cs"/>
             </a:defRPr>
           </a:pPr>
-          <a:endParaRPr lang="pt-PT"/>
+          <a:endParaRPr lang="en-US"/>
         </a:p>
       </c:txPr>
     </c:title>
@@ -413,7 +413,7 @@
                 <a:cs typeface="+mn-cs"/>
               </a:defRPr>
             </a:pPr>
-            <a:endParaRPr lang="pt-PT"/>
+            <a:endParaRPr lang="en-US"/>
           </a:p>
         </c:txPr>
         <c:crossAx val="722777824"/>
@@ -472,7 +472,7 @@
                 <a:cs typeface="+mn-cs"/>
               </a:defRPr>
             </a:pPr>
-            <a:endParaRPr lang="pt-PT"/>
+            <a:endParaRPr lang="en-US"/>
           </a:p>
         </c:txPr>
         <c:crossAx val="722777408"/>
@@ -514,7 +514,7 @@
               <a:cs typeface="+mn-cs"/>
             </a:defRPr>
           </a:pPr>
-          <a:endParaRPr lang="pt-PT"/>
+          <a:endParaRPr lang="en-US"/>
         </a:p>
       </c:txPr>
     </c:legend>
@@ -543,7 +543,7 @@
       <a:pPr>
         <a:defRPr/>
       </a:pPr>
-      <a:endParaRPr lang="pt-PT"/>
+      <a:endParaRPr lang="en-US"/>
     </a:p>
   </c:txPr>
   <c:externalData r:id="rId3">
@@ -1177,7 +1177,7 @@
           <a:p>
             <a:fld id="{4F6590E9-5A00-4A04-B416-3F52BBF3A723}" type="datetimeFigureOut">
               <a:rPr lang="en-GB" smtClean="0"/>
-              <a:t>13/12/2022</a:t>
+              <a:t>14/12/2022</a:t>
             </a:fld>
             <a:endParaRPr lang="en-GB"/>
           </a:p>
@@ -1676,7 +1676,7 @@
           <a:p>
             <a:fld id="{6422C9F5-CE6F-4BEE-84C2-81E4985345AA}" type="datetimeFigureOut">
               <a:rPr lang="en-US" smtClean="0"/>
-              <a:t>12/13/2022</a:t>
+              <a:t>12/14/2022</a:t>
             </a:fld>
             <a:endParaRPr lang="en-US"/>
           </a:p>
@@ -1874,7 +1874,7 @@
           <a:p>
             <a:fld id="{6422C9F5-CE6F-4BEE-84C2-81E4985345AA}" type="datetimeFigureOut">
               <a:rPr lang="en-US" smtClean="0"/>
-              <a:t>12/13/2022</a:t>
+              <a:t>12/14/2022</a:t>
             </a:fld>
             <a:endParaRPr lang="en-US"/>
           </a:p>
@@ -2082,7 +2082,7 @@
           <a:p>
             <a:fld id="{6422C9F5-CE6F-4BEE-84C2-81E4985345AA}" type="datetimeFigureOut">
               <a:rPr lang="en-US" smtClean="0"/>
-              <a:t>12/13/2022</a:t>
+              <a:t>12/14/2022</a:t>
             </a:fld>
             <a:endParaRPr lang="en-US"/>
           </a:p>
@@ -2280,7 +2280,7 @@
           <a:p>
             <a:fld id="{6422C9F5-CE6F-4BEE-84C2-81E4985345AA}" type="datetimeFigureOut">
               <a:rPr lang="en-US" smtClean="0"/>
-              <a:t>12/13/2022</a:t>
+              <a:t>12/14/2022</a:t>
             </a:fld>
             <a:endParaRPr lang="en-US"/>
           </a:p>
@@ -2555,7 +2555,7 @@
           <a:p>
             <a:fld id="{6422C9F5-CE6F-4BEE-84C2-81E4985345AA}" type="datetimeFigureOut">
               <a:rPr lang="en-US" smtClean="0"/>
-              <a:t>12/13/2022</a:t>
+              <a:t>12/14/2022</a:t>
             </a:fld>
             <a:endParaRPr lang="en-US"/>
           </a:p>
@@ -2820,7 +2820,7 @@
           <a:p>
             <a:fld id="{6422C9F5-CE6F-4BEE-84C2-81E4985345AA}" type="datetimeFigureOut">
               <a:rPr lang="en-US" smtClean="0"/>
-              <a:t>12/13/2022</a:t>
+              <a:t>12/14/2022</a:t>
             </a:fld>
             <a:endParaRPr lang="en-US"/>
           </a:p>
@@ -3232,7 +3232,7 @@
           <a:p>
             <a:fld id="{6422C9F5-CE6F-4BEE-84C2-81E4985345AA}" type="datetimeFigureOut">
               <a:rPr lang="en-US" smtClean="0"/>
-              <a:t>12/13/2022</a:t>
+              <a:t>12/14/2022</a:t>
             </a:fld>
             <a:endParaRPr lang="en-US"/>
           </a:p>
@@ -3373,7 +3373,7 @@
           <a:p>
             <a:fld id="{6422C9F5-CE6F-4BEE-84C2-81E4985345AA}" type="datetimeFigureOut">
               <a:rPr lang="en-US" smtClean="0"/>
-              <a:t>12/13/2022</a:t>
+              <a:t>12/14/2022</a:t>
             </a:fld>
             <a:endParaRPr lang="en-US"/>
           </a:p>
@@ -3486,7 +3486,7 @@
           <a:p>
             <a:fld id="{6422C9F5-CE6F-4BEE-84C2-81E4985345AA}" type="datetimeFigureOut">
               <a:rPr lang="en-US" smtClean="0"/>
-              <a:t>12/13/2022</a:t>
+              <a:t>12/14/2022</a:t>
             </a:fld>
             <a:endParaRPr lang="en-US"/>
           </a:p>
@@ -3797,7 +3797,7 @@
           <a:p>
             <a:fld id="{6422C9F5-CE6F-4BEE-84C2-81E4985345AA}" type="datetimeFigureOut">
               <a:rPr lang="en-US" smtClean="0"/>
-              <a:t>12/13/2022</a:t>
+              <a:t>12/14/2022</a:t>
             </a:fld>
             <a:endParaRPr lang="en-US"/>
           </a:p>
@@ -4085,7 +4085,7 @@
           <a:p>
             <a:fld id="{6422C9F5-CE6F-4BEE-84C2-81E4985345AA}" type="datetimeFigureOut">
               <a:rPr lang="en-US" smtClean="0"/>
-              <a:t>12/13/2022</a:t>
+              <a:t>12/14/2022</a:t>
             </a:fld>
             <a:endParaRPr lang="en-US"/>
           </a:p>
@@ -4326,7 +4326,7 @@
           <a:p>
             <a:fld id="{6422C9F5-CE6F-4BEE-84C2-81E4985345AA}" type="datetimeFigureOut">
               <a:rPr lang="en-US" smtClean="0"/>
-              <a:t>12/13/2022</a:t>
+              <a:t>12/14/2022</a:t>
             </a:fld>
             <a:endParaRPr lang="en-US"/>
           </a:p>
@@ -19634,13 +19634,294 @@
           </a:lstStyle>
           <a:p>
             <a:r>
-              <a:rPr lang="en-US" b="1" dirty="0" err="1"/>
-              <a:t>Sumative</a:t>
+              <a:rPr lang="en-US" b="1" dirty="0"/>
+              <a:t>User Evaluation Summary</a:t>
+            </a:r>
+          </a:p>
+        </p:txBody>
+      </p:sp>
+      <p:sp>
+        <p:nvSpPr>
+          <p:cNvPr id="7" name="Content Placeholder 2">
+            <a:extLst>
+              <a:ext uri="{FF2B5EF4-FFF2-40B4-BE49-F238E27FC236}">
+                <a16:creationId xmlns:a16="http://schemas.microsoft.com/office/drawing/2014/main" id="{1656EF8D-7FD8-D790-0595-F12942DAEB06}"/>
+              </a:ext>
+            </a:extLst>
+          </p:cNvPr>
+          <p:cNvSpPr txBox="1">
+            <a:spLocks/>
+          </p:cNvSpPr>
+          <p:nvPr/>
+        </p:nvSpPr>
+        <p:spPr>
+          <a:xfrm>
+            <a:off x="704851" y="1810752"/>
+            <a:ext cx="5159005" cy="4111583"/>
+          </a:xfrm>
+          <a:prstGeom prst="rect">
+            <a:avLst/>
+          </a:prstGeom>
+        </p:spPr>
+        <p:txBody>
+          <a:bodyPr vert="horz" lIns="91440" tIns="45720" rIns="91440" bIns="45720" rtlCol="0">
+            <a:normAutofit/>
+          </a:bodyPr>
+          <a:lstStyle>
+            <a:lvl1pPr marL="228600" indent="-228600" algn="l" defTabSz="914400" rtl="0" eaLnBrk="1" latinLnBrk="0" hangingPunct="1">
+              <a:lnSpc>
+                <a:spcPct val="90000"/>
+              </a:lnSpc>
+              <a:spcBef>
+                <a:spcPts val="1000"/>
+              </a:spcBef>
+              <a:buFont typeface="Arial" panose="020B0604020202020204" pitchFamily="34" charset="0"/>
+              <a:buChar char="•"/>
+              <a:defRPr sz="2800" kern="1200">
+                <a:solidFill>
+                  <a:schemeClr val="tx1"/>
+                </a:solidFill>
+                <a:latin typeface="+mn-lt"/>
+                <a:ea typeface="+mn-ea"/>
+                <a:cs typeface="+mn-cs"/>
+              </a:defRPr>
+            </a:lvl1pPr>
+            <a:lvl2pPr marL="685800" indent="-228600" algn="l" defTabSz="914400" rtl="0" eaLnBrk="1" latinLnBrk="0" hangingPunct="1">
+              <a:lnSpc>
+                <a:spcPct val="90000"/>
+              </a:lnSpc>
+              <a:spcBef>
+                <a:spcPts val="500"/>
+              </a:spcBef>
+              <a:buFont typeface="Arial" panose="020B0604020202020204" pitchFamily="34" charset="0"/>
+              <a:buChar char="•"/>
+              <a:defRPr sz="2400" kern="1200">
+                <a:solidFill>
+                  <a:schemeClr val="tx1"/>
+                </a:solidFill>
+                <a:latin typeface="+mn-lt"/>
+                <a:ea typeface="+mn-ea"/>
+                <a:cs typeface="+mn-cs"/>
+              </a:defRPr>
+            </a:lvl2pPr>
+            <a:lvl3pPr marL="1143000" indent="-228600" algn="l" defTabSz="914400" rtl="0" eaLnBrk="1" latinLnBrk="0" hangingPunct="1">
+              <a:lnSpc>
+                <a:spcPct val="90000"/>
+              </a:lnSpc>
+              <a:spcBef>
+                <a:spcPts val="500"/>
+              </a:spcBef>
+              <a:buFont typeface="Arial" panose="020B0604020202020204" pitchFamily="34" charset="0"/>
+              <a:buChar char="•"/>
+              <a:defRPr sz="2000" kern="1200">
+                <a:solidFill>
+                  <a:schemeClr val="tx1"/>
+                </a:solidFill>
+                <a:latin typeface="+mn-lt"/>
+                <a:ea typeface="+mn-ea"/>
+                <a:cs typeface="+mn-cs"/>
+              </a:defRPr>
+            </a:lvl3pPr>
+            <a:lvl4pPr marL="1600200" indent="-228600" algn="l" defTabSz="914400" rtl="0" eaLnBrk="1" latinLnBrk="0" hangingPunct="1">
+              <a:lnSpc>
+                <a:spcPct val="90000"/>
+              </a:lnSpc>
+              <a:spcBef>
+                <a:spcPts val="500"/>
+              </a:spcBef>
+              <a:buFont typeface="Arial" panose="020B0604020202020204" pitchFamily="34" charset="0"/>
+              <a:buChar char="•"/>
+              <a:defRPr sz="1800" kern="1200">
+                <a:solidFill>
+                  <a:schemeClr val="tx1"/>
+                </a:solidFill>
+                <a:latin typeface="+mn-lt"/>
+                <a:ea typeface="+mn-ea"/>
+                <a:cs typeface="+mn-cs"/>
+              </a:defRPr>
+            </a:lvl4pPr>
+            <a:lvl5pPr marL="2057400" indent="-228600" algn="l" defTabSz="914400" rtl="0" eaLnBrk="1" latinLnBrk="0" hangingPunct="1">
+              <a:lnSpc>
+                <a:spcPct val="90000"/>
+              </a:lnSpc>
+              <a:spcBef>
+                <a:spcPts val="500"/>
+              </a:spcBef>
+              <a:buFont typeface="Arial" panose="020B0604020202020204" pitchFamily="34" charset="0"/>
+              <a:buChar char="•"/>
+              <a:defRPr sz="1800" kern="1200">
+                <a:solidFill>
+                  <a:schemeClr val="tx1"/>
+                </a:solidFill>
+                <a:latin typeface="+mn-lt"/>
+                <a:ea typeface="+mn-ea"/>
+                <a:cs typeface="+mn-cs"/>
+              </a:defRPr>
+            </a:lvl5pPr>
+            <a:lvl6pPr marL="2514600" indent="-228600" algn="l" defTabSz="914400" rtl="0" eaLnBrk="1" latinLnBrk="0" hangingPunct="1">
+              <a:lnSpc>
+                <a:spcPct val="90000"/>
+              </a:lnSpc>
+              <a:spcBef>
+                <a:spcPts val="500"/>
+              </a:spcBef>
+              <a:buFont typeface="Arial" panose="020B0604020202020204" pitchFamily="34" charset="0"/>
+              <a:buChar char="•"/>
+              <a:defRPr sz="1800" kern="1200">
+                <a:solidFill>
+                  <a:schemeClr val="tx1"/>
+                </a:solidFill>
+                <a:latin typeface="+mn-lt"/>
+                <a:ea typeface="+mn-ea"/>
+                <a:cs typeface="+mn-cs"/>
+              </a:defRPr>
+            </a:lvl6pPr>
+            <a:lvl7pPr marL="2971800" indent="-228600" algn="l" defTabSz="914400" rtl="0" eaLnBrk="1" latinLnBrk="0" hangingPunct="1">
+              <a:lnSpc>
+                <a:spcPct val="90000"/>
+              </a:lnSpc>
+              <a:spcBef>
+                <a:spcPts val="500"/>
+              </a:spcBef>
+              <a:buFont typeface="Arial" panose="020B0604020202020204" pitchFamily="34" charset="0"/>
+              <a:buChar char="•"/>
+              <a:defRPr sz="1800" kern="1200">
+                <a:solidFill>
+                  <a:schemeClr val="tx1"/>
+                </a:solidFill>
+                <a:latin typeface="+mn-lt"/>
+                <a:ea typeface="+mn-ea"/>
+                <a:cs typeface="+mn-cs"/>
+              </a:defRPr>
+            </a:lvl7pPr>
+            <a:lvl8pPr marL="3429000" indent="-228600" algn="l" defTabSz="914400" rtl="0" eaLnBrk="1" latinLnBrk="0" hangingPunct="1">
+              <a:lnSpc>
+                <a:spcPct val="90000"/>
+              </a:lnSpc>
+              <a:spcBef>
+                <a:spcPts val="500"/>
+              </a:spcBef>
+              <a:buFont typeface="Arial" panose="020B0604020202020204" pitchFamily="34" charset="0"/>
+              <a:buChar char="•"/>
+              <a:defRPr sz="1800" kern="1200">
+                <a:solidFill>
+                  <a:schemeClr val="tx1"/>
+                </a:solidFill>
+                <a:latin typeface="+mn-lt"/>
+                <a:ea typeface="+mn-ea"/>
+                <a:cs typeface="+mn-cs"/>
+              </a:defRPr>
+            </a:lvl8pPr>
+            <a:lvl9pPr marL="3886200" indent="-228600" algn="l" defTabSz="914400" rtl="0" eaLnBrk="1" latinLnBrk="0" hangingPunct="1">
+              <a:lnSpc>
+                <a:spcPct val="90000"/>
+              </a:lnSpc>
+              <a:spcBef>
+                <a:spcPts val="500"/>
+              </a:spcBef>
+              <a:buFont typeface="Arial" panose="020B0604020202020204" pitchFamily="34" charset="0"/>
+              <a:buChar char="•"/>
+              <a:defRPr sz="1800" kern="1200">
+                <a:solidFill>
+                  <a:schemeClr val="tx1"/>
+                </a:solidFill>
+                <a:latin typeface="+mn-lt"/>
+                <a:ea typeface="+mn-ea"/>
+                <a:cs typeface="+mn-cs"/>
+              </a:defRPr>
+            </a:lvl9pPr>
+          </a:lstStyle>
+          <a:p>
+            <a:pPr marL="0" indent="0">
+              <a:buFont typeface="Arial" panose="020B0604020202020204" pitchFamily="34" charset="0"/>
+              <a:buNone/>
+            </a:pPr>
+            <a:r>
+              <a:rPr lang="en-US" sz="2000" b="1" dirty="0"/>
+              <a:t>13 responses</a:t>
             </a:r>
             <a:r>
-              <a:rPr lang="en-US" b="1" dirty="0"/>
-              <a:t> Evaluation</a:t>
+              <a:rPr lang="en-US" sz="2000" dirty="0"/>
+              <a:t> mostly friends from other colleges</a:t>
             </a:r>
+          </a:p>
+          <a:p>
+            <a:pPr marL="0" indent="0">
+              <a:buFont typeface="Arial" panose="020B0604020202020204" pitchFamily="34" charset="0"/>
+              <a:buNone/>
+            </a:pPr>
+            <a:r>
+              <a:rPr lang="en-US" sz="2000" b="1" dirty="0"/>
+              <a:t>Gender</a:t>
+            </a:r>
+          </a:p>
+          <a:p>
+            <a:pPr marL="0" indent="0">
+              <a:buFont typeface="Arial" panose="020B0604020202020204" pitchFamily="34" charset="0"/>
+              <a:buNone/>
+            </a:pPr>
+            <a:r>
+              <a:rPr lang="en-US" sz="2000" b="1" dirty="0"/>
+              <a:t>58% male </a:t>
+            </a:r>
+            <a:r>
+              <a:rPr lang="en-US" sz="2000" dirty="0"/>
+              <a:t>a bad thing</a:t>
+            </a:r>
+          </a:p>
+          <a:p>
+            <a:pPr marL="0" indent="0">
+              <a:buFont typeface="Arial" panose="020B0604020202020204" pitchFamily="34" charset="0"/>
+              <a:buNone/>
+            </a:pPr>
+            <a:r>
+              <a:rPr lang="en-US" sz="2000" b="1" dirty="0"/>
+              <a:t>Age </a:t>
+            </a:r>
+          </a:p>
+          <a:p>
+            <a:pPr marL="0" indent="0">
+              <a:buFont typeface="Arial" panose="020B0604020202020204" pitchFamily="34" charset="0"/>
+              <a:buNone/>
+            </a:pPr>
+            <a:r>
+              <a:rPr lang="en-US" sz="2000" b="1" dirty="0"/>
+              <a:t>Average </a:t>
+            </a:r>
+            <a:r>
+              <a:rPr lang="en-US" sz="2000" dirty="0"/>
+              <a:t>26</a:t>
+            </a:r>
+            <a:endParaRPr lang="en-US" sz="2000" b="1" dirty="0"/>
+          </a:p>
+          <a:p>
+            <a:pPr marL="0" indent="0">
+              <a:buFont typeface="Arial" panose="020B0604020202020204" pitchFamily="34" charset="0"/>
+              <a:buNone/>
+            </a:pPr>
+            <a:r>
+              <a:rPr lang="en-US" sz="2000" b="1" dirty="0"/>
+              <a:t>Median </a:t>
+            </a:r>
+            <a:r>
+              <a:rPr lang="en-US" sz="2000" dirty="0"/>
+              <a:t>20</a:t>
+            </a:r>
+          </a:p>
+          <a:p>
+            <a:pPr marL="0" indent="0">
+              <a:buFont typeface="Arial" panose="020B0604020202020204" pitchFamily="34" charset="0"/>
+              <a:buNone/>
+            </a:pPr>
+            <a:r>
+              <a:rPr lang="en-US" sz="2000" b="1" dirty="0"/>
+              <a:t>Under 25 </a:t>
+            </a:r>
+            <a:r>
+              <a:rPr lang="en-US" sz="2000" dirty="0"/>
+              <a:t>78%</a:t>
+            </a:r>
+            <a:endParaRPr lang="en-US" sz="2000" b="1" dirty="0"/>
           </a:p>
         </p:txBody>
       </p:sp>
@@ -20248,15 +20529,6 @@
 </file>
 
 <file path=customXml/item1.xml><?xml version="1.0" encoding="utf-8"?>
-<?mso-contentType ?>
-<FormTemplates xmlns="http://schemas.microsoft.com/sharepoint/v3/contenttype/forms">
-  <Display>DocumentLibraryForm</Display>
-  <Edit>DocumentLibraryForm</Edit>
-  <New>DocumentLibraryForm</New>
-</FormTemplates>
-</file>
-
-<file path=customXml/item2.xml><?xml version="1.0" encoding="utf-8"?>
 <ct:contentTypeSchema xmlns:ct="http://schemas.microsoft.com/office/2006/metadata/contentType" xmlns:ma="http://schemas.microsoft.com/office/2006/metadata/properties/metaAttributes" ct:_="" ma:_="" ma:contentTypeName="Documento" ma:contentTypeID="0x01010014BC32AFF3718747B5A2CE47A88F3C6A" ma:contentTypeVersion="2" ma:contentTypeDescription="Criar um novo documento." ma:contentTypeScope="" ma:versionID="fee3d826901bcb9451dce0bbc19dadc3">
   <xsd:schema xmlns:xsd="http://www.w3.org/2001/XMLSchema" xmlns:xs="http://www.w3.org/2001/XMLSchema" xmlns:p="http://schemas.microsoft.com/office/2006/metadata/properties" xmlns:ns3="a47fcd35-67e3-4b66-9352-8d0db098ec50" targetNamespace="http://schemas.microsoft.com/office/2006/metadata/properties" ma:root="true" ma:fieldsID="deb6b73c7f47f6e6612a6af669b62c39" ns3:_="">
     <xsd:import namespace="a47fcd35-67e3-4b66-9352-8d0db098ec50"/>
@@ -20388,6 +20660,15 @@
 </ct:contentTypeSchema>
 </file>
 
+<file path=customXml/item2.xml><?xml version="1.0" encoding="utf-8"?>
+<?mso-contentType ?>
+<FormTemplates xmlns="http://schemas.microsoft.com/sharepoint/v3/contenttype/forms">
+  <Display>DocumentLibraryForm</Display>
+  <Edit>DocumentLibraryForm</Edit>
+  <New>DocumentLibraryForm</New>
+</FormTemplates>
+</file>
+
 <file path=customXml/item3.xml><?xml version="1.0" encoding="utf-8"?>
 <p:properties xmlns:p="http://schemas.microsoft.com/office/2006/metadata/properties" xmlns:xsi="http://www.w3.org/2001/XMLSchema-instance" xmlns:pc="http://schemas.microsoft.com/office/infopath/2007/PartnerControls">
   <documentManagement/>
@@ -20395,14 +20676,6 @@
 </file>
 
 <file path=customXml/itemProps1.xml><?xml version="1.0" encoding="utf-8"?>
-<ds:datastoreItem xmlns:ds="http://schemas.openxmlformats.org/officeDocument/2006/customXml" ds:itemID="{76EE102A-C587-47D4-980D-6EF803504572}">
-  <ds:schemaRefs>
-    <ds:schemaRef ds:uri="http://schemas.microsoft.com/sharepoint/v3/contenttype/forms"/>
-  </ds:schemaRefs>
-</ds:datastoreItem>
-</file>
-
-<file path=customXml/itemProps2.xml><?xml version="1.0" encoding="utf-8"?>
 <ds:datastoreItem xmlns:ds="http://schemas.openxmlformats.org/officeDocument/2006/customXml" ds:itemID="{9697E427-2E56-4B40-B661-233DAE44C32F}">
   <ds:schemaRefs>
     <ds:schemaRef ds:uri="http://schemas.microsoft.com/office/2006/metadata/contentType"/>
@@ -20416,6 +20689,14 @@
     <ds:schemaRef ds:uri="http://purl.org/dc/elements/1.1/"/>
     <ds:schemaRef ds:uri="http://purl.org/dc/terms/"/>
     <ds:schemaRef ds:uri="http://schemas.microsoft.com/internal/obd"/>
+  </ds:schemaRefs>
+</ds:datastoreItem>
+</file>
+
+<file path=customXml/itemProps2.xml><?xml version="1.0" encoding="utf-8"?>
+<ds:datastoreItem xmlns:ds="http://schemas.openxmlformats.org/officeDocument/2006/customXml" ds:itemID="{76EE102A-C587-47D4-980D-6EF803504572}">
+  <ds:schemaRefs>
+    <ds:schemaRef ds:uri="http://schemas.microsoft.com/sharepoint/v3/contenttype/forms"/>
   </ds:schemaRefs>
 </ds:datastoreItem>
 </file>

--- a/Delivery 3/IPC.pptx
+++ b/Delivery 3/IPC.pptx
@@ -5,7 +5,7 @@
     <p:sldMasterId id="2147483648" r:id="rId4"/>
   </p:sldMasterIdLst>
   <p:notesMasterIdLst>
-    <p:notesMasterId r:id="rId15"/>
+    <p:notesMasterId r:id="rId16"/>
   </p:notesMasterIdLst>
   <p:sldIdLst>
     <p:sldId id="256" r:id="rId5"/>
@@ -17,7 +17,8 @@
     <p:sldId id="300" r:id="rId11"/>
     <p:sldId id="304" r:id="rId12"/>
     <p:sldId id="261" r:id="rId13"/>
-    <p:sldId id="260" r:id="rId14"/>
+    <p:sldId id="305" r:id="rId14"/>
+    <p:sldId id="260" r:id="rId15"/>
   </p:sldIdLst>
   <p:sldSz cx="12192000" cy="6858000"/>
   <p:notesSz cx="6858000" cy="9144000"/>
@@ -5497,6 +5498,1414 @@
           <a:p>
             <a:r>
               <a:rPr lang="en-US" b="1" dirty="0"/>
+              <a:t>User Evaluation Summary (2/2)</a:t>
+            </a:r>
+          </a:p>
+        </p:txBody>
+      </p:sp>
+      <p:sp>
+        <p:nvSpPr>
+          <p:cNvPr id="7" name="Content Placeholder 2">
+            <a:extLst>
+              <a:ext uri="{FF2B5EF4-FFF2-40B4-BE49-F238E27FC236}">
+                <a16:creationId xmlns:a16="http://schemas.microsoft.com/office/drawing/2014/main" id="{1656EF8D-7FD8-D790-0595-F12942DAEB06}"/>
+              </a:ext>
+            </a:extLst>
+          </p:cNvPr>
+          <p:cNvSpPr txBox="1">
+            <a:spLocks/>
+          </p:cNvSpPr>
+          <p:nvPr/>
+        </p:nvSpPr>
+        <p:spPr>
+          <a:xfrm>
+            <a:off x="3430662" y="2034035"/>
+            <a:ext cx="5330676" cy="482770"/>
+          </a:xfrm>
+          <a:prstGeom prst="rect">
+            <a:avLst/>
+          </a:prstGeom>
+        </p:spPr>
+        <p:txBody>
+          <a:bodyPr vert="horz" lIns="91440" tIns="45720" rIns="91440" bIns="45720" rtlCol="0">
+            <a:normAutofit/>
+          </a:bodyPr>
+          <a:lstStyle>
+            <a:lvl1pPr marL="228600" indent="-228600" algn="l" defTabSz="914400" rtl="0" eaLnBrk="1" latinLnBrk="0" hangingPunct="1">
+              <a:lnSpc>
+                <a:spcPct val="90000"/>
+              </a:lnSpc>
+              <a:spcBef>
+                <a:spcPts val="1000"/>
+              </a:spcBef>
+              <a:buFont typeface="Arial" panose="020B0604020202020204" pitchFamily="34" charset="0"/>
+              <a:buChar char="•"/>
+              <a:defRPr sz="2800" kern="1200">
+                <a:solidFill>
+                  <a:schemeClr val="tx1"/>
+                </a:solidFill>
+                <a:latin typeface="+mn-lt"/>
+                <a:ea typeface="+mn-ea"/>
+                <a:cs typeface="+mn-cs"/>
+              </a:defRPr>
+            </a:lvl1pPr>
+            <a:lvl2pPr marL="685800" indent="-228600" algn="l" defTabSz="914400" rtl="0" eaLnBrk="1" latinLnBrk="0" hangingPunct="1">
+              <a:lnSpc>
+                <a:spcPct val="90000"/>
+              </a:lnSpc>
+              <a:spcBef>
+                <a:spcPts val="500"/>
+              </a:spcBef>
+              <a:buFont typeface="Arial" panose="020B0604020202020204" pitchFamily="34" charset="0"/>
+              <a:buChar char="•"/>
+              <a:defRPr sz="2400" kern="1200">
+                <a:solidFill>
+                  <a:schemeClr val="tx1"/>
+                </a:solidFill>
+                <a:latin typeface="+mn-lt"/>
+                <a:ea typeface="+mn-ea"/>
+                <a:cs typeface="+mn-cs"/>
+              </a:defRPr>
+            </a:lvl2pPr>
+            <a:lvl3pPr marL="1143000" indent="-228600" algn="l" defTabSz="914400" rtl="0" eaLnBrk="1" latinLnBrk="0" hangingPunct="1">
+              <a:lnSpc>
+                <a:spcPct val="90000"/>
+              </a:lnSpc>
+              <a:spcBef>
+                <a:spcPts val="500"/>
+              </a:spcBef>
+              <a:buFont typeface="Arial" panose="020B0604020202020204" pitchFamily="34" charset="0"/>
+              <a:buChar char="•"/>
+              <a:defRPr sz="2000" kern="1200">
+                <a:solidFill>
+                  <a:schemeClr val="tx1"/>
+                </a:solidFill>
+                <a:latin typeface="+mn-lt"/>
+                <a:ea typeface="+mn-ea"/>
+                <a:cs typeface="+mn-cs"/>
+              </a:defRPr>
+            </a:lvl3pPr>
+            <a:lvl4pPr marL="1600200" indent="-228600" algn="l" defTabSz="914400" rtl="0" eaLnBrk="1" latinLnBrk="0" hangingPunct="1">
+              <a:lnSpc>
+                <a:spcPct val="90000"/>
+              </a:lnSpc>
+              <a:spcBef>
+                <a:spcPts val="500"/>
+              </a:spcBef>
+              <a:buFont typeface="Arial" panose="020B0604020202020204" pitchFamily="34" charset="0"/>
+              <a:buChar char="•"/>
+              <a:defRPr sz="1800" kern="1200">
+                <a:solidFill>
+                  <a:schemeClr val="tx1"/>
+                </a:solidFill>
+                <a:latin typeface="+mn-lt"/>
+                <a:ea typeface="+mn-ea"/>
+                <a:cs typeface="+mn-cs"/>
+              </a:defRPr>
+            </a:lvl4pPr>
+            <a:lvl5pPr marL="2057400" indent="-228600" algn="l" defTabSz="914400" rtl="0" eaLnBrk="1" latinLnBrk="0" hangingPunct="1">
+              <a:lnSpc>
+                <a:spcPct val="90000"/>
+              </a:lnSpc>
+              <a:spcBef>
+                <a:spcPts val="500"/>
+              </a:spcBef>
+              <a:buFont typeface="Arial" panose="020B0604020202020204" pitchFamily="34" charset="0"/>
+              <a:buChar char="•"/>
+              <a:defRPr sz="1800" kern="1200">
+                <a:solidFill>
+                  <a:schemeClr val="tx1"/>
+                </a:solidFill>
+                <a:latin typeface="+mn-lt"/>
+                <a:ea typeface="+mn-ea"/>
+                <a:cs typeface="+mn-cs"/>
+              </a:defRPr>
+            </a:lvl5pPr>
+            <a:lvl6pPr marL="2514600" indent="-228600" algn="l" defTabSz="914400" rtl="0" eaLnBrk="1" latinLnBrk="0" hangingPunct="1">
+              <a:lnSpc>
+                <a:spcPct val="90000"/>
+              </a:lnSpc>
+              <a:spcBef>
+                <a:spcPts val="500"/>
+              </a:spcBef>
+              <a:buFont typeface="Arial" panose="020B0604020202020204" pitchFamily="34" charset="0"/>
+              <a:buChar char="•"/>
+              <a:defRPr sz="1800" kern="1200">
+                <a:solidFill>
+                  <a:schemeClr val="tx1"/>
+                </a:solidFill>
+                <a:latin typeface="+mn-lt"/>
+                <a:ea typeface="+mn-ea"/>
+                <a:cs typeface="+mn-cs"/>
+              </a:defRPr>
+            </a:lvl6pPr>
+            <a:lvl7pPr marL="2971800" indent="-228600" algn="l" defTabSz="914400" rtl="0" eaLnBrk="1" latinLnBrk="0" hangingPunct="1">
+              <a:lnSpc>
+                <a:spcPct val="90000"/>
+              </a:lnSpc>
+              <a:spcBef>
+                <a:spcPts val="500"/>
+              </a:spcBef>
+              <a:buFont typeface="Arial" panose="020B0604020202020204" pitchFamily="34" charset="0"/>
+              <a:buChar char="•"/>
+              <a:defRPr sz="1800" kern="1200">
+                <a:solidFill>
+                  <a:schemeClr val="tx1"/>
+                </a:solidFill>
+                <a:latin typeface="+mn-lt"/>
+                <a:ea typeface="+mn-ea"/>
+                <a:cs typeface="+mn-cs"/>
+              </a:defRPr>
+            </a:lvl7pPr>
+            <a:lvl8pPr marL="3429000" indent="-228600" algn="l" defTabSz="914400" rtl="0" eaLnBrk="1" latinLnBrk="0" hangingPunct="1">
+              <a:lnSpc>
+                <a:spcPct val="90000"/>
+              </a:lnSpc>
+              <a:spcBef>
+                <a:spcPts val="500"/>
+              </a:spcBef>
+              <a:buFont typeface="Arial" panose="020B0604020202020204" pitchFamily="34" charset="0"/>
+              <a:buChar char="•"/>
+              <a:defRPr sz="1800" kern="1200">
+                <a:solidFill>
+                  <a:schemeClr val="tx1"/>
+                </a:solidFill>
+                <a:latin typeface="+mn-lt"/>
+                <a:ea typeface="+mn-ea"/>
+                <a:cs typeface="+mn-cs"/>
+              </a:defRPr>
+            </a:lvl8pPr>
+            <a:lvl9pPr marL="3886200" indent="-228600" algn="l" defTabSz="914400" rtl="0" eaLnBrk="1" latinLnBrk="0" hangingPunct="1">
+              <a:lnSpc>
+                <a:spcPct val="90000"/>
+              </a:lnSpc>
+              <a:spcBef>
+                <a:spcPts val="500"/>
+              </a:spcBef>
+              <a:buFont typeface="Arial" panose="020B0604020202020204" pitchFamily="34" charset="0"/>
+              <a:buChar char="•"/>
+              <a:defRPr sz="1800" kern="1200">
+                <a:solidFill>
+                  <a:schemeClr val="tx1"/>
+                </a:solidFill>
+                <a:latin typeface="+mn-lt"/>
+                <a:ea typeface="+mn-ea"/>
+                <a:cs typeface="+mn-cs"/>
+              </a:defRPr>
+            </a:lvl9pPr>
+          </a:lstStyle>
+          <a:p>
+            <a:pPr marL="0" indent="0" algn="ctr">
+              <a:buFont typeface="Arial" panose="020B0604020202020204" pitchFamily="34" charset="0"/>
+              <a:buNone/>
+            </a:pPr>
+            <a:r>
+              <a:rPr lang="en-US" sz="2000" b="1" dirty="0"/>
+              <a:t>12 responses</a:t>
+            </a:r>
+            <a:r>
+              <a:rPr lang="en-US" sz="2000" dirty="0"/>
+              <a:t> mostly friends from other colleges</a:t>
+            </a:r>
+          </a:p>
+        </p:txBody>
+      </p:sp>
+      <p:sp>
+        <p:nvSpPr>
+          <p:cNvPr id="9" name="Content Placeholder 2">
+            <a:extLst>
+              <a:ext uri="{FF2B5EF4-FFF2-40B4-BE49-F238E27FC236}">
+                <a16:creationId xmlns:a16="http://schemas.microsoft.com/office/drawing/2014/main" id="{3F44019E-41E2-986E-B7F0-06A6A8FE7E09}"/>
+              </a:ext>
+            </a:extLst>
+          </p:cNvPr>
+          <p:cNvSpPr txBox="1">
+            <a:spLocks/>
+          </p:cNvSpPr>
+          <p:nvPr/>
+        </p:nvSpPr>
+        <p:spPr>
+          <a:xfrm>
+            <a:off x="610277" y="2735059"/>
+            <a:ext cx="5278387" cy="874694"/>
+          </a:xfrm>
+          <a:prstGeom prst="rect">
+            <a:avLst/>
+          </a:prstGeom>
+        </p:spPr>
+        <p:txBody>
+          <a:bodyPr vert="horz" lIns="91440" tIns="45720" rIns="91440" bIns="45720" rtlCol="0">
+            <a:normAutofit/>
+          </a:bodyPr>
+          <a:lstStyle>
+            <a:lvl1pPr marL="228600" indent="-228600" algn="l" defTabSz="914400" rtl="0" eaLnBrk="1" latinLnBrk="0" hangingPunct="1">
+              <a:lnSpc>
+                <a:spcPct val="90000"/>
+              </a:lnSpc>
+              <a:spcBef>
+                <a:spcPts val="1000"/>
+              </a:spcBef>
+              <a:buFont typeface="Arial" panose="020B0604020202020204" pitchFamily="34" charset="0"/>
+              <a:buChar char="•"/>
+              <a:defRPr sz="2800" kern="1200">
+                <a:solidFill>
+                  <a:schemeClr val="tx1"/>
+                </a:solidFill>
+                <a:latin typeface="+mn-lt"/>
+                <a:ea typeface="+mn-ea"/>
+                <a:cs typeface="+mn-cs"/>
+              </a:defRPr>
+            </a:lvl1pPr>
+            <a:lvl2pPr marL="685800" indent="-228600" algn="l" defTabSz="914400" rtl="0" eaLnBrk="1" latinLnBrk="0" hangingPunct="1">
+              <a:lnSpc>
+                <a:spcPct val="90000"/>
+              </a:lnSpc>
+              <a:spcBef>
+                <a:spcPts val="500"/>
+              </a:spcBef>
+              <a:buFont typeface="Arial" panose="020B0604020202020204" pitchFamily="34" charset="0"/>
+              <a:buChar char="•"/>
+              <a:defRPr sz="2400" kern="1200">
+                <a:solidFill>
+                  <a:schemeClr val="tx1"/>
+                </a:solidFill>
+                <a:latin typeface="+mn-lt"/>
+                <a:ea typeface="+mn-ea"/>
+                <a:cs typeface="+mn-cs"/>
+              </a:defRPr>
+            </a:lvl2pPr>
+            <a:lvl3pPr marL="1143000" indent="-228600" algn="l" defTabSz="914400" rtl="0" eaLnBrk="1" latinLnBrk="0" hangingPunct="1">
+              <a:lnSpc>
+                <a:spcPct val="90000"/>
+              </a:lnSpc>
+              <a:spcBef>
+                <a:spcPts val="500"/>
+              </a:spcBef>
+              <a:buFont typeface="Arial" panose="020B0604020202020204" pitchFamily="34" charset="0"/>
+              <a:buChar char="•"/>
+              <a:defRPr sz="2000" kern="1200">
+                <a:solidFill>
+                  <a:schemeClr val="tx1"/>
+                </a:solidFill>
+                <a:latin typeface="+mn-lt"/>
+                <a:ea typeface="+mn-ea"/>
+                <a:cs typeface="+mn-cs"/>
+              </a:defRPr>
+            </a:lvl3pPr>
+            <a:lvl4pPr marL="1600200" indent="-228600" algn="l" defTabSz="914400" rtl="0" eaLnBrk="1" latinLnBrk="0" hangingPunct="1">
+              <a:lnSpc>
+                <a:spcPct val="90000"/>
+              </a:lnSpc>
+              <a:spcBef>
+                <a:spcPts val="500"/>
+              </a:spcBef>
+              <a:buFont typeface="Arial" panose="020B0604020202020204" pitchFamily="34" charset="0"/>
+              <a:buChar char="•"/>
+              <a:defRPr sz="1800" kern="1200">
+                <a:solidFill>
+                  <a:schemeClr val="tx1"/>
+                </a:solidFill>
+                <a:latin typeface="+mn-lt"/>
+                <a:ea typeface="+mn-ea"/>
+                <a:cs typeface="+mn-cs"/>
+              </a:defRPr>
+            </a:lvl4pPr>
+            <a:lvl5pPr marL="2057400" indent="-228600" algn="l" defTabSz="914400" rtl="0" eaLnBrk="1" latinLnBrk="0" hangingPunct="1">
+              <a:lnSpc>
+                <a:spcPct val="90000"/>
+              </a:lnSpc>
+              <a:spcBef>
+                <a:spcPts val="500"/>
+              </a:spcBef>
+              <a:buFont typeface="Arial" panose="020B0604020202020204" pitchFamily="34" charset="0"/>
+              <a:buChar char="•"/>
+              <a:defRPr sz="1800" kern="1200">
+                <a:solidFill>
+                  <a:schemeClr val="tx1"/>
+                </a:solidFill>
+                <a:latin typeface="+mn-lt"/>
+                <a:ea typeface="+mn-ea"/>
+                <a:cs typeface="+mn-cs"/>
+              </a:defRPr>
+            </a:lvl5pPr>
+            <a:lvl6pPr marL="2514600" indent="-228600" algn="l" defTabSz="914400" rtl="0" eaLnBrk="1" latinLnBrk="0" hangingPunct="1">
+              <a:lnSpc>
+                <a:spcPct val="90000"/>
+              </a:lnSpc>
+              <a:spcBef>
+                <a:spcPts val="500"/>
+              </a:spcBef>
+              <a:buFont typeface="Arial" panose="020B0604020202020204" pitchFamily="34" charset="0"/>
+              <a:buChar char="•"/>
+              <a:defRPr sz="1800" kern="1200">
+                <a:solidFill>
+                  <a:schemeClr val="tx1"/>
+                </a:solidFill>
+                <a:latin typeface="+mn-lt"/>
+                <a:ea typeface="+mn-ea"/>
+                <a:cs typeface="+mn-cs"/>
+              </a:defRPr>
+            </a:lvl6pPr>
+            <a:lvl7pPr marL="2971800" indent="-228600" algn="l" defTabSz="914400" rtl="0" eaLnBrk="1" latinLnBrk="0" hangingPunct="1">
+              <a:lnSpc>
+                <a:spcPct val="90000"/>
+              </a:lnSpc>
+              <a:spcBef>
+                <a:spcPts val="500"/>
+              </a:spcBef>
+              <a:buFont typeface="Arial" panose="020B0604020202020204" pitchFamily="34" charset="0"/>
+              <a:buChar char="•"/>
+              <a:defRPr sz="1800" kern="1200">
+                <a:solidFill>
+                  <a:schemeClr val="tx1"/>
+                </a:solidFill>
+                <a:latin typeface="+mn-lt"/>
+                <a:ea typeface="+mn-ea"/>
+                <a:cs typeface="+mn-cs"/>
+              </a:defRPr>
+            </a:lvl7pPr>
+            <a:lvl8pPr marL="3429000" indent="-228600" algn="l" defTabSz="914400" rtl="0" eaLnBrk="1" latinLnBrk="0" hangingPunct="1">
+              <a:lnSpc>
+                <a:spcPct val="90000"/>
+              </a:lnSpc>
+              <a:spcBef>
+                <a:spcPts val="500"/>
+              </a:spcBef>
+              <a:buFont typeface="Arial" panose="020B0604020202020204" pitchFamily="34" charset="0"/>
+              <a:buChar char="•"/>
+              <a:defRPr sz="1800" kern="1200">
+                <a:solidFill>
+                  <a:schemeClr val="tx1"/>
+                </a:solidFill>
+                <a:latin typeface="+mn-lt"/>
+                <a:ea typeface="+mn-ea"/>
+                <a:cs typeface="+mn-cs"/>
+              </a:defRPr>
+            </a:lvl8pPr>
+            <a:lvl9pPr marL="3886200" indent="-228600" algn="l" defTabSz="914400" rtl="0" eaLnBrk="1" latinLnBrk="0" hangingPunct="1">
+              <a:lnSpc>
+                <a:spcPct val="90000"/>
+              </a:lnSpc>
+              <a:spcBef>
+                <a:spcPts val="500"/>
+              </a:spcBef>
+              <a:buFont typeface="Arial" panose="020B0604020202020204" pitchFamily="34" charset="0"/>
+              <a:buChar char="•"/>
+              <a:defRPr sz="1800" kern="1200">
+                <a:solidFill>
+                  <a:schemeClr val="tx1"/>
+                </a:solidFill>
+                <a:latin typeface="+mn-lt"/>
+                <a:ea typeface="+mn-ea"/>
+                <a:cs typeface="+mn-cs"/>
+              </a:defRPr>
+            </a:lvl9pPr>
+          </a:lstStyle>
+          <a:p>
+            <a:pPr marL="0" indent="0" algn="ctr">
+              <a:buFont typeface="Arial" panose="020B0604020202020204" pitchFamily="34" charset="0"/>
+              <a:buNone/>
+            </a:pPr>
+            <a:r>
+              <a:rPr lang="en-US" sz="2000" b="1" dirty="0"/>
+              <a:t>Gender </a:t>
+            </a:r>
+            <a:r>
+              <a:rPr lang="en-US" sz="2000" dirty="0"/>
+              <a:t>Our user is expected to be mostly female</a:t>
+            </a:r>
+            <a:endParaRPr lang="en-US" sz="2000" b="1" dirty="0"/>
+          </a:p>
+          <a:p>
+            <a:pPr marL="0" indent="0" algn="ctr">
+              <a:buFont typeface="Arial" panose="020B0604020202020204" pitchFamily="34" charset="0"/>
+              <a:buNone/>
+            </a:pPr>
+            <a:r>
+              <a:rPr lang="en-US" sz="2000" dirty="0"/>
+              <a:t>58% male</a:t>
+            </a:r>
+            <a:r>
+              <a:rPr lang="en-US" sz="2000" b="1" dirty="0"/>
+              <a:t>	</a:t>
+            </a:r>
+            <a:r>
+              <a:rPr lang="en-US" sz="2000" b="1" dirty="0">
+                <a:solidFill>
+                  <a:srgbClr val="993300"/>
+                </a:solidFill>
+              </a:rPr>
+              <a:t>Not very representative</a:t>
+            </a:r>
+          </a:p>
+        </p:txBody>
+      </p:sp>
+      <p:sp>
+        <p:nvSpPr>
+          <p:cNvPr id="10" name="Content Placeholder 2">
+            <a:extLst>
+              <a:ext uri="{FF2B5EF4-FFF2-40B4-BE49-F238E27FC236}">
+                <a16:creationId xmlns:a16="http://schemas.microsoft.com/office/drawing/2014/main" id="{B63470A6-3626-0868-195E-66ED952CEAFE}"/>
+              </a:ext>
+            </a:extLst>
+          </p:cNvPr>
+          <p:cNvSpPr txBox="1">
+            <a:spLocks/>
+          </p:cNvSpPr>
+          <p:nvPr/>
+        </p:nvSpPr>
+        <p:spPr>
+          <a:xfrm>
+            <a:off x="6358269" y="2735059"/>
+            <a:ext cx="5545323" cy="874694"/>
+          </a:xfrm>
+          <a:prstGeom prst="rect">
+            <a:avLst/>
+          </a:prstGeom>
+        </p:spPr>
+        <p:txBody>
+          <a:bodyPr vert="horz" lIns="91440" tIns="45720" rIns="91440" bIns="45720" rtlCol="0">
+            <a:normAutofit/>
+          </a:bodyPr>
+          <a:lstStyle>
+            <a:lvl1pPr marL="228600" indent="-228600" algn="l" defTabSz="914400" rtl="0" eaLnBrk="1" latinLnBrk="0" hangingPunct="1">
+              <a:lnSpc>
+                <a:spcPct val="90000"/>
+              </a:lnSpc>
+              <a:spcBef>
+                <a:spcPts val="1000"/>
+              </a:spcBef>
+              <a:buFont typeface="Arial" panose="020B0604020202020204" pitchFamily="34" charset="0"/>
+              <a:buChar char="•"/>
+              <a:defRPr sz="2800" kern="1200">
+                <a:solidFill>
+                  <a:schemeClr val="tx1"/>
+                </a:solidFill>
+                <a:latin typeface="+mn-lt"/>
+                <a:ea typeface="+mn-ea"/>
+                <a:cs typeface="+mn-cs"/>
+              </a:defRPr>
+            </a:lvl1pPr>
+            <a:lvl2pPr marL="685800" indent="-228600" algn="l" defTabSz="914400" rtl="0" eaLnBrk="1" latinLnBrk="0" hangingPunct="1">
+              <a:lnSpc>
+                <a:spcPct val="90000"/>
+              </a:lnSpc>
+              <a:spcBef>
+                <a:spcPts val="500"/>
+              </a:spcBef>
+              <a:buFont typeface="Arial" panose="020B0604020202020204" pitchFamily="34" charset="0"/>
+              <a:buChar char="•"/>
+              <a:defRPr sz="2400" kern="1200">
+                <a:solidFill>
+                  <a:schemeClr val="tx1"/>
+                </a:solidFill>
+                <a:latin typeface="+mn-lt"/>
+                <a:ea typeface="+mn-ea"/>
+                <a:cs typeface="+mn-cs"/>
+              </a:defRPr>
+            </a:lvl2pPr>
+            <a:lvl3pPr marL="1143000" indent="-228600" algn="l" defTabSz="914400" rtl="0" eaLnBrk="1" latinLnBrk="0" hangingPunct="1">
+              <a:lnSpc>
+                <a:spcPct val="90000"/>
+              </a:lnSpc>
+              <a:spcBef>
+                <a:spcPts val="500"/>
+              </a:spcBef>
+              <a:buFont typeface="Arial" panose="020B0604020202020204" pitchFamily="34" charset="0"/>
+              <a:buChar char="•"/>
+              <a:defRPr sz="2000" kern="1200">
+                <a:solidFill>
+                  <a:schemeClr val="tx1"/>
+                </a:solidFill>
+                <a:latin typeface="+mn-lt"/>
+                <a:ea typeface="+mn-ea"/>
+                <a:cs typeface="+mn-cs"/>
+              </a:defRPr>
+            </a:lvl3pPr>
+            <a:lvl4pPr marL="1600200" indent="-228600" algn="l" defTabSz="914400" rtl="0" eaLnBrk="1" latinLnBrk="0" hangingPunct="1">
+              <a:lnSpc>
+                <a:spcPct val="90000"/>
+              </a:lnSpc>
+              <a:spcBef>
+                <a:spcPts val="500"/>
+              </a:spcBef>
+              <a:buFont typeface="Arial" panose="020B0604020202020204" pitchFamily="34" charset="0"/>
+              <a:buChar char="•"/>
+              <a:defRPr sz="1800" kern="1200">
+                <a:solidFill>
+                  <a:schemeClr val="tx1"/>
+                </a:solidFill>
+                <a:latin typeface="+mn-lt"/>
+                <a:ea typeface="+mn-ea"/>
+                <a:cs typeface="+mn-cs"/>
+              </a:defRPr>
+            </a:lvl4pPr>
+            <a:lvl5pPr marL="2057400" indent="-228600" algn="l" defTabSz="914400" rtl="0" eaLnBrk="1" latinLnBrk="0" hangingPunct="1">
+              <a:lnSpc>
+                <a:spcPct val="90000"/>
+              </a:lnSpc>
+              <a:spcBef>
+                <a:spcPts val="500"/>
+              </a:spcBef>
+              <a:buFont typeface="Arial" panose="020B0604020202020204" pitchFamily="34" charset="0"/>
+              <a:buChar char="•"/>
+              <a:defRPr sz="1800" kern="1200">
+                <a:solidFill>
+                  <a:schemeClr val="tx1"/>
+                </a:solidFill>
+                <a:latin typeface="+mn-lt"/>
+                <a:ea typeface="+mn-ea"/>
+                <a:cs typeface="+mn-cs"/>
+              </a:defRPr>
+            </a:lvl5pPr>
+            <a:lvl6pPr marL="2514600" indent="-228600" algn="l" defTabSz="914400" rtl="0" eaLnBrk="1" latinLnBrk="0" hangingPunct="1">
+              <a:lnSpc>
+                <a:spcPct val="90000"/>
+              </a:lnSpc>
+              <a:spcBef>
+                <a:spcPts val="500"/>
+              </a:spcBef>
+              <a:buFont typeface="Arial" panose="020B0604020202020204" pitchFamily="34" charset="0"/>
+              <a:buChar char="•"/>
+              <a:defRPr sz="1800" kern="1200">
+                <a:solidFill>
+                  <a:schemeClr val="tx1"/>
+                </a:solidFill>
+                <a:latin typeface="+mn-lt"/>
+                <a:ea typeface="+mn-ea"/>
+                <a:cs typeface="+mn-cs"/>
+              </a:defRPr>
+            </a:lvl6pPr>
+            <a:lvl7pPr marL="2971800" indent="-228600" algn="l" defTabSz="914400" rtl="0" eaLnBrk="1" latinLnBrk="0" hangingPunct="1">
+              <a:lnSpc>
+                <a:spcPct val="90000"/>
+              </a:lnSpc>
+              <a:spcBef>
+                <a:spcPts val="500"/>
+              </a:spcBef>
+              <a:buFont typeface="Arial" panose="020B0604020202020204" pitchFamily="34" charset="0"/>
+              <a:buChar char="•"/>
+              <a:defRPr sz="1800" kern="1200">
+                <a:solidFill>
+                  <a:schemeClr val="tx1"/>
+                </a:solidFill>
+                <a:latin typeface="+mn-lt"/>
+                <a:ea typeface="+mn-ea"/>
+                <a:cs typeface="+mn-cs"/>
+              </a:defRPr>
+            </a:lvl7pPr>
+            <a:lvl8pPr marL="3429000" indent="-228600" algn="l" defTabSz="914400" rtl="0" eaLnBrk="1" latinLnBrk="0" hangingPunct="1">
+              <a:lnSpc>
+                <a:spcPct val="90000"/>
+              </a:lnSpc>
+              <a:spcBef>
+                <a:spcPts val="500"/>
+              </a:spcBef>
+              <a:buFont typeface="Arial" panose="020B0604020202020204" pitchFamily="34" charset="0"/>
+              <a:buChar char="•"/>
+              <a:defRPr sz="1800" kern="1200">
+                <a:solidFill>
+                  <a:schemeClr val="tx1"/>
+                </a:solidFill>
+                <a:latin typeface="+mn-lt"/>
+                <a:ea typeface="+mn-ea"/>
+                <a:cs typeface="+mn-cs"/>
+              </a:defRPr>
+            </a:lvl8pPr>
+            <a:lvl9pPr marL="3886200" indent="-228600" algn="l" defTabSz="914400" rtl="0" eaLnBrk="1" latinLnBrk="0" hangingPunct="1">
+              <a:lnSpc>
+                <a:spcPct val="90000"/>
+              </a:lnSpc>
+              <a:spcBef>
+                <a:spcPts val="500"/>
+              </a:spcBef>
+              <a:buFont typeface="Arial" panose="020B0604020202020204" pitchFamily="34" charset="0"/>
+              <a:buChar char="•"/>
+              <a:defRPr sz="1800" kern="1200">
+                <a:solidFill>
+                  <a:schemeClr val="tx1"/>
+                </a:solidFill>
+                <a:latin typeface="+mn-lt"/>
+                <a:ea typeface="+mn-ea"/>
+                <a:cs typeface="+mn-cs"/>
+              </a:defRPr>
+            </a:lvl9pPr>
+          </a:lstStyle>
+          <a:p>
+            <a:pPr marL="0" indent="0" algn="ctr">
+              <a:buFont typeface="Arial" panose="020B0604020202020204" pitchFamily="34" charset="0"/>
+              <a:buNone/>
+            </a:pPr>
+            <a:r>
+              <a:rPr lang="en-US" sz="2000" b="1" dirty="0"/>
+              <a:t>Age</a:t>
+            </a:r>
+          </a:p>
+          <a:p>
+            <a:pPr marL="0" indent="0" algn="ctr">
+              <a:buFont typeface="Arial" panose="020B0604020202020204" pitchFamily="34" charset="0"/>
+              <a:buNone/>
+            </a:pPr>
+            <a:r>
+              <a:rPr lang="en-US" sz="2000" dirty="0"/>
+              <a:t>Average 26, median 20, 78% are under 25</a:t>
+            </a:r>
+            <a:endParaRPr lang="en-US" sz="2000" b="1" dirty="0">
+              <a:solidFill>
+                <a:srgbClr val="993300"/>
+              </a:solidFill>
+            </a:endParaRPr>
+          </a:p>
+        </p:txBody>
+      </p:sp>
+      <p:sp>
+        <p:nvSpPr>
+          <p:cNvPr id="11" name="Content Placeholder 2">
+            <a:extLst>
+              <a:ext uri="{FF2B5EF4-FFF2-40B4-BE49-F238E27FC236}">
+                <a16:creationId xmlns:a16="http://schemas.microsoft.com/office/drawing/2014/main" id="{061C342E-FF80-EE5F-B8FF-1C71B780C1C2}"/>
+              </a:ext>
+            </a:extLst>
+          </p:cNvPr>
+          <p:cNvSpPr txBox="1">
+            <a:spLocks/>
+          </p:cNvSpPr>
+          <p:nvPr/>
+        </p:nvSpPr>
+        <p:spPr>
+          <a:xfrm>
+            <a:off x="3687615" y="3851427"/>
+            <a:ext cx="4816769" cy="982710"/>
+          </a:xfrm>
+          <a:prstGeom prst="rect">
+            <a:avLst/>
+          </a:prstGeom>
+        </p:spPr>
+        <p:txBody>
+          <a:bodyPr vert="horz" lIns="91440" tIns="45720" rIns="91440" bIns="45720" rtlCol="0">
+            <a:normAutofit/>
+          </a:bodyPr>
+          <a:lstStyle>
+            <a:lvl1pPr marL="228600" indent="-228600" algn="l" defTabSz="914400" rtl="0" eaLnBrk="1" latinLnBrk="0" hangingPunct="1">
+              <a:lnSpc>
+                <a:spcPct val="90000"/>
+              </a:lnSpc>
+              <a:spcBef>
+                <a:spcPts val="1000"/>
+              </a:spcBef>
+              <a:buFont typeface="Arial" panose="020B0604020202020204" pitchFamily="34" charset="0"/>
+              <a:buChar char="•"/>
+              <a:defRPr sz="2800" kern="1200">
+                <a:solidFill>
+                  <a:schemeClr val="tx1"/>
+                </a:solidFill>
+                <a:latin typeface="+mn-lt"/>
+                <a:ea typeface="+mn-ea"/>
+                <a:cs typeface="+mn-cs"/>
+              </a:defRPr>
+            </a:lvl1pPr>
+            <a:lvl2pPr marL="685800" indent="-228600" algn="l" defTabSz="914400" rtl="0" eaLnBrk="1" latinLnBrk="0" hangingPunct="1">
+              <a:lnSpc>
+                <a:spcPct val="90000"/>
+              </a:lnSpc>
+              <a:spcBef>
+                <a:spcPts val="500"/>
+              </a:spcBef>
+              <a:buFont typeface="Arial" panose="020B0604020202020204" pitchFamily="34" charset="0"/>
+              <a:buChar char="•"/>
+              <a:defRPr sz="2400" kern="1200">
+                <a:solidFill>
+                  <a:schemeClr val="tx1"/>
+                </a:solidFill>
+                <a:latin typeface="+mn-lt"/>
+                <a:ea typeface="+mn-ea"/>
+                <a:cs typeface="+mn-cs"/>
+              </a:defRPr>
+            </a:lvl2pPr>
+            <a:lvl3pPr marL="1143000" indent="-228600" algn="l" defTabSz="914400" rtl="0" eaLnBrk="1" latinLnBrk="0" hangingPunct="1">
+              <a:lnSpc>
+                <a:spcPct val="90000"/>
+              </a:lnSpc>
+              <a:spcBef>
+                <a:spcPts val="500"/>
+              </a:spcBef>
+              <a:buFont typeface="Arial" panose="020B0604020202020204" pitchFamily="34" charset="0"/>
+              <a:buChar char="•"/>
+              <a:defRPr sz="2000" kern="1200">
+                <a:solidFill>
+                  <a:schemeClr val="tx1"/>
+                </a:solidFill>
+                <a:latin typeface="+mn-lt"/>
+                <a:ea typeface="+mn-ea"/>
+                <a:cs typeface="+mn-cs"/>
+              </a:defRPr>
+            </a:lvl3pPr>
+            <a:lvl4pPr marL="1600200" indent="-228600" algn="l" defTabSz="914400" rtl="0" eaLnBrk="1" latinLnBrk="0" hangingPunct="1">
+              <a:lnSpc>
+                <a:spcPct val="90000"/>
+              </a:lnSpc>
+              <a:spcBef>
+                <a:spcPts val="500"/>
+              </a:spcBef>
+              <a:buFont typeface="Arial" panose="020B0604020202020204" pitchFamily="34" charset="0"/>
+              <a:buChar char="•"/>
+              <a:defRPr sz="1800" kern="1200">
+                <a:solidFill>
+                  <a:schemeClr val="tx1"/>
+                </a:solidFill>
+                <a:latin typeface="+mn-lt"/>
+                <a:ea typeface="+mn-ea"/>
+                <a:cs typeface="+mn-cs"/>
+              </a:defRPr>
+            </a:lvl4pPr>
+            <a:lvl5pPr marL="2057400" indent="-228600" algn="l" defTabSz="914400" rtl="0" eaLnBrk="1" latinLnBrk="0" hangingPunct="1">
+              <a:lnSpc>
+                <a:spcPct val="90000"/>
+              </a:lnSpc>
+              <a:spcBef>
+                <a:spcPts val="500"/>
+              </a:spcBef>
+              <a:buFont typeface="Arial" panose="020B0604020202020204" pitchFamily="34" charset="0"/>
+              <a:buChar char="•"/>
+              <a:defRPr sz="1800" kern="1200">
+                <a:solidFill>
+                  <a:schemeClr val="tx1"/>
+                </a:solidFill>
+                <a:latin typeface="+mn-lt"/>
+                <a:ea typeface="+mn-ea"/>
+                <a:cs typeface="+mn-cs"/>
+              </a:defRPr>
+            </a:lvl5pPr>
+            <a:lvl6pPr marL="2514600" indent="-228600" algn="l" defTabSz="914400" rtl="0" eaLnBrk="1" latinLnBrk="0" hangingPunct="1">
+              <a:lnSpc>
+                <a:spcPct val="90000"/>
+              </a:lnSpc>
+              <a:spcBef>
+                <a:spcPts val="500"/>
+              </a:spcBef>
+              <a:buFont typeface="Arial" panose="020B0604020202020204" pitchFamily="34" charset="0"/>
+              <a:buChar char="•"/>
+              <a:defRPr sz="1800" kern="1200">
+                <a:solidFill>
+                  <a:schemeClr val="tx1"/>
+                </a:solidFill>
+                <a:latin typeface="+mn-lt"/>
+                <a:ea typeface="+mn-ea"/>
+                <a:cs typeface="+mn-cs"/>
+              </a:defRPr>
+            </a:lvl6pPr>
+            <a:lvl7pPr marL="2971800" indent="-228600" algn="l" defTabSz="914400" rtl="0" eaLnBrk="1" latinLnBrk="0" hangingPunct="1">
+              <a:lnSpc>
+                <a:spcPct val="90000"/>
+              </a:lnSpc>
+              <a:spcBef>
+                <a:spcPts val="500"/>
+              </a:spcBef>
+              <a:buFont typeface="Arial" panose="020B0604020202020204" pitchFamily="34" charset="0"/>
+              <a:buChar char="•"/>
+              <a:defRPr sz="1800" kern="1200">
+                <a:solidFill>
+                  <a:schemeClr val="tx1"/>
+                </a:solidFill>
+                <a:latin typeface="+mn-lt"/>
+                <a:ea typeface="+mn-ea"/>
+                <a:cs typeface="+mn-cs"/>
+              </a:defRPr>
+            </a:lvl7pPr>
+            <a:lvl8pPr marL="3429000" indent="-228600" algn="l" defTabSz="914400" rtl="0" eaLnBrk="1" latinLnBrk="0" hangingPunct="1">
+              <a:lnSpc>
+                <a:spcPct val="90000"/>
+              </a:lnSpc>
+              <a:spcBef>
+                <a:spcPts val="500"/>
+              </a:spcBef>
+              <a:buFont typeface="Arial" panose="020B0604020202020204" pitchFamily="34" charset="0"/>
+              <a:buChar char="•"/>
+              <a:defRPr sz="1800" kern="1200">
+                <a:solidFill>
+                  <a:schemeClr val="tx1"/>
+                </a:solidFill>
+                <a:latin typeface="+mn-lt"/>
+                <a:ea typeface="+mn-ea"/>
+                <a:cs typeface="+mn-cs"/>
+              </a:defRPr>
+            </a:lvl8pPr>
+            <a:lvl9pPr marL="3886200" indent="-228600" algn="l" defTabSz="914400" rtl="0" eaLnBrk="1" latinLnBrk="0" hangingPunct="1">
+              <a:lnSpc>
+                <a:spcPct val="90000"/>
+              </a:lnSpc>
+              <a:spcBef>
+                <a:spcPts val="500"/>
+              </a:spcBef>
+              <a:buFont typeface="Arial" panose="020B0604020202020204" pitchFamily="34" charset="0"/>
+              <a:buChar char="•"/>
+              <a:defRPr sz="1800" kern="1200">
+                <a:solidFill>
+                  <a:schemeClr val="tx1"/>
+                </a:solidFill>
+                <a:latin typeface="+mn-lt"/>
+                <a:ea typeface="+mn-ea"/>
+                <a:cs typeface="+mn-cs"/>
+              </a:defRPr>
+            </a:lvl9pPr>
+          </a:lstStyle>
+          <a:p>
+            <a:pPr marL="0" indent="0" algn="ctr">
+              <a:buFont typeface="Arial" panose="020B0604020202020204" pitchFamily="34" charset="0"/>
+              <a:buNone/>
+            </a:pPr>
+            <a:r>
+              <a:rPr lang="en-US" sz="2000" b="1" dirty="0"/>
+              <a:t>Have reasons for using the app* </a:t>
+            </a:r>
+          </a:p>
+          <a:p>
+            <a:pPr marL="0" indent="0" algn="ctr">
+              <a:buFont typeface="Arial" panose="020B0604020202020204" pitchFamily="34" charset="0"/>
+              <a:buNone/>
+            </a:pPr>
+            <a:r>
+              <a:rPr lang="en-US" sz="2000" dirty="0"/>
+              <a:t>6 out of 8 who answered the question (75%)</a:t>
+            </a:r>
+            <a:endParaRPr lang="en-US" sz="2000" b="1" dirty="0">
+              <a:solidFill>
+                <a:srgbClr val="993300"/>
+              </a:solidFill>
+            </a:endParaRPr>
+          </a:p>
+        </p:txBody>
+      </p:sp>
+      <p:sp>
+        <p:nvSpPr>
+          <p:cNvPr id="12" name="Content Placeholder 2">
+            <a:extLst>
+              <a:ext uri="{FF2B5EF4-FFF2-40B4-BE49-F238E27FC236}">
+                <a16:creationId xmlns:a16="http://schemas.microsoft.com/office/drawing/2014/main" id="{D16E3594-574A-2B78-D3F4-B5C0762E7C75}"/>
+              </a:ext>
+            </a:extLst>
+          </p:cNvPr>
+          <p:cNvSpPr txBox="1">
+            <a:spLocks/>
+          </p:cNvSpPr>
+          <p:nvPr/>
+        </p:nvSpPr>
+        <p:spPr>
+          <a:xfrm>
+            <a:off x="4854537" y="5083087"/>
+            <a:ext cx="2482923" cy="424580"/>
+          </a:xfrm>
+          <a:prstGeom prst="rect">
+            <a:avLst/>
+          </a:prstGeom>
+        </p:spPr>
+        <p:txBody>
+          <a:bodyPr vert="horz" lIns="91440" tIns="45720" rIns="91440" bIns="45720" rtlCol="0">
+            <a:normAutofit/>
+          </a:bodyPr>
+          <a:lstStyle>
+            <a:lvl1pPr marL="228600" indent="-228600" algn="l" defTabSz="914400" rtl="0" eaLnBrk="1" latinLnBrk="0" hangingPunct="1">
+              <a:lnSpc>
+                <a:spcPct val="90000"/>
+              </a:lnSpc>
+              <a:spcBef>
+                <a:spcPts val="1000"/>
+              </a:spcBef>
+              <a:buFont typeface="Arial" panose="020B0604020202020204" pitchFamily="34" charset="0"/>
+              <a:buChar char="•"/>
+              <a:defRPr sz="2800" kern="1200">
+                <a:solidFill>
+                  <a:schemeClr val="tx1"/>
+                </a:solidFill>
+                <a:latin typeface="+mn-lt"/>
+                <a:ea typeface="+mn-ea"/>
+                <a:cs typeface="+mn-cs"/>
+              </a:defRPr>
+            </a:lvl1pPr>
+            <a:lvl2pPr marL="685800" indent="-228600" algn="l" defTabSz="914400" rtl="0" eaLnBrk="1" latinLnBrk="0" hangingPunct="1">
+              <a:lnSpc>
+                <a:spcPct val="90000"/>
+              </a:lnSpc>
+              <a:spcBef>
+                <a:spcPts val="500"/>
+              </a:spcBef>
+              <a:buFont typeface="Arial" panose="020B0604020202020204" pitchFamily="34" charset="0"/>
+              <a:buChar char="•"/>
+              <a:defRPr sz="2400" kern="1200">
+                <a:solidFill>
+                  <a:schemeClr val="tx1"/>
+                </a:solidFill>
+                <a:latin typeface="+mn-lt"/>
+                <a:ea typeface="+mn-ea"/>
+                <a:cs typeface="+mn-cs"/>
+              </a:defRPr>
+            </a:lvl2pPr>
+            <a:lvl3pPr marL="1143000" indent="-228600" algn="l" defTabSz="914400" rtl="0" eaLnBrk="1" latinLnBrk="0" hangingPunct="1">
+              <a:lnSpc>
+                <a:spcPct val="90000"/>
+              </a:lnSpc>
+              <a:spcBef>
+                <a:spcPts val="500"/>
+              </a:spcBef>
+              <a:buFont typeface="Arial" panose="020B0604020202020204" pitchFamily="34" charset="0"/>
+              <a:buChar char="•"/>
+              <a:defRPr sz="2000" kern="1200">
+                <a:solidFill>
+                  <a:schemeClr val="tx1"/>
+                </a:solidFill>
+                <a:latin typeface="+mn-lt"/>
+                <a:ea typeface="+mn-ea"/>
+                <a:cs typeface="+mn-cs"/>
+              </a:defRPr>
+            </a:lvl3pPr>
+            <a:lvl4pPr marL="1600200" indent="-228600" algn="l" defTabSz="914400" rtl="0" eaLnBrk="1" latinLnBrk="0" hangingPunct="1">
+              <a:lnSpc>
+                <a:spcPct val="90000"/>
+              </a:lnSpc>
+              <a:spcBef>
+                <a:spcPts val="500"/>
+              </a:spcBef>
+              <a:buFont typeface="Arial" panose="020B0604020202020204" pitchFamily="34" charset="0"/>
+              <a:buChar char="•"/>
+              <a:defRPr sz="1800" kern="1200">
+                <a:solidFill>
+                  <a:schemeClr val="tx1"/>
+                </a:solidFill>
+                <a:latin typeface="+mn-lt"/>
+                <a:ea typeface="+mn-ea"/>
+                <a:cs typeface="+mn-cs"/>
+              </a:defRPr>
+            </a:lvl4pPr>
+            <a:lvl5pPr marL="2057400" indent="-228600" algn="l" defTabSz="914400" rtl="0" eaLnBrk="1" latinLnBrk="0" hangingPunct="1">
+              <a:lnSpc>
+                <a:spcPct val="90000"/>
+              </a:lnSpc>
+              <a:spcBef>
+                <a:spcPts val="500"/>
+              </a:spcBef>
+              <a:buFont typeface="Arial" panose="020B0604020202020204" pitchFamily="34" charset="0"/>
+              <a:buChar char="•"/>
+              <a:defRPr sz="1800" kern="1200">
+                <a:solidFill>
+                  <a:schemeClr val="tx1"/>
+                </a:solidFill>
+                <a:latin typeface="+mn-lt"/>
+                <a:ea typeface="+mn-ea"/>
+                <a:cs typeface="+mn-cs"/>
+              </a:defRPr>
+            </a:lvl5pPr>
+            <a:lvl6pPr marL="2514600" indent="-228600" algn="l" defTabSz="914400" rtl="0" eaLnBrk="1" latinLnBrk="0" hangingPunct="1">
+              <a:lnSpc>
+                <a:spcPct val="90000"/>
+              </a:lnSpc>
+              <a:spcBef>
+                <a:spcPts val="500"/>
+              </a:spcBef>
+              <a:buFont typeface="Arial" panose="020B0604020202020204" pitchFamily="34" charset="0"/>
+              <a:buChar char="•"/>
+              <a:defRPr sz="1800" kern="1200">
+                <a:solidFill>
+                  <a:schemeClr val="tx1"/>
+                </a:solidFill>
+                <a:latin typeface="+mn-lt"/>
+                <a:ea typeface="+mn-ea"/>
+                <a:cs typeface="+mn-cs"/>
+              </a:defRPr>
+            </a:lvl6pPr>
+            <a:lvl7pPr marL="2971800" indent="-228600" algn="l" defTabSz="914400" rtl="0" eaLnBrk="1" latinLnBrk="0" hangingPunct="1">
+              <a:lnSpc>
+                <a:spcPct val="90000"/>
+              </a:lnSpc>
+              <a:spcBef>
+                <a:spcPts val="500"/>
+              </a:spcBef>
+              <a:buFont typeface="Arial" panose="020B0604020202020204" pitchFamily="34" charset="0"/>
+              <a:buChar char="•"/>
+              <a:defRPr sz="1800" kern="1200">
+                <a:solidFill>
+                  <a:schemeClr val="tx1"/>
+                </a:solidFill>
+                <a:latin typeface="+mn-lt"/>
+                <a:ea typeface="+mn-ea"/>
+                <a:cs typeface="+mn-cs"/>
+              </a:defRPr>
+            </a:lvl7pPr>
+            <a:lvl8pPr marL="3429000" indent="-228600" algn="l" defTabSz="914400" rtl="0" eaLnBrk="1" latinLnBrk="0" hangingPunct="1">
+              <a:lnSpc>
+                <a:spcPct val="90000"/>
+              </a:lnSpc>
+              <a:spcBef>
+                <a:spcPts val="500"/>
+              </a:spcBef>
+              <a:buFont typeface="Arial" panose="020B0604020202020204" pitchFamily="34" charset="0"/>
+              <a:buChar char="•"/>
+              <a:defRPr sz="1800" kern="1200">
+                <a:solidFill>
+                  <a:schemeClr val="tx1"/>
+                </a:solidFill>
+                <a:latin typeface="+mn-lt"/>
+                <a:ea typeface="+mn-ea"/>
+                <a:cs typeface="+mn-cs"/>
+              </a:defRPr>
+            </a:lvl8pPr>
+            <a:lvl9pPr marL="3886200" indent="-228600" algn="l" defTabSz="914400" rtl="0" eaLnBrk="1" latinLnBrk="0" hangingPunct="1">
+              <a:lnSpc>
+                <a:spcPct val="90000"/>
+              </a:lnSpc>
+              <a:spcBef>
+                <a:spcPts val="500"/>
+              </a:spcBef>
+              <a:buFont typeface="Arial" panose="020B0604020202020204" pitchFamily="34" charset="0"/>
+              <a:buChar char="•"/>
+              <a:defRPr sz="1800" kern="1200">
+                <a:solidFill>
+                  <a:schemeClr val="tx1"/>
+                </a:solidFill>
+                <a:latin typeface="+mn-lt"/>
+                <a:ea typeface="+mn-ea"/>
+                <a:cs typeface="+mn-cs"/>
+              </a:defRPr>
+            </a:lvl9pPr>
+          </a:lstStyle>
+          <a:p>
+            <a:pPr marL="0" indent="0" algn="ctr">
+              <a:buFont typeface="Arial" panose="020B0604020202020204" pitchFamily="34" charset="0"/>
+              <a:buNone/>
+            </a:pPr>
+            <a:r>
+              <a:rPr lang="en-US" sz="2000" b="1" dirty="0">
+                <a:solidFill>
+                  <a:srgbClr val="993300"/>
+                </a:solidFill>
+              </a:rPr>
+              <a:t>Acceptable sample</a:t>
+            </a:r>
+          </a:p>
+        </p:txBody>
+      </p:sp>
+      <p:sp>
+        <p:nvSpPr>
+          <p:cNvPr id="13" name="Content Placeholder 2">
+            <a:extLst>
+              <a:ext uri="{FF2B5EF4-FFF2-40B4-BE49-F238E27FC236}">
+                <a16:creationId xmlns:a16="http://schemas.microsoft.com/office/drawing/2014/main" id="{7DBE3E09-9220-44CE-DF64-13857C707CCC}"/>
+              </a:ext>
+            </a:extLst>
+          </p:cNvPr>
+          <p:cNvSpPr txBox="1">
+            <a:spLocks/>
+          </p:cNvSpPr>
+          <p:nvPr/>
+        </p:nvSpPr>
+        <p:spPr>
+          <a:xfrm>
+            <a:off x="8868545" y="5555747"/>
+            <a:ext cx="3236619" cy="1224384"/>
+          </a:xfrm>
+          <a:prstGeom prst="rect">
+            <a:avLst/>
+          </a:prstGeom>
+        </p:spPr>
+        <p:txBody>
+          <a:bodyPr vert="horz" lIns="91440" tIns="45720" rIns="91440" bIns="45720" rtlCol="0">
+            <a:normAutofit/>
+          </a:bodyPr>
+          <a:lstStyle>
+            <a:lvl1pPr marL="228600" indent="-228600" algn="l" defTabSz="914400" rtl="0" eaLnBrk="1" latinLnBrk="0" hangingPunct="1">
+              <a:lnSpc>
+                <a:spcPct val="90000"/>
+              </a:lnSpc>
+              <a:spcBef>
+                <a:spcPts val="1000"/>
+              </a:spcBef>
+              <a:buFont typeface="Arial" panose="020B0604020202020204" pitchFamily="34" charset="0"/>
+              <a:buChar char="•"/>
+              <a:defRPr sz="2800" kern="1200">
+                <a:solidFill>
+                  <a:schemeClr val="tx1"/>
+                </a:solidFill>
+                <a:latin typeface="+mn-lt"/>
+                <a:ea typeface="+mn-ea"/>
+                <a:cs typeface="+mn-cs"/>
+              </a:defRPr>
+            </a:lvl1pPr>
+            <a:lvl2pPr marL="685800" indent="-228600" algn="l" defTabSz="914400" rtl="0" eaLnBrk="1" latinLnBrk="0" hangingPunct="1">
+              <a:lnSpc>
+                <a:spcPct val="90000"/>
+              </a:lnSpc>
+              <a:spcBef>
+                <a:spcPts val="500"/>
+              </a:spcBef>
+              <a:buFont typeface="Arial" panose="020B0604020202020204" pitchFamily="34" charset="0"/>
+              <a:buChar char="•"/>
+              <a:defRPr sz="2400" kern="1200">
+                <a:solidFill>
+                  <a:schemeClr val="tx1"/>
+                </a:solidFill>
+                <a:latin typeface="+mn-lt"/>
+                <a:ea typeface="+mn-ea"/>
+                <a:cs typeface="+mn-cs"/>
+              </a:defRPr>
+            </a:lvl2pPr>
+            <a:lvl3pPr marL="1143000" indent="-228600" algn="l" defTabSz="914400" rtl="0" eaLnBrk="1" latinLnBrk="0" hangingPunct="1">
+              <a:lnSpc>
+                <a:spcPct val="90000"/>
+              </a:lnSpc>
+              <a:spcBef>
+                <a:spcPts val="500"/>
+              </a:spcBef>
+              <a:buFont typeface="Arial" panose="020B0604020202020204" pitchFamily="34" charset="0"/>
+              <a:buChar char="•"/>
+              <a:defRPr sz="2000" kern="1200">
+                <a:solidFill>
+                  <a:schemeClr val="tx1"/>
+                </a:solidFill>
+                <a:latin typeface="+mn-lt"/>
+                <a:ea typeface="+mn-ea"/>
+                <a:cs typeface="+mn-cs"/>
+              </a:defRPr>
+            </a:lvl3pPr>
+            <a:lvl4pPr marL="1600200" indent="-228600" algn="l" defTabSz="914400" rtl="0" eaLnBrk="1" latinLnBrk="0" hangingPunct="1">
+              <a:lnSpc>
+                <a:spcPct val="90000"/>
+              </a:lnSpc>
+              <a:spcBef>
+                <a:spcPts val="500"/>
+              </a:spcBef>
+              <a:buFont typeface="Arial" panose="020B0604020202020204" pitchFamily="34" charset="0"/>
+              <a:buChar char="•"/>
+              <a:defRPr sz="1800" kern="1200">
+                <a:solidFill>
+                  <a:schemeClr val="tx1"/>
+                </a:solidFill>
+                <a:latin typeface="+mn-lt"/>
+                <a:ea typeface="+mn-ea"/>
+                <a:cs typeface="+mn-cs"/>
+              </a:defRPr>
+            </a:lvl4pPr>
+            <a:lvl5pPr marL="2057400" indent="-228600" algn="l" defTabSz="914400" rtl="0" eaLnBrk="1" latinLnBrk="0" hangingPunct="1">
+              <a:lnSpc>
+                <a:spcPct val="90000"/>
+              </a:lnSpc>
+              <a:spcBef>
+                <a:spcPts val="500"/>
+              </a:spcBef>
+              <a:buFont typeface="Arial" panose="020B0604020202020204" pitchFamily="34" charset="0"/>
+              <a:buChar char="•"/>
+              <a:defRPr sz="1800" kern="1200">
+                <a:solidFill>
+                  <a:schemeClr val="tx1"/>
+                </a:solidFill>
+                <a:latin typeface="+mn-lt"/>
+                <a:ea typeface="+mn-ea"/>
+                <a:cs typeface="+mn-cs"/>
+              </a:defRPr>
+            </a:lvl5pPr>
+            <a:lvl6pPr marL="2514600" indent="-228600" algn="l" defTabSz="914400" rtl="0" eaLnBrk="1" latinLnBrk="0" hangingPunct="1">
+              <a:lnSpc>
+                <a:spcPct val="90000"/>
+              </a:lnSpc>
+              <a:spcBef>
+                <a:spcPts val="500"/>
+              </a:spcBef>
+              <a:buFont typeface="Arial" panose="020B0604020202020204" pitchFamily="34" charset="0"/>
+              <a:buChar char="•"/>
+              <a:defRPr sz="1800" kern="1200">
+                <a:solidFill>
+                  <a:schemeClr val="tx1"/>
+                </a:solidFill>
+                <a:latin typeface="+mn-lt"/>
+                <a:ea typeface="+mn-ea"/>
+                <a:cs typeface="+mn-cs"/>
+              </a:defRPr>
+            </a:lvl6pPr>
+            <a:lvl7pPr marL="2971800" indent="-228600" algn="l" defTabSz="914400" rtl="0" eaLnBrk="1" latinLnBrk="0" hangingPunct="1">
+              <a:lnSpc>
+                <a:spcPct val="90000"/>
+              </a:lnSpc>
+              <a:spcBef>
+                <a:spcPts val="500"/>
+              </a:spcBef>
+              <a:buFont typeface="Arial" panose="020B0604020202020204" pitchFamily="34" charset="0"/>
+              <a:buChar char="•"/>
+              <a:defRPr sz="1800" kern="1200">
+                <a:solidFill>
+                  <a:schemeClr val="tx1"/>
+                </a:solidFill>
+                <a:latin typeface="+mn-lt"/>
+                <a:ea typeface="+mn-ea"/>
+                <a:cs typeface="+mn-cs"/>
+              </a:defRPr>
+            </a:lvl7pPr>
+            <a:lvl8pPr marL="3429000" indent="-228600" algn="l" defTabSz="914400" rtl="0" eaLnBrk="1" latinLnBrk="0" hangingPunct="1">
+              <a:lnSpc>
+                <a:spcPct val="90000"/>
+              </a:lnSpc>
+              <a:spcBef>
+                <a:spcPts val="500"/>
+              </a:spcBef>
+              <a:buFont typeface="Arial" panose="020B0604020202020204" pitchFamily="34" charset="0"/>
+              <a:buChar char="•"/>
+              <a:defRPr sz="1800" kern="1200">
+                <a:solidFill>
+                  <a:schemeClr val="tx1"/>
+                </a:solidFill>
+                <a:latin typeface="+mn-lt"/>
+                <a:ea typeface="+mn-ea"/>
+                <a:cs typeface="+mn-cs"/>
+              </a:defRPr>
+            </a:lvl8pPr>
+            <a:lvl9pPr marL="3886200" indent="-228600" algn="l" defTabSz="914400" rtl="0" eaLnBrk="1" latinLnBrk="0" hangingPunct="1">
+              <a:lnSpc>
+                <a:spcPct val="90000"/>
+              </a:lnSpc>
+              <a:spcBef>
+                <a:spcPts val="500"/>
+              </a:spcBef>
+              <a:buFont typeface="Arial" panose="020B0604020202020204" pitchFamily="34" charset="0"/>
+              <a:buChar char="•"/>
+              <a:defRPr sz="1800" kern="1200">
+                <a:solidFill>
+                  <a:schemeClr val="tx1"/>
+                </a:solidFill>
+                <a:latin typeface="+mn-lt"/>
+                <a:ea typeface="+mn-ea"/>
+                <a:cs typeface="+mn-cs"/>
+              </a:defRPr>
+            </a:lvl9pPr>
+          </a:lstStyle>
+          <a:p>
+            <a:pPr marL="0" indent="0" algn="ctr">
+              <a:buFont typeface="Arial" panose="020B0604020202020204" pitchFamily="34" charset="0"/>
+              <a:buNone/>
+            </a:pPr>
+            <a:r>
+              <a:rPr lang="en-US" sz="2000" i="1" dirty="0"/>
+              <a:t>*Has been a renter, has been a landlord or is interested in using the app in the near future</a:t>
+            </a:r>
+            <a:endParaRPr lang="en-US" sz="2000" i="1" dirty="0">
+              <a:solidFill>
+                <a:srgbClr val="993300"/>
+              </a:solidFill>
+            </a:endParaRPr>
+          </a:p>
+        </p:txBody>
+      </p:sp>
+    </p:spTree>
+    <p:extLst>
+      <p:ext uri="{BB962C8B-B14F-4D97-AF65-F5344CB8AC3E}">
+        <p14:creationId xmlns:p14="http://schemas.microsoft.com/office/powerpoint/2010/main" val="580381545"/>
+      </p:ext>
+    </p:extLst>
+  </p:cSld>
+  <p:clrMapOvr>
+    <a:masterClrMapping/>
+  </p:clrMapOvr>
+</p:sld>
+</file>
+
+<file path=ppt/slides/slide11.xml><?xml version="1.0" encoding="utf-8"?>
+<p:sld xmlns:a="http://schemas.openxmlformats.org/drawingml/2006/main" xmlns:r="http://schemas.openxmlformats.org/officeDocument/2006/relationships" xmlns:p="http://schemas.openxmlformats.org/presentationml/2006/main">
+  <p:cSld>
+    <p:spTree>
+      <p:nvGrpSpPr>
+        <p:cNvPr id="1" name=""/>
+        <p:cNvGrpSpPr/>
+        <p:nvPr/>
+      </p:nvGrpSpPr>
+      <p:grpSpPr>
+        <a:xfrm>
+          <a:off x="0" y="0"/>
+          <a:ext cx="0" cy="0"/>
+          <a:chOff x="0" y="0"/>
+          <a:chExt cx="0" cy="0"/>
+        </a:xfrm>
+      </p:grpSpPr>
+      <p:pic>
+        <p:nvPicPr>
+          <p:cNvPr id="5" name="Picture 4" descr="A picture containing text, clipart&#10;&#10;Description automatically generated">
+            <a:extLst>
+              <a:ext uri="{FF2B5EF4-FFF2-40B4-BE49-F238E27FC236}">
+                <a16:creationId xmlns:a16="http://schemas.microsoft.com/office/drawing/2014/main" id="{AEEF4F80-6182-437F-8FB9-E546318E1786}"/>
+              </a:ext>
+            </a:extLst>
+          </p:cNvPr>
+          <p:cNvPicPr>
+            <a:picLocks noChangeAspect="1"/>
+          </p:cNvPicPr>
+          <p:nvPr/>
+        </p:nvPicPr>
+        <p:blipFill>
+          <a:blip r:embed="rId2">
+            <a:extLst>
+              <a:ext uri="{28A0092B-C50C-407E-A947-70E740481C1C}">
+                <a14:useLocalDpi xmlns:a14="http://schemas.microsoft.com/office/drawing/2010/main" val="0"/>
+              </a:ext>
+            </a:extLst>
+          </a:blip>
+          <a:stretch>
+            <a:fillRect/>
+          </a:stretch>
+        </p:blipFill>
+        <p:spPr>
+          <a:xfrm>
+            <a:off x="8248817" y="327168"/>
+            <a:ext cx="3640043" cy="1401476"/>
+          </a:xfrm>
+          <a:prstGeom prst="rect">
+            <a:avLst/>
+          </a:prstGeom>
+        </p:spPr>
+      </p:pic>
+      <p:sp>
+        <p:nvSpPr>
+          <p:cNvPr id="6" name="Title 1">
+            <a:extLst>
+              <a:ext uri="{FF2B5EF4-FFF2-40B4-BE49-F238E27FC236}">
+                <a16:creationId xmlns:a16="http://schemas.microsoft.com/office/drawing/2014/main" id="{67EAB101-CB65-4E80-9086-38AF17265C5D}"/>
+              </a:ext>
+            </a:extLst>
+          </p:cNvPr>
+          <p:cNvSpPr txBox="1">
+            <a:spLocks/>
+          </p:cNvSpPr>
+          <p:nvPr/>
+        </p:nvSpPr>
+        <p:spPr>
+          <a:xfrm>
+            <a:off x="704851" y="570706"/>
+            <a:ext cx="7219949" cy="914399"/>
+          </a:xfrm>
+          <a:prstGeom prst="rect">
+            <a:avLst/>
+          </a:prstGeom>
+        </p:spPr>
+        <p:txBody>
+          <a:bodyPr vert="horz" lIns="91440" tIns="45720" rIns="91440" bIns="45720" rtlCol="0" anchor="ctr">
+            <a:normAutofit/>
+          </a:bodyPr>
+          <a:lstStyle>
+            <a:lvl1pPr algn="l" defTabSz="914400" rtl="0" eaLnBrk="1" latinLnBrk="0" hangingPunct="1">
+              <a:lnSpc>
+                <a:spcPct val="90000"/>
+              </a:lnSpc>
+              <a:spcBef>
+                <a:spcPct val="0"/>
+              </a:spcBef>
+              <a:buNone/>
+              <a:defRPr sz="4400" kern="1200">
+                <a:solidFill>
+                  <a:schemeClr val="tx1"/>
+                </a:solidFill>
+                <a:latin typeface="+mj-lt"/>
+                <a:ea typeface="+mj-ea"/>
+                <a:cs typeface="+mj-cs"/>
+              </a:defRPr>
+            </a:lvl1pPr>
+          </a:lstStyle>
+          <a:p>
+            <a:r>
+              <a:rPr lang="en-US" b="1" dirty="0"/>
               <a:t>Conclusions</a:t>
             </a:r>
           </a:p>
@@ -19635,17 +21044,17 @@
           <a:p>
             <a:r>
               <a:rPr lang="en-US" b="1" dirty="0"/>
-              <a:t>User Evaluation Summary</a:t>
+              <a:t>User Evaluation Summary (1/2)</a:t>
             </a:r>
           </a:p>
         </p:txBody>
       </p:sp>
       <p:sp>
         <p:nvSpPr>
-          <p:cNvPr id="7" name="Content Placeholder 2">
+          <p:cNvPr id="14" name="Content Placeholder 2">
             <a:extLst>
               <a:ext uri="{FF2B5EF4-FFF2-40B4-BE49-F238E27FC236}">
-                <a16:creationId xmlns:a16="http://schemas.microsoft.com/office/drawing/2014/main" id="{1656EF8D-7FD8-D790-0595-F12942DAEB06}"/>
+                <a16:creationId xmlns:a16="http://schemas.microsoft.com/office/drawing/2014/main" id="{A59E8324-3566-D8B2-1B43-963B1AEA4068}"/>
               </a:ext>
             </a:extLst>
           </p:cNvPr>
@@ -19656,8 +21065,8 @@
         </p:nvSpPr>
         <p:spPr>
           <a:xfrm>
-            <a:off x="704851" y="1810752"/>
-            <a:ext cx="5159005" cy="4111583"/>
+            <a:off x="704851" y="1911761"/>
+            <a:ext cx="3106921" cy="482770"/>
           </a:xfrm>
           <a:prstGeom prst="rect">
             <a:avLst/>
@@ -19838,13 +21247,406 @@
             </a:pPr>
             <a:r>
               <a:rPr lang="en-US" sz="2000" b="1" dirty="0"/>
-              <a:t>13 responses</a:t>
+              <a:t>Home Page (Call to Action)</a:t>
             </a:r>
+            <a:endParaRPr lang="en-US" sz="2000" dirty="0"/>
+          </a:p>
+        </p:txBody>
+      </p:sp>
+      <p:sp>
+        <p:nvSpPr>
+          <p:cNvPr id="15" name="Content Placeholder 2">
+            <a:extLst>
+              <a:ext uri="{FF2B5EF4-FFF2-40B4-BE49-F238E27FC236}">
+                <a16:creationId xmlns:a16="http://schemas.microsoft.com/office/drawing/2014/main" id="{B7A54736-4E7D-D607-65E1-7A256C8E4B40}"/>
+              </a:ext>
+            </a:extLst>
+          </p:cNvPr>
+          <p:cNvSpPr txBox="1">
+            <a:spLocks/>
+          </p:cNvSpPr>
+          <p:nvPr/>
+        </p:nvSpPr>
+        <p:spPr>
+          <a:xfrm>
+            <a:off x="4314825" y="1911761"/>
+            <a:ext cx="7721231" cy="778276"/>
+          </a:xfrm>
+          <a:prstGeom prst="rect">
+            <a:avLst/>
+          </a:prstGeom>
+        </p:spPr>
+        <p:txBody>
+          <a:bodyPr vert="horz" lIns="91440" tIns="45720" rIns="91440" bIns="45720" rtlCol="0">
+            <a:normAutofit/>
+          </a:bodyPr>
+          <a:lstStyle>
+            <a:lvl1pPr marL="228600" indent="-228600" algn="l" defTabSz="914400" rtl="0" eaLnBrk="1" latinLnBrk="0" hangingPunct="1">
+              <a:lnSpc>
+                <a:spcPct val="90000"/>
+              </a:lnSpc>
+              <a:spcBef>
+                <a:spcPts val="1000"/>
+              </a:spcBef>
+              <a:buFont typeface="Arial" panose="020B0604020202020204" pitchFamily="34" charset="0"/>
+              <a:buChar char="•"/>
+              <a:defRPr sz="2800" kern="1200">
+                <a:solidFill>
+                  <a:schemeClr val="tx1"/>
+                </a:solidFill>
+                <a:latin typeface="+mn-lt"/>
+                <a:ea typeface="+mn-ea"/>
+                <a:cs typeface="+mn-cs"/>
+              </a:defRPr>
+            </a:lvl1pPr>
+            <a:lvl2pPr marL="685800" indent="-228600" algn="l" defTabSz="914400" rtl="0" eaLnBrk="1" latinLnBrk="0" hangingPunct="1">
+              <a:lnSpc>
+                <a:spcPct val="90000"/>
+              </a:lnSpc>
+              <a:spcBef>
+                <a:spcPts val="500"/>
+              </a:spcBef>
+              <a:buFont typeface="Arial" panose="020B0604020202020204" pitchFamily="34" charset="0"/>
+              <a:buChar char="•"/>
+              <a:defRPr sz="2400" kern="1200">
+                <a:solidFill>
+                  <a:schemeClr val="tx1"/>
+                </a:solidFill>
+                <a:latin typeface="+mn-lt"/>
+                <a:ea typeface="+mn-ea"/>
+                <a:cs typeface="+mn-cs"/>
+              </a:defRPr>
+            </a:lvl2pPr>
+            <a:lvl3pPr marL="1143000" indent="-228600" algn="l" defTabSz="914400" rtl="0" eaLnBrk="1" latinLnBrk="0" hangingPunct="1">
+              <a:lnSpc>
+                <a:spcPct val="90000"/>
+              </a:lnSpc>
+              <a:spcBef>
+                <a:spcPts val="500"/>
+              </a:spcBef>
+              <a:buFont typeface="Arial" panose="020B0604020202020204" pitchFamily="34" charset="0"/>
+              <a:buChar char="•"/>
+              <a:defRPr sz="2000" kern="1200">
+                <a:solidFill>
+                  <a:schemeClr val="tx1"/>
+                </a:solidFill>
+                <a:latin typeface="+mn-lt"/>
+                <a:ea typeface="+mn-ea"/>
+                <a:cs typeface="+mn-cs"/>
+              </a:defRPr>
+            </a:lvl3pPr>
+            <a:lvl4pPr marL="1600200" indent="-228600" algn="l" defTabSz="914400" rtl="0" eaLnBrk="1" latinLnBrk="0" hangingPunct="1">
+              <a:lnSpc>
+                <a:spcPct val="90000"/>
+              </a:lnSpc>
+              <a:spcBef>
+                <a:spcPts val="500"/>
+              </a:spcBef>
+              <a:buFont typeface="Arial" panose="020B0604020202020204" pitchFamily="34" charset="0"/>
+              <a:buChar char="•"/>
+              <a:defRPr sz="1800" kern="1200">
+                <a:solidFill>
+                  <a:schemeClr val="tx1"/>
+                </a:solidFill>
+                <a:latin typeface="+mn-lt"/>
+                <a:ea typeface="+mn-ea"/>
+                <a:cs typeface="+mn-cs"/>
+              </a:defRPr>
+            </a:lvl4pPr>
+            <a:lvl5pPr marL="2057400" indent="-228600" algn="l" defTabSz="914400" rtl="0" eaLnBrk="1" latinLnBrk="0" hangingPunct="1">
+              <a:lnSpc>
+                <a:spcPct val="90000"/>
+              </a:lnSpc>
+              <a:spcBef>
+                <a:spcPts val="500"/>
+              </a:spcBef>
+              <a:buFont typeface="Arial" panose="020B0604020202020204" pitchFamily="34" charset="0"/>
+              <a:buChar char="•"/>
+              <a:defRPr sz="1800" kern="1200">
+                <a:solidFill>
+                  <a:schemeClr val="tx1"/>
+                </a:solidFill>
+                <a:latin typeface="+mn-lt"/>
+                <a:ea typeface="+mn-ea"/>
+                <a:cs typeface="+mn-cs"/>
+              </a:defRPr>
+            </a:lvl5pPr>
+            <a:lvl6pPr marL="2514600" indent="-228600" algn="l" defTabSz="914400" rtl="0" eaLnBrk="1" latinLnBrk="0" hangingPunct="1">
+              <a:lnSpc>
+                <a:spcPct val="90000"/>
+              </a:lnSpc>
+              <a:spcBef>
+                <a:spcPts val="500"/>
+              </a:spcBef>
+              <a:buFont typeface="Arial" panose="020B0604020202020204" pitchFamily="34" charset="0"/>
+              <a:buChar char="•"/>
+              <a:defRPr sz="1800" kern="1200">
+                <a:solidFill>
+                  <a:schemeClr val="tx1"/>
+                </a:solidFill>
+                <a:latin typeface="+mn-lt"/>
+                <a:ea typeface="+mn-ea"/>
+                <a:cs typeface="+mn-cs"/>
+              </a:defRPr>
+            </a:lvl6pPr>
+            <a:lvl7pPr marL="2971800" indent="-228600" algn="l" defTabSz="914400" rtl="0" eaLnBrk="1" latinLnBrk="0" hangingPunct="1">
+              <a:lnSpc>
+                <a:spcPct val="90000"/>
+              </a:lnSpc>
+              <a:spcBef>
+                <a:spcPts val="500"/>
+              </a:spcBef>
+              <a:buFont typeface="Arial" panose="020B0604020202020204" pitchFamily="34" charset="0"/>
+              <a:buChar char="•"/>
+              <a:defRPr sz="1800" kern="1200">
+                <a:solidFill>
+                  <a:schemeClr val="tx1"/>
+                </a:solidFill>
+                <a:latin typeface="+mn-lt"/>
+                <a:ea typeface="+mn-ea"/>
+                <a:cs typeface="+mn-cs"/>
+              </a:defRPr>
+            </a:lvl7pPr>
+            <a:lvl8pPr marL="3429000" indent="-228600" algn="l" defTabSz="914400" rtl="0" eaLnBrk="1" latinLnBrk="0" hangingPunct="1">
+              <a:lnSpc>
+                <a:spcPct val="90000"/>
+              </a:lnSpc>
+              <a:spcBef>
+                <a:spcPts val="500"/>
+              </a:spcBef>
+              <a:buFont typeface="Arial" panose="020B0604020202020204" pitchFamily="34" charset="0"/>
+              <a:buChar char="•"/>
+              <a:defRPr sz="1800" kern="1200">
+                <a:solidFill>
+                  <a:schemeClr val="tx1"/>
+                </a:solidFill>
+                <a:latin typeface="+mn-lt"/>
+                <a:ea typeface="+mn-ea"/>
+                <a:cs typeface="+mn-cs"/>
+              </a:defRPr>
+            </a:lvl8pPr>
+            <a:lvl9pPr marL="3886200" indent="-228600" algn="l" defTabSz="914400" rtl="0" eaLnBrk="1" latinLnBrk="0" hangingPunct="1">
+              <a:lnSpc>
+                <a:spcPct val="90000"/>
+              </a:lnSpc>
+              <a:spcBef>
+                <a:spcPts val="500"/>
+              </a:spcBef>
+              <a:buFont typeface="Arial" panose="020B0604020202020204" pitchFamily="34" charset="0"/>
+              <a:buChar char="•"/>
+              <a:defRPr sz="1800" kern="1200">
+                <a:solidFill>
+                  <a:schemeClr val="tx1"/>
+                </a:solidFill>
+                <a:latin typeface="+mn-lt"/>
+                <a:ea typeface="+mn-ea"/>
+                <a:cs typeface="+mn-cs"/>
+              </a:defRPr>
+            </a:lvl9pPr>
+          </a:lstStyle>
+          <a:p>
+            <a:pPr marL="0" indent="0">
+              <a:buFont typeface="Arial" panose="020B0604020202020204" pitchFamily="34" charset="0"/>
+              <a:buNone/>
+            </a:pPr>
             <a:r>
               <a:rPr lang="en-US" sz="2000" dirty="0"/>
-              <a:t> mostly friends from other colleges</a:t>
+              <a:t>Its goal is to make the user more comfortable with the interface, it only makes sense to test it first</a:t>
             </a:r>
           </a:p>
+        </p:txBody>
+      </p:sp>
+      <p:sp>
+        <p:nvSpPr>
+          <p:cNvPr id="16" name="Content Placeholder 2">
+            <a:extLst>
+              <a:ext uri="{FF2B5EF4-FFF2-40B4-BE49-F238E27FC236}">
+                <a16:creationId xmlns:a16="http://schemas.microsoft.com/office/drawing/2014/main" id="{B25F5BEB-D0AA-CF49-B756-D6C32958ADF5}"/>
+              </a:ext>
+            </a:extLst>
+          </p:cNvPr>
+          <p:cNvSpPr txBox="1">
+            <a:spLocks/>
+          </p:cNvSpPr>
+          <p:nvPr/>
+        </p:nvSpPr>
+        <p:spPr>
+          <a:xfrm>
+            <a:off x="704851" y="3429000"/>
+            <a:ext cx="3659814" cy="482770"/>
+          </a:xfrm>
+          <a:prstGeom prst="rect">
+            <a:avLst/>
+          </a:prstGeom>
+        </p:spPr>
+        <p:txBody>
+          <a:bodyPr vert="horz" lIns="91440" tIns="45720" rIns="91440" bIns="45720" rtlCol="0">
+            <a:normAutofit/>
+          </a:bodyPr>
+          <a:lstStyle>
+            <a:lvl1pPr marL="228600" indent="-228600" algn="l" defTabSz="914400" rtl="0" eaLnBrk="1" latinLnBrk="0" hangingPunct="1">
+              <a:lnSpc>
+                <a:spcPct val="90000"/>
+              </a:lnSpc>
+              <a:spcBef>
+                <a:spcPts val="1000"/>
+              </a:spcBef>
+              <a:buFont typeface="Arial" panose="020B0604020202020204" pitchFamily="34" charset="0"/>
+              <a:buChar char="•"/>
+              <a:defRPr sz="2800" kern="1200">
+                <a:solidFill>
+                  <a:schemeClr val="tx1"/>
+                </a:solidFill>
+                <a:latin typeface="+mn-lt"/>
+                <a:ea typeface="+mn-ea"/>
+                <a:cs typeface="+mn-cs"/>
+              </a:defRPr>
+            </a:lvl1pPr>
+            <a:lvl2pPr marL="685800" indent="-228600" algn="l" defTabSz="914400" rtl="0" eaLnBrk="1" latinLnBrk="0" hangingPunct="1">
+              <a:lnSpc>
+                <a:spcPct val="90000"/>
+              </a:lnSpc>
+              <a:spcBef>
+                <a:spcPts val="500"/>
+              </a:spcBef>
+              <a:buFont typeface="Arial" panose="020B0604020202020204" pitchFamily="34" charset="0"/>
+              <a:buChar char="•"/>
+              <a:defRPr sz="2400" kern="1200">
+                <a:solidFill>
+                  <a:schemeClr val="tx1"/>
+                </a:solidFill>
+                <a:latin typeface="+mn-lt"/>
+                <a:ea typeface="+mn-ea"/>
+                <a:cs typeface="+mn-cs"/>
+              </a:defRPr>
+            </a:lvl2pPr>
+            <a:lvl3pPr marL="1143000" indent="-228600" algn="l" defTabSz="914400" rtl="0" eaLnBrk="1" latinLnBrk="0" hangingPunct="1">
+              <a:lnSpc>
+                <a:spcPct val="90000"/>
+              </a:lnSpc>
+              <a:spcBef>
+                <a:spcPts val="500"/>
+              </a:spcBef>
+              <a:buFont typeface="Arial" panose="020B0604020202020204" pitchFamily="34" charset="0"/>
+              <a:buChar char="•"/>
+              <a:defRPr sz="2000" kern="1200">
+                <a:solidFill>
+                  <a:schemeClr val="tx1"/>
+                </a:solidFill>
+                <a:latin typeface="+mn-lt"/>
+                <a:ea typeface="+mn-ea"/>
+                <a:cs typeface="+mn-cs"/>
+              </a:defRPr>
+            </a:lvl3pPr>
+            <a:lvl4pPr marL="1600200" indent="-228600" algn="l" defTabSz="914400" rtl="0" eaLnBrk="1" latinLnBrk="0" hangingPunct="1">
+              <a:lnSpc>
+                <a:spcPct val="90000"/>
+              </a:lnSpc>
+              <a:spcBef>
+                <a:spcPts val="500"/>
+              </a:spcBef>
+              <a:buFont typeface="Arial" panose="020B0604020202020204" pitchFamily="34" charset="0"/>
+              <a:buChar char="•"/>
+              <a:defRPr sz="1800" kern="1200">
+                <a:solidFill>
+                  <a:schemeClr val="tx1"/>
+                </a:solidFill>
+                <a:latin typeface="+mn-lt"/>
+                <a:ea typeface="+mn-ea"/>
+                <a:cs typeface="+mn-cs"/>
+              </a:defRPr>
+            </a:lvl4pPr>
+            <a:lvl5pPr marL="2057400" indent="-228600" algn="l" defTabSz="914400" rtl="0" eaLnBrk="1" latinLnBrk="0" hangingPunct="1">
+              <a:lnSpc>
+                <a:spcPct val="90000"/>
+              </a:lnSpc>
+              <a:spcBef>
+                <a:spcPts val="500"/>
+              </a:spcBef>
+              <a:buFont typeface="Arial" panose="020B0604020202020204" pitchFamily="34" charset="0"/>
+              <a:buChar char="•"/>
+              <a:defRPr sz="1800" kern="1200">
+                <a:solidFill>
+                  <a:schemeClr val="tx1"/>
+                </a:solidFill>
+                <a:latin typeface="+mn-lt"/>
+                <a:ea typeface="+mn-ea"/>
+                <a:cs typeface="+mn-cs"/>
+              </a:defRPr>
+            </a:lvl5pPr>
+            <a:lvl6pPr marL="2514600" indent="-228600" algn="l" defTabSz="914400" rtl="0" eaLnBrk="1" latinLnBrk="0" hangingPunct="1">
+              <a:lnSpc>
+                <a:spcPct val="90000"/>
+              </a:lnSpc>
+              <a:spcBef>
+                <a:spcPts val="500"/>
+              </a:spcBef>
+              <a:buFont typeface="Arial" panose="020B0604020202020204" pitchFamily="34" charset="0"/>
+              <a:buChar char="•"/>
+              <a:defRPr sz="1800" kern="1200">
+                <a:solidFill>
+                  <a:schemeClr val="tx1"/>
+                </a:solidFill>
+                <a:latin typeface="+mn-lt"/>
+                <a:ea typeface="+mn-ea"/>
+                <a:cs typeface="+mn-cs"/>
+              </a:defRPr>
+            </a:lvl6pPr>
+            <a:lvl7pPr marL="2971800" indent="-228600" algn="l" defTabSz="914400" rtl="0" eaLnBrk="1" latinLnBrk="0" hangingPunct="1">
+              <a:lnSpc>
+                <a:spcPct val="90000"/>
+              </a:lnSpc>
+              <a:spcBef>
+                <a:spcPts val="500"/>
+              </a:spcBef>
+              <a:buFont typeface="Arial" panose="020B0604020202020204" pitchFamily="34" charset="0"/>
+              <a:buChar char="•"/>
+              <a:defRPr sz="1800" kern="1200">
+                <a:solidFill>
+                  <a:schemeClr val="tx1"/>
+                </a:solidFill>
+                <a:latin typeface="+mn-lt"/>
+                <a:ea typeface="+mn-ea"/>
+                <a:cs typeface="+mn-cs"/>
+              </a:defRPr>
+            </a:lvl7pPr>
+            <a:lvl8pPr marL="3429000" indent="-228600" algn="l" defTabSz="914400" rtl="0" eaLnBrk="1" latinLnBrk="0" hangingPunct="1">
+              <a:lnSpc>
+                <a:spcPct val="90000"/>
+              </a:lnSpc>
+              <a:spcBef>
+                <a:spcPts val="500"/>
+              </a:spcBef>
+              <a:buFont typeface="Arial" panose="020B0604020202020204" pitchFamily="34" charset="0"/>
+              <a:buChar char="•"/>
+              <a:defRPr sz="1800" kern="1200">
+                <a:solidFill>
+                  <a:schemeClr val="tx1"/>
+                </a:solidFill>
+                <a:latin typeface="+mn-lt"/>
+                <a:ea typeface="+mn-ea"/>
+                <a:cs typeface="+mn-cs"/>
+              </a:defRPr>
+            </a:lvl8pPr>
+            <a:lvl9pPr marL="3886200" indent="-228600" algn="l" defTabSz="914400" rtl="0" eaLnBrk="1" latinLnBrk="0" hangingPunct="1">
+              <a:lnSpc>
+                <a:spcPct val="90000"/>
+              </a:lnSpc>
+              <a:spcBef>
+                <a:spcPts val="500"/>
+              </a:spcBef>
+              <a:buFont typeface="Arial" panose="020B0604020202020204" pitchFamily="34" charset="0"/>
+              <a:buChar char="•"/>
+              <a:defRPr sz="1800" kern="1200">
+                <a:solidFill>
+                  <a:schemeClr val="tx1"/>
+                </a:solidFill>
+                <a:latin typeface="+mn-lt"/>
+                <a:ea typeface="+mn-ea"/>
+                <a:cs typeface="+mn-cs"/>
+              </a:defRPr>
+            </a:lvl9pPr>
+          </a:lstStyle>
           <a:p>
             <a:pPr marL="0" indent="0">
               <a:buFont typeface="Arial" panose="020B0604020202020204" pitchFamily="34" charset="0"/>
@@ -19852,9 +21654,406 @@
             </a:pPr>
             <a:r>
               <a:rPr lang="en-US" sz="2000" b="1" dirty="0"/>
-              <a:t>Gender</a:t>
+              <a:t>Search Page (filter and order)</a:t>
+            </a:r>
+            <a:endParaRPr lang="en-US" sz="2000" dirty="0"/>
+          </a:p>
+        </p:txBody>
+      </p:sp>
+      <p:sp>
+        <p:nvSpPr>
+          <p:cNvPr id="17" name="Content Placeholder 2">
+            <a:extLst>
+              <a:ext uri="{FF2B5EF4-FFF2-40B4-BE49-F238E27FC236}">
+                <a16:creationId xmlns:a16="http://schemas.microsoft.com/office/drawing/2014/main" id="{9C0A6C43-23B2-C3BB-C829-8A9425D6A227}"/>
+              </a:ext>
+            </a:extLst>
+          </p:cNvPr>
+          <p:cNvSpPr txBox="1">
+            <a:spLocks/>
+          </p:cNvSpPr>
+          <p:nvPr/>
+        </p:nvSpPr>
+        <p:spPr>
+          <a:xfrm>
+            <a:off x="4314824" y="3345384"/>
+            <a:ext cx="7721231" cy="778276"/>
+          </a:xfrm>
+          <a:prstGeom prst="rect">
+            <a:avLst/>
+          </a:prstGeom>
+        </p:spPr>
+        <p:txBody>
+          <a:bodyPr vert="horz" lIns="91440" tIns="45720" rIns="91440" bIns="45720" rtlCol="0">
+            <a:normAutofit/>
+          </a:bodyPr>
+          <a:lstStyle>
+            <a:lvl1pPr marL="228600" indent="-228600" algn="l" defTabSz="914400" rtl="0" eaLnBrk="1" latinLnBrk="0" hangingPunct="1">
+              <a:lnSpc>
+                <a:spcPct val="90000"/>
+              </a:lnSpc>
+              <a:spcBef>
+                <a:spcPts val="1000"/>
+              </a:spcBef>
+              <a:buFont typeface="Arial" panose="020B0604020202020204" pitchFamily="34" charset="0"/>
+              <a:buChar char="•"/>
+              <a:defRPr sz="2800" kern="1200">
+                <a:solidFill>
+                  <a:schemeClr val="tx1"/>
+                </a:solidFill>
+                <a:latin typeface="+mn-lt"/>
+                <a:ea typeface="+mn-ea"/>
+                <a:cs typeface="+mn-cs"/>
+              </a:defRPr>
+            </a:lvl1pPr>
+            <a:lvl2pPr marL="685800" indent="-228600" algn="l" defTabSz="914400" rtl="0" eaLnBrk="1" latinLnBrk="0" hangingPunct="1">
+              <a:lnSpc>
+                <a:spcPct val="90000"/>
+              </a:lnSpc>
+              <a:spcBef>
+                <a:spcPts val="500"/>
+              </a:spcBef>
+              <a:buFont typeface="Arial" panose="020B0604020202020204" pitchFamily="34" charset="0"/>
+              <a:buChar char="•"/>
+              <a:defRPr sz="2400" kern="1200">
+                <a:solidFill>
+                  <a:schemeClr val="tx1"/>
+                </a:solidFill>
+                <a:latin typeface="+mn-lt"/>
+                <a:ea typeface="+mn-ea"/>
+                <a:cs typeface="+mn-cs"/>
+              </a:defRPr>
+            </a:lvl2pPr>
+            <a:lvl3pPr marL="1143000" indent="-228600" algn="l" defTabSz="914400" rtl="0" eaLnBrk="1" latinLnBrk="0" hangingPunct="1">
+              <a:lnSpc>
+                <a:spcPct val="90000"/>
+              </a:lnSpc>
+              <a:spcBef>
+                <a:spcPts val="500"/>
+              </a:spcBef>
+              <a:buFont typeface="Arial" panose="020B0604020202020204" pitchFamily="34" charset="0"/>
+              <a:buChar char="•"/>
+              <a:defRPr sz="2000" kern="1200">
+                <a:solidFill>
+                  <a:schemeClr val="tx1"/>
+                </a:solidFill>
+                <a:latin typeface="+mn-lt"/>
+                <a:ea typeface="+mn-ea"/>
+                <a:cs typeface="+mn-cs"/>
+              </a:defRPr>
+            </a:lvl3pPr>
+            <a:lvl4pPr marL="1600200" indent="-228600" algn="l" defTabSz="914400" rtl="0" eaLnBrk="1" latinLnBrk="0" hangingPunct="1">
+              <a:lnSpc>
+                <a:spcPct val="90000"/>
+              </a:lnSpc>
+              <a:spcBef>
+                <a:spcPts val="500"/>
+              </a:spcBef>
+              <a:buFont typeface="Arial" panose="020B0604020202020204" pitchFamily="34" charset="0"/>
+              <a:buChar char="•"/>
+              <a:defRPr sz="1800" kern="1200">
+                <a:solidFill>
+                  <a:schemeClr val="tx1"/>
+                </a:solidFill>
+                <a:latin typeface="+mn-lt"/>
+                <a:ea typeface="+mn-ea"/>
+                <a:cs typeface="+mn-cs"/>
+              </a:defRPr>
+            </a:lvl4pPr>
+            <a:lvl5pPr marL="2057400" indent="-228600" algn="l" defTabSz="914400" rtl="0" eaLnBrk="1" latinLnBrk="0" hangingPunct="1">
+              <a:lnSpc>
+                <a:spcPct val="90000"/>
+              </a:lnSpc>
+              <a:spcBef>
+                <a:spcPts val="500"/>
+              </a:spcBef>
+              <a:buFont typeface="Arial" panose="020B0604020202020204" pitchFamily="34" charset="0"/>
+              <a:buChar char="•"/>
+              <a:defRPr sz="1800" kern="1200">
+                <a:solidFill>
+                  <a:schemeClr val="tx1"/>
+                </a:solidFill>
+                <a:latin typeface="+mn-lt"/>
+                <a:ea typeface="+mn-ea"/>
+                <a:cs typeface="+mn-cs"/>
+              </a:defRPr>
+            </a:lvl5pPr>
+            <a:lvl6pPr marL="2514600" indent="-228600" algn="l" defTabSz="914400" rtl="0" eaLnBrk="1" latinLnBrk="0" hangingPunct="1">
+              <a:lnSpc>
+                <a:spcPct val="90000"/>
+              </a:lnSpc>
+              <a:spcBef>
+                <a:spcPts val="500"/>
+              </a:spcBef>
+              <a:buFont typeface="Arial" panose="020B0604020202020204" pitchFamily="34" charset="0"/>
+              <a:buChar char="•"/>
+              <a:defRPr sz="1800" kern="1200">
+                <a:solidFill>
+                  <a:schemeClr val="tx1"/>
+                </a:solidFill>
+                <a:latin typeface="+mn-lt"/>
+                <a:ea typeface="+mn-ea"/>
+                <a:cs typeface="+mn-cs"/>
+              </a:defRPr>
+            </a:lvl6pPr>
+            <a:lvl7pPr marL="2971800" indent="-228600" algn="l" defTabSz="914400" rtl="0" eaLnBrk="1" latinLnBrk="0" hangingPunct="1">
+              <a:lnSpc>
+                <a:spcPct val="90000"/>
+              </a:lnSpc>
+              <a:spcBef>
+                <a:spcPts val="500"/>
+              </a:spcBef>
+              <a:buFont typeface="Arial" panose="020B0604020202020204" pitchFamily="34" charset="0"/>
+              <a:buChar char="•"/>
+              <a:defRPr sz="1800" kern="1200">
+                <a:solidFill>
+                  <a:schemeClr val="tx1"/>
+                </a:solidFill>
+                <a:latin typeface="+mn-lt"/>
+                <a:ea typeface="+mn-ea"/>
+                <a:cs typeface="+mn-cs"/>
+              </a:defRPr>
+            </a:lvl7pPr>
+            <a:lvl8pPr marL="3429000" indent="-228600" algn="l" defTabSz="914400" rtl="0" eaLnBrk="1" latinLnBrk="0" hangingPunct="1">
+              <a:lnSpc>
+                <a:spcPct val="90000"/>
+              </a:lnSpc>
+              <a:spcBef>
+                <a:spcPts val="500"/>
+              </a:spcBef>
+              <a:buFont typeface="Arial" panose="020B0604020202020204" pitchFamily="34" charset="0"/>
+              <a:buChar char="•"/>
+              <a:defRPr sz="1800" kern="1200">
+                <a:solidFill>
+                  <a:schemeClr val="tx1"/>
+                </a:solidFill>
+                <a:latin typeface="+mn-lt"/>
+                <a:ea typeface="+mn-ea"/>
+                <a:cs typeface="+mn-cs"/>
+              </a:defRPr>
+            </a:lvl8pPr>
+            <a:lvl9pPr marL="3886200" indent="-228600" algn="l" defTabSz="914400" rtl="0" eaLnBrk="1" latinLnBrk="0" hangingPunct="1">
+              <a:lnSpc>
+                <a:spcPct val="90000"/>
+              </a:lnSpc>
+              <a:spcBef>
+                <a:spcPts val="500"/>
+              </a:spcBef>
+              <a:buFont typeface="Arial" panose="020B0604020202020204" pitchFamily="34" charset="0"/>
+              <a:buChar char="•"/>
+              <a:defRPr sz="1800" kern="1200">
+                <a:solidFill>
+                  <a:schemeClr val="tx1"/>
+                </a:solidFill>
+                <a:latin typeface="+mn-lt"/>
+                <a:ea typeface="+mn-ea"/>
+                <a:cs typeface="+mn-cs"/>
+              </a:defRPr>
+            </a:lvl9pPr>
+          </a:lstStyle>
+          <a:p>
+            <a:pPr marL="0" indent="0">
+              <a:buFont typeface="Arial" panose="020B0604020202020204" pitchFamily="34" charset="0"/>
+              <a:buNone/>
+            </a:pPr>
+            <a:r>
+              <a:rPr lang="en-US" sz="2000" dirty="0"/>
+              <a:t>The user has already interacted with the page, therefore we can test only his interaction with the filter and order features</a:t>
             </a:r>
           </a:p>
+        </p:txBody>
+      </p:sp>
+      <p:sp>
+        <p:nvSpPr>
+          <p:cNvPr id="18" name="Content Placeholder 2">
+            <a:extLst>
+              <a:ext uri="{FF2B5EF4-FFF2-40B4-BE49-F238E27FC236}">
+                <a16:creationId xmlns:a16="http://schemas.microsoft.com/office/drawing/2014/main" id="{166F439C-4EC2-9756-C3A3-8F1D3A5BECAB}"/>
+              </a:ext>
+            </a:extLst>
+          </p:cNvPr>
+          <p:cNvSpPr txBox="1">
+            <a:spLocks/>
+          </p:cNvSpPr>
+          <p:nvPr/>
+        </p:nvSpPr>
+        <p:spPr>
+          <a:xfrm>
+            <a:off x="704851" y="5372895"/>
+            <a:ext cx="3659814" cy="482770"/>
+          </a:xfrm>
+          <a:prstGeom prst="rect">
+            <a:avLst/>
+          </a:prstGeom>
+        </p:spPr>
+        <p:txBody>
+          <a:bodyPr vert="horz" lIns="91440" tIns="45720" rIns="91440" bIns="45720" rtlCol="0">
+            <a:normAutofit/>
+          </a:bodyPr>
+          <a:lstStyle>
+            <a:lvl1pPr marL="228600" indent="-228600" algn="l" defTabSz="914400" rtl="0" eaLnBrk="1" latinLnBrk="0" hangingPunct="1">
+              <a:lnSpc>
+                <a:spcPct val="90000"/>
+              </a:lnSpc>
+              <a:spcBef>
+                <a:spcPts val="1000"/>
+              </a:spcBef>
+              <a:buFont typeface="Arial" panose="020B0604020202020204" pitchFamily="34" charset="0"/>
+              <a:buChar char="•"/>
+              <a:defRPr sz="2800" kern="1200">
+                <a:solidFill>
+                  <a:schemeClr val="tx1"/>
+                </a:solidFill>
+                <a:latin typeface="+mn-lt"/>
+                <a:ea typeface="+mn-ea"/>
+                <a:cs typeface="+mn-cs"/>
+              </a:defRPr>
+            </a:lvl1pPr>
+            <a:lvl2pPr marL="685800" indent="-228600" algn="l" defTabSz="914400" rtl="0" eaLnBrk="1" latinLnBrk="0" hangingPunct="1">
+              <a:lnSpc>
+                <a:spcPct val="90000"/>
+              </a:lnSpc>
+              <a:spcBef>
+                <a:spcPts val="500"/>
+              </a:spcBef>
+              <a:buFont typeface="Arial" panose="020B0604020202020204" pitchFamily="34" charset="0"/>
+              <a:buChar char="•"/>
+              <a:defRPr sz="2400" kern="1200">
+                <a:solidFill>
+                  <a:schemeClr val="tx1"/>
+                </a:solidFill>
+                <a:latin typeface="+mn-lt"/>
+                <a:ea typeface="+mn-ea"/>
+                <a:cs typeface="+mn-cs"/>
+              </a:defRPr>
+            </a:lvl2pPr>
+            <a:lvl3pPr marL="1143000" indent="-228600" algn="l" defTabSz="914400" rtl="0" eaLnBrk="1" latinLnBrk="0" hangingPunct="1">
+              <a:lnSpc>
+                <a:spcPct val="90000"/>
+              </a:lnSpc>
+              <a:spcBef>
+                <a:spcPts val="500"/>
+              </a:spcBef>
+              <a:buFont typeface="Arial" panose="020B0604020202020204" pitchFamily="34" charset="0"/>
+              <a:buChar char="•"/>
+              <a:defRPr sz="2000" kern="1200">
+                <a:solidFill>
+                  <a:schemeClr val="tx1"/>
+                </a:solidFill>
+                <a:latin typeface="+mn-lt"/>
+                <a:ea typeface="+mn-ea"/>
+                <a:cs typeface="+mn-cs"/>
+              </a:defRPr>
+            </a:lvl3pPr>
+            <a:lvl4pPr marL="1600200" indent="-228600" algn="l" defTabSz="914400" rtl="0" eaLnBrk="1" latinLnBrk="0" hangingPunct="1">
+              <a:lnSpc>
+                <a:spcPct val="90000"/>
+              </a:lnSpc>
+              <a:spcBef>
+                <a:spcPts val="500"/>
+              </a:spcBef>
+              <a:buFont typeface="Arial" panose="020B0604020202020204" pitchFamily="34" charset="0"/>
+              <a:buChar char="•"/>
+              <a:defRPr sz="1800" kern="1200">
+                <a:solidFill>
+                  <a:schemeClr val="tx1"/>
+                </a:solidFill>
+                <a:latin typeface="+mn-lt"/>
+                <a:ea typeface="+mn-ea"/>
+                <a:cs typeface="+mn-cs"/>
+              </a:defRPr>
+            </a:lvl4pPr>
+            <a:lvl5pPr marL="2057400" indent="-228600" algn="l" defTabSz="914400" rtl="0" eaLnBrk="1" latinLnBrk="0" hangingPunct="1">
+              <a:lnSpc>
+                <a:spcPct val="90000"/>
+              </a:lnSpc>
+              <a:spcBef>
+                <a:spcPts val="500"/>
+              </a:spcBef>
+              <a:buFont typeface="Arial" panose="020B0604020202020204" pitchFamily="34" charset="0"/>
+              <a:buChar char="•"/>
+              <a:defRPr sz="1800" kern="1200">
+                <a:solidFill>
+                  <a:schemeClr val="tx1"/>
+                </a:solidFill>
+                <a:latin typeface="+mn-lt"/>
+                <a:ea typeface="+mn-ea"/>
+                <a:cs typeface="+mn-cs"/>
+              </a:defRPr>
+            </a:lvl5pPr>
+            <a:lvl6pPr marL="2514600" indent="-228600" algn="l" defTabSz="914400" rtl="0" eaLnBrk="1" latinLnBrk="0" hangingPunct="1">
+              <a:lnSpc>
+                <a:spcPct val="90000"/>
+              </a:lnSpc>
+              <a:spcBef>
+                <a:spcPts val="500"/>
+              </a:spcBef>
+              <a:buFont typeface="Arial" panose="020B0604020202020204" pitchFamily="34" charset="0"/>
+              <a:buChar char="•"/>
+              <a:defRPr sz="1800" kern="1200">
+                <a:solidFill>
+                  <a:schemeClr val="tx1"/>
+                </a:solidFill>
+                <a:latin typeface="+mn-lt"/>
+                <a:ea typeface="+mn-ea"/>
+                <a:cs typeface="+mn-cs"/>
+              </a:defRPr>
+            </a:lvl6pPr>
+            <a:lvl7pPr marL="2971800" indent="-228600" algn="l" defTabSz="914400" rtl="0" eaLnBrk="1" latinLnBrk="0" hangingPunct="1">
+              <a:lnSpc>
+                <a:spcPct val="90000"/>
+              </a:lnSpc>
+              <a:spcBef>
+                <a:spcPts val="500"/>
+              </a:spcBef>
+              <a:buFont typeface="Arial" panose="020B0604020202020204" pitchFamily="34" charset="0"/>
+              <a:buChar char="•"/>
+              <a:defRPr sz="1800" kern="1200">
+                <a:solidFill>
+                  <a:schemeClr val="tx1"/>
+                </a:solidFill>
+                <a:latin typeface="+mn-lt"/>
+                <a:ea typeface="+mn-ea"/>
+                <a:cs typeface="+mn-cs"/>
+              </a:defRPr>
+            </a:lvl7pPr>
+            <a:lvl8pPr marL="3429000" indent="-228600" algn="l" defTabSz="914400" rtl="0" eaLnBrk="1" latinLnBrk="0" hangingPunct="1">
+              <a:lnSpc>
+                <a:spcPct val="90000"/>
+              </a:lnSpc>
+              <a:spcBef>
+                <a:spcPts val="500"/>
+              </a:spcBef>
+              <a:buFont typeface="Arial" panose="020B0604020202020204" pitchFamily="34" charset="0"/>
+              <a:buChar char="•"/>
+              <a:defRPr sz="1800" kern="1200">
+                <a:solidFill>
+                  <a:schemeClr val="tx1"/>
+                </a:solidFill>
+                <a:latin typeface="+mn-lt"/>
+                <a:ea typeface="+mn-ea"/>
+                <a:cs typeface="+mn-cs"/>
+              </a:defRPr>
+            </a:lvl8pPr>
+            <a:lvl9pPr marL="3886200" indent="-228600" algn="l" defTabSz="914400" rtl="0" eaLnBrk="1" latinLnBrk="0" hangingPunct="1">
+              <a:lnSpc>
+                <a:spcPct val="90000"/>
+              </a:lnSpc>
+              <a:spcBef>
+                <a:spcPts val="500"/>
+              </a:spcBef>
+              <a:buFont typeface="Arial" panose="020B0604020202020204" pitchFamily="34" charset="0"/>
+              <a:buChar char="•"/>
+              <a:defRPr sz="1800" kern="1200">
+                <a:solidFill>
+                  <a:schemeClr val="tx1"/>
+                </a:solidFill>
+                <a:latin typeface="+mn-lt"/>
+                <a:ea typeface="+mn-ea"/>
+                <a:cs typeface="+mn-cs"/>
+              </a:defRPr>
+            </a:lvl9pPr>
+          </a:lstStyle>
           <a:p>
             <a:pPr marL="0" indent="0">
               <a:buFont typeface="Arial" panose="020B0604020202020204" pitchFamily="34" charset="0"/>
@@ -19862,66 +22061,212 @@
             </a:pPr>
             <a:r>
               <a:rPr lang="en-US" sz="2000" b="1" dirty="0"/>
-              <a:t>58% male </a:t>
+              <a:t>Add Offer Page</a:t>
             </a:r>
-            <a:r>
-              <a:rPr lang="en-US" sz="2000" dirty="0"/>
-              <a:t>a bad thing</a:t>
-            </a:r>
+            <a:endParaRPr lang="en-US" sz="2000" dirty="0"/>
           </a:p>
+        </p:txBody>
+      </p:sp>
+      <p:sp>
+        <p:nvSpPr>
+          <p:cNvPr id="21" name="Content Placeholder 2">
+            <a:extLst>
+              <a:ext uri="{FF2B5EF4-FFF2-40B4-BE49-F238E27FC236}">
+                <a16:creationId xmlns:a16="http://schemas.microsoft.com/office/drawing/2014/main" id="{EF79324D-51E0-1B6B-777A-2999A51A8181}"/>
+              </a:ext>
+            </a:extLst>
+          </p:cNvPr>
+          <p:cNvSpPr txBox="1">
+            <a:spLocks/>
+          </p:cNvSpPr>
+          <p:nvPr/>
+        </p:nvSpPr>
+        <p:spPr>
+          <a:xfrm>
+            <a:off x="4111033" y="5289279"/>
+            <a:ext cx="7721231" cy="778276"/>
+          </a:xfrm>
+          <a:prstGeom prst="rect">
+            <a:avLst/>
+          </a:prstGeom>
+        </p:spPr>
+        <p:txBody>
+          <a:bodyPr vert="horz" lIns="91440" tIns="45720" rIns="91440" bIns="45720" rtlCol="0">
+            <a:normAutofit/>
+          </a:bodyPr>
+          <a:lstStyle>
+            <a:lvl1pPr marL="228600" indent="-228600" algn="l" defTabSz="914400" rtl="0" eaLnBrk="1" latinLnBrk="0" hangingPunct="1">
+              <a:lnSpc>
+                <a:spcPct val="90000"/>
+              </a:lnSpc>
+              <a:spcBef>
+                <a:spcPts val="1000"/>
+              </a:spcBef>
+              <a:buFont typeface="Arial" panose="020B0604020202020204" pitchFamily="34" charset="0"/>
+              <a:buChar char="•"/>
+              <a:defRPr sz="2800" kern="1200">
+                <a:solidFill>
+                  <a:schemeClr val="tx1"/>
+                </a:solidFill>
+                <a:latin typeface="+mn-lt"/>
+                <a:ea typeface="+mn-ea"/>
+                <a:cs typeface="+mn-cs"/>
+              </a:defRPr>
+            </a:lvl1pPr>
+            <a:lvl2pPr marL="685800" indent="-228600" algn="l" defTabSz="914400" rtl="0" eaLnBrk="1" latinLnBrk="0" hangingPunct="1">
+              <a:lnSpc>
+                <a:spcPct val="90000"/>
+              </a:lnSpc>
+              <a:spcBef>
+                <a:spcPts val="500"/>
+              </a:spcBef>
+              <a:buFont typeface="Arial" panose="020B0604020202020204" pitchFamily="34" charset="0"/>
+              <a:buChar char="•"/>
+              <a:defRPr sz="2400" kern="1200">
+                <a:solidFill>
+                  <a:schemeClr val="tx1"/>
+                </a:solidFill>
+                <a:latin typeface="+mn-lt"/>
+                <a:ea typeface="+mn-ea"/>
+                <a:cs typeface="+mn-cs"/>
+              </a:defRPr>
+            </a:lvl2pPr>
+            <a:lvl3pPr marL="1143000" indent="-228600" algn="l" defTabSz="914400" rtl="0" eaLnBrk="1" latinLnBrk="0" hangingPunct="1">
+              <a:lnSpc>
+                <a:spcPct val="90000"/>
+              </a:lnSpc>
+              <a:spcBef>
+                <a:spcPts val="500"/>
+              </a:spcBef>
+              <a:buFont typeface="Arial" panose="020B0604020202020204" pitchFamily="34" charset="0"/>
+              <a:buChar char="•"/>
+              <a:defRPr sz="2000" kern="1200">
+                <a:solidFill>
+                  <a:schemeClr val="tx1"/>
+                </a:solidFill>
+                <a:latin typeface="+mn-lt"/>
+                <a:ea typeface="+mn-ea"/>
+                <a:cs typeface="+mn-cs"/>
+              </a:defRPr>
+            </a:lvl3pPr>
+            <a:lvl4pPr marL="1600200" indent="-228600" algn="l" defTabSz="914400" rtl="0" eaLnBrk="1" latinLnBrk="0" hangingPunct="1">
+              <a:lnSpc>
+                <a:spcPct val="90000"/>
+              </a:lnSpc>
+              <a:spcBef>
+                <a:spcPts val="500"/>
+              </a:spcBef>
+              <a:buFont typeface="Arial" panose="020B0604020202020204" pitchFamily="34" charset="0"/>
+              <a:buChar char="•"/>
+              <a:defRPr sz="1800" kern="1200">
+                <a:solidFill>
+                  <a:schemeClr val="tx1"/>
+                </a:solidFill>
+                <a:latin typeface="+mn-lt"/>
+                <a:ea typeface="+mn-ea"/>
+                <a:cs typeface="+mn-cs"/>
+              </a:defRPr>
+            </a:lvl4pPr>
+            <a:lvl5pPr marL="2057400" indent="-228600" algn="l" defTabSz="914400" rtl="0" eaLnBrk="1" latinLnBrk="0" hangingPunct="1">
+              <a:lnSpc>
+                <a:spcPct val="90000"/>
+              </a:lnSpc>
+              <a:spcBef>
+                <a:spcPts val="500"/>
+              </a:spcBef>
+              <a:buFont typeface="Arial" panose="020B0604020202020204" pitchFamily="34" charset="0"/>
+              <a:buChar char="•"/>
+              <a:defRPr sz="1800" kern="1200">
+                <a:solidFill>
+                  <a:schemeClr val="tx1"/>
+                </a:solidFill>
+                <a:latin typeface="+mn-lt"/>
+                <a:ea typeface="+mn-ea"/>
+                <a:cs typeface="+mn-cs"/>
+              </a:defRPr>
+            </a:lvl5pPr>
+            <a:lvl6pPr marL="2514600" indent="-228600" algn="l" defTabSz="914400" rtl="0" eaLnBrk="1" latinLnBrk="0" hangingPunct="1">
+              <a:lnSpc>
+                <a:spcPct val="90000"/>
+              </a:lnSpc>
+              <a:spcBef>
+                <a:spcPts val="500"/>
+              </a:spcBef>
+              <a:buFont typeface="Arial" panose="020B0604020202020204" pitchFamily="34" charset="0"/>
+              <a:buChar char="•"/>
+              <a:defRPr sz="1800" kern="1200">
+                <a:solidFill>
+                  <a:schemeClr val="tx1"/>
+                </a:solidFill>
+                <a:latin typeface="+mn-lt"/>
+                <a:ea typeface="+mn-ea"/>
+                <a:cs typeface="+mn-cs"/>
+              </a:defRPr>
+            </a:lvl6pPr>
+            <a:lvl7pPr marL="2971800" indent="-228600" algn="l" defTabSz="914400" rtl="0" eaLnBrk="1" latinLnBrk="0" hangingPunct="1">
+              <a:lnSpc>
+                <a:spcPct val="90000"/>
+              </a:lnSpc>
+              <a:spcBef>
+                <a:spcPts val="500"/>
+              </a:spcBef>
+              <a:buFont typeface="Arial" panose="020B0604020202020204" pitchFamily="34" charset="0"/>
+              <a:buChar char="•"/>
+              <a:defRPr sz="1800" kern="1200">
+                <a:solidFill>
+                  <a:schemeClr val="tx1"/>
+                </a:solidFill>
+                <a:latin typeface="+mn-lt"/>
+                <a:ea typeface="+mn-ea"/>
+                <a:cs typeface="+mn-cs"/>
+              </a:defRPr>
+            </a:lvl7pPr>
+            <a:lvl8pPr marL="3429000" indent="-228600" algn="l" defTabSz="914400" rtl="0" eaLnBrk="1" latinLnBrk="0" hangingPunct="1">
+              <a:lnSpc>
+                <a:spcPct val="90000"/>
+              </a:lnSpc>
+              <a:spcBef>
+                <a:spcPts val="500"/>
+              </a:spcBef>
+              <a:buFont typeface="Arial" panose="020B0604020202020204" pitchFamily="34" charset="0"/>
+              <a:buChar char="•"/>
+              <a:defRPr sz="1800" kern="1200">
+                <a:solidFill>
+                  <a:schemeClr val="tx1"/>
+                </a:solidFill>
+                <a:latin typeface="+mn-lt"/>
+                <a:ea typeface="+mn-ea"/>
+                <a:cs typeface="+mn-cs"/>
+              </a:defRPr>
+            </a:lvl8pPr>
+            <a:lvl9pPr marL="3886200" indent="-228600" algn="l" defTabSz="914400" rtl="0" eaLnBrk="1" latinLnBrk="0" hangingPunct="1">
+              <a:lnSpc>
+                <a:spcPct val="90000"/>
+              </a:lnSpc>
+              <a:spcBef>
+                <a:spcPts val="500"/>
+              </a:spcBef>
+              <a:buFont typeface="Arial" panose="020B0604020202020204" pitchFamily="34" charset="0"/>
+              <a:buChar char="•"/>
+              <a:defRPr sz="1800" kern="1200">
+                <a:solidFill>
+                  <a:schemeClr val="tx1"/>
+                </a:solidFill>
+                <a:latin typeface="+mn-lt"/>
+                <a:ea typeface="+mn-ea"/>
+                <a:cs typeface="+mn-cs"/>
+              </a:defRPr>
+            </a:lvl9pPr>
+          </a:lstStyle>
           <a:p>
             <a:pPr marL="0" indent="0">
               <a:buFont typeface="Arial" panose="020B0604020202020204" pitchFamily="34" charset="0"/>
               <a:buNone/>
             </a:pPr>
             <a:r>
-              <a:rPr lang="en-US" sz="2000" b="1" dirty="0"/>
-              <a:t>Age </a:t>
+              <a:rPr lang="en-US" sz="2000" dirty="0"/>
+              <a:t>A new page, but tested at the end so the user has more familiarity with the interface</a:t>
             </a:r>
-          </a:p>
-          <a:p>
-            <a:pPr marL="0" indent="0">
-              <a:buFont typeface="Arial" panose="020B0604020202020204" pitchFamily="34" charset="0"/>
-              <a:buNone/>
-            </a:pPr>
-            <a:r>
-              <a:rPr lang="en-US" sz="2000" b="1" dirty="0"/>
-              <a:t>Average </a:t>
-            </a:r>
-            <a:r>
-              <a:rPr lang="en-US" sz="2000" dirty="0"/>
-              <a:t>26</a:t>
-            </a:r>
-            <a:endParaRPr lang="en-US" sz="2000" b="1" dirty="0"/>
-          </a:p>
-          <a:p>
-            <a:pPr marL="0" indent="0">
-              <a:buFont typeface="Arial" panose="020B0604020202020204" pitchFamily="34" charset="0"/>
-              <a:buNone/>
-            </a:pPr>
-            <a:r>
-              <a:rPr lang="en-US" sz="2000" b="1" dirty="0"/>
-              <a:t>Median </a:t>
-            </a:r>
-            <a:r>
-              <a:rPr lang="en-US" sz="2000" dirty="0"/>
-              <a:t>20</a:t>
-            </a:r>
-          </a:p>
-          <a:p>
-            <a:pPr marL="0" indent="0">
-              <a:buFont typeface="Arial" panose="020B0604020202020204" pitchFamily="34" charset="0"/>
-              <a:buNone/>
-            </a:pPr>
-            <a:r>
-              <a:rPr lang="en-US" sz="2000" b="1" dirty="0"/>
-              <a:t>Under 25 </a:t>
-            </a:r>
-            <a:r>
-              <a:rPr lang="en-US" sz="2000" dirty="0"/>
-              <a:t>78%</a:t>
-            </a:r>
-            <a:endParaRPr lang="en-US" sz="2000" b="1" dirty="0"/>
           </a:p>
         </p:txBody>
       </p:sp>
@@ -20529,6 +22874,15 @@
 </file>
 
 <file path=customXml/item1.xml><?xml version="1.0" encoding="utf-8"?>
+<?mso-contentType ?>
+<FormTemplates xmlns="http://schemas.microsoft.com/sharepoint/v3/contenttype/forms">
+  <Display>DocumentLibraryForm</Display>
+  <Edit>DocumentLibraryForm</Edit>
+  <New>DocumentLibraryForm</New>
+</FormTemplates>
+</file>
+
+<file path=customXml/item2.xml><?xml version="1.0" encoding="utf-8"?>
 <ct:contentTypeSchema xmlns:ct="http://schemas.microsoft.com/office/2006/metadata/contentType" xmlns:ma="http://schemas.microsoft.com/office/2006/metadata/properties/metaAttributes" ct:_="" ma:_="" ma:contentTypeName="Documento" ma:contentTypeID="0x01010014BC32AFF3718747B5A2CE47A88F3C6A" ma:contentTypeVersion="2" ma:contentTypeDescription="Criar um novo documento." ma:contentTypeScope="" ma:versionID="fee3d826901bcb9451dce0bbc19dadc3">
   <xsd:schema xmlns:xsd="http://www.w3.org/2001/XMLSchema" xmlns:xs="http://www.w3.org/2001/XMLSchema" xmlns:p="http://schemas.microsoft.com/office/2006/metadata/properties" xmlns:ns3="a47fcd35-67e3-4b66-9352-8d0db098ec50" targetNamespace="http://schemas.microsoft.com/office/2006/metadata/properties" ma:root="true" ma:fieldsID="deb6b73c7f47f6e6612a6af669b62c39" ns3:_="">
     <xsd:import namespace="a47fcd35-67e3-4b66-9352-8d0db098ec50"/>
@@ -20660,15 +23014,6 @@
 </ct:contentTypeSchema>
 </file>
 
-<file path=customXml/item2.xml><?xml version="1.0" encoding="utf-8"?>
-<?mso-contentType ?>
-<FormTemplates xmlns="http://schemas.microsoft.com/sharepoint/v3/contenttype/forms">
-  <Display>DocumentLibraryForm</Display>
-  <Edit>DocumentLibraryForm</Edit>
-  <New>DocumentLibraryForm</New>
-</FormTemplates>
-</file>
-
 <file path=customXml/item3.xml><?xml version="1.0" encoding="utf-8"?>
 <p:properties xmlns:p="http://schemas.microsoft.com/office/2006/metadata/properties" xmlns:xsi="http://www.w3.org/2001/XMLSchema-instance" xmlns:pc="http://schemas.microsoft.com/office/infopath/2007/PartnerControls">
   <documentManagement/>
@@ -20676,6 +23021,14 @@
 </file>
 
 <file path=customXml/itemProps1.xml><?xml version="1.0" encoding="utf-8"?>
+<ds:datastoreItem xmlns:ds="http://schemas.openxmlformats.org/officeDocument/2006/customXml" ds:itemID="{76EE102A-C587-47D4-980D-6EF803504572}">
+  <ds:schemaRefs>
+    <ds:schemaRef ds:uri="http://schemas.microsoft.com/sharepoint/v3/contenttype/forms"/>
+  </ds:schemaRefs>
+</ds:datastoreItem>
+</file>
+
+<file path=customXml/itemProps2.xml><?xml version="1.0" encoding="utf-8"?>
 <ds:datastoreItem xmlns:ds="http://schemas.openxmlformats.org/officeDocument/2006/customXml" ds:itemID="{9697E427-2E56-4B40-B661-233DAE44C32F}">
   <ds:schemaRefs>
     <ds:schemaRef ds:uri="http://schemas.microsoft.com/office/2006/metadata/contentType"/>
@@ -20689,14 +23042,6 @@
     <ds:schemaRef ds:uri="http://purl.org/dc/elements/1.1/"/>
     <ds:schemaRef ds:uri="http://purl.org/dc/terms/"/>
     <ds:schemaRef ds:uri="http://schemas.microsoft.com/internal/obd"/>
-  </ds:schemaRefs>
-</ds:datastoreItem>
-</file>
-
-<file path=customXml/itemProps2.xml><?xml version="1.0" encoding="utf-8"?>
-<ds:datastoreItem xmlns:ds="http://schemas.openxmlformats.org/officeDocument/2006/customXml" ds:itemID="{76EE102A-C587-47D4-980D-6EF803504572}">
-  <ds:schemaRefs>
-    <ds:schemaRef ds:uri="http://schemas.microsoft.com/sharepoint/v3/contenttype/forms"/>
   </ds:schemaRefs>
 </ds:datastoreItem>
 </file>

--- a/Delivery 3/IPC.pptx
+++ b/Delivery 3/IPC.pptx
@@ -5,7 +5,7 @@
     <p:sldMasterId id="2147483648" r:id="rId4"/>
   </p:sldMasterIdLst>
   <p:notesMasterIdLst>
-    <p:notesMasterId r:id="rId16"/>
+    <p:notesMasterId r:id="rId18"/>
   </p:notesMasterIdLst>
   <p:sldIdLst>
     <p:sldId id="256" r:id="rId5"/>
@@ -19,6 +19,8 @@
     <p:sldId id="261" r:id="rId13"/>
     <p:sldId id="305" r:id="rId14"/>
     <p:sldId id="260" r:id="rId15"/>
+    <p:sldId id="306" r:id="rId16"/>
+    <p:sldId id="307" r:id="rId17"/>
   </p:sldIdLst>
   <p:sldSz cx="12192000" cy="6858000"/>
   <p:notesSz cx="6858000" cy="9144000"/>
@@ -198,7 +200,7 @@
               <a:cs typeface="+mn-cs"/>
             </a:defRPr>
           </a:pPr>
-          <a:endParaRPr lang="en-US"/>
+          <a:endParaRPr lang="pt-PT"/>
         </a:p>
       </c:txPr>
     </c:title>
@@ -231,36 +233,36 @@
             <c:noEndCap val="0"/>
             <c:plus>
               <c:numRef>
-                <c:f>[responses.xlsx]Questions!$H$62:$H$64</c:f>
+                <c:f>Questions!$E$62:$E$64</c:f>
                 <c:numCache>
                   <c:formatCode>General</c:formatCode>
                   <c:ptCount val="3"/>
                   <c:pt idx="0">
-                    <c:v>47.905778453488907</c:v>
+                    <c:v>18.459111786822248</c:v>
                   </c:pt>
                   <c:pt idx="1">
-                    <c:v>40.75231530674067</c:v>
+                    <c:v>11.093148640074</c:v>
                   </c:pt>
                   <c:pt idx="2">
-                    <c:v>67.136479095828548</c:v>
+                    <c:v>24.132312429161882</c:v>
                   </c:pt>
                 </c:numCache>
               </c:numRef>
             </c:plus>
             <c:minus>
               <c:numRef>
-                <c:f>[responses.xlsx]Questions!$G$62:$G$64</c:f>
+                <c:f>Questions!$E$62:$E$64</c:f>
                 <c:numCache>
                   <c:formatCode>General</c:formatCode>
                   <c:ptCount val="3"/>
                   <c:pt idx="0">
-                    <c:v>10.987554879844414</c:v>
+                    <c:v>18.459111786822248</c:v>
                   </c:pt>
                   <c:pt idx="1">
-                    <c:v>18.566018026592666</c:v>
+                    <c:v>11.093148640074</c:v>
                   </c:pt>
                   <c:pt idx="2">
-                    <c:v>18.871854237504781</c:v>
+                    <c:v>24.132312429161882</c:v>
                   </c:pt>
                 </c:numCache>
               </c:numRef>
@@ -281,7 +283,7 @@
           </c:errBars>
           <c:cat>
             <c:strRef>
-              <c:f>[responses.xlsx]Questions!$A$62:$A$64</c:f>
+              <c:f>Questions!$A$62:$A$64</c:f>
               <c:strCache>
                 <c:ptCount val="3"/>
                 <c:pt idx="0">
@@ -298,7 +300,7 @@
           </c:cat>
           <c:val>
             <c:numRef>
-              <c:f>[responses.xlsx]Questions!$C$62:$C$64</c:f>
+              <c:f>Questions!$C$62:$C$64</c:f>
               <c:numCache>
                 <c:formatCode>General</c:formatCode>
                 <c:ptCount val="3"/>
@@ -316,7 +318,7 @@
           </c:val>
           <c:extLst>
             <c:ext xmlns:c16="http://schemas.microsoft.com/office/drawing/2014/chart" uri="{C3380CC4-5D6E-409C-BE32-E72D297353CC}">
-              <c16:uniqueId val="{00000000-007C-4133-9634-D819F404BC3D}"/>
+              <c16:uniqueId val="{00000000-2E16-4ED2-A5EF-E6EE18F42228}"/>
             </c:ext>
           </c:extLst>
         </c:ser>
@@ -338,7 +340,7 @@
           <c:invertIfNegative val="0"/>
           <c:val>
             <c:numRef>
-              <c:f>[responses.xlsx]Questions!$B$62:$B$64</c:f>
+              <c:f>Questions!$B$62:$B$64</c:f>
               <c:numCache>
                 <c:formatCode>General</c:formatCode>
                 <c:ptCount val="3"/>
@@ -356,7 +358,7 @@
           </c:val>
           <c:extLst>
             <c:ext xmlns:c16="http://schemas.microsoft.com/office/drawing/2014/chart" uri="{C3380CC4-5D6E-409C-BE32-E72D297353CC}">
-              <c16:uniqueId val="{00000001-007C-4133-9634-D819F404BC3D}"/>
+              <c16:uniqueId val="{00000001-2E16-4ED2-A5EF-E6EE18F42228}"/>
             </c:ext>
           </c:extLst>
         </c:ser>
@@ -414,7 +416,7 @@
                 <a:cs typeface="+mn-cs"/>
               </a:defRPr>
             </a:pPr>
-            <a:endParaRPr lang="en-US"/>
+            <a:endParaRPr lang="pt-PT"/>
           </a:p>
         </c:txPr>
         <c:crossAx val="722777824"/>
@@ -473,7 +475,7 @@
                 <a:cs typeface="+mn-cs"/>
               </a:defRPr>
             </a:pPr>
-            <a:endParaRPr lang="en-US"/>
+            <a:endParaRPr lang="pt-PT"/>
           </a:p>
         </c:txPr>
         <c:crossAx val="722777408"/>
@@ -515,7 +517,7 @@
               <a:cs typeface="+mn-cs"/>
             </a:defRPr>
           </a:pPr>
-          <a:endParaRPr lang="en-US"/>
+          <a:endParaRPr lang="pt-PT"/>
         </a:p>
       </c:txPr>
     </c:legend>
@@ -544,7 +546,863 @@
       <a:pPr>
         <a:defRPr/>
       </a:pPr>
-      <a:endParaRPr lang="en-US"/>
+      <a:endParaRPr lang="pt-PT"/>
+    </a:p>
+  </c:txPr>
+  <c:externalData r:id="rId3">
+    <c:autoUpdate val="0"/>
+  </c:externalData>
+</c:chartSpace>
+</file>
+
+<file path=ppt/charts/chart2.xml><?xml version="1.0" encoding="utf-8"?>
+<c:chartSpace xmlns:c="http://schemas.openxmlformats.org/drawingml/2006/chart" xmlns:a="http://schemas.openxmlformats.org/drawingml/2006/main" xmlns:r="http://schemas.openxmlformats.org/officeDocument/2006/relationships" xmlns:c16r2="http://schemas.microsoft.com/office/drawing/2015/06/chart">
+  <c:date1904 val="0"/>
+  <c:lang val="en-US"/>
+  <c:roundedCorners val="0"/>
+  <mc:AlternateContent xmlns:mc="http://schemas.openxmlformats.org/markup-compatibility/2006">
+    <mc:Choice xmlns:c14="http://schemas.microsoft.com/office/drawing/2007/8/2/chart" Requires="c14">
+      <c14:style val="102"/>
+    </mc:Choice>
+    <mc:Fallback>
+      <c:style val="2"/>
+    </mc:Fallback>
+  </mc:AlternateContent>
+  <c:chart>
+    <c:title>
+      <c:tx>
+        <c:rich>
+          <a:bodyPr rot="0" spcFirstLastPara="1" vertOverflow="ellipsis" vert="horz" wrap="square" anchor="ctr" anchorCtr="1"/>
+          <a:lstStyle/>
+          <a:p>
+            <a:pPr>
+              <a:defRPr sz="1400" b="0" i="0" u="none" strike="noStrike" kern="1200" spc="0" baseline="0">
+                <a:solidFill>
+                  <a:schemeClr val="tx1">
+                    <a:lumMod val="65000"/>
+                    <a:lumOff val="35000"/>
+                  </a:schemeClr>
+                </a:solidFill>
+                <a:latin typeface="+mn-lt"/>
+                <a:ea typeface="+mn-ea"/>
+                <a:cs typeface="+mn-cs"/>
+              </a:defRPr>
+            </a:pPr>
+            <a:r>
+              <a:rPr lang="pt-PT"/>
+              <a:t>Clicks </a:t>
+            </a:r>
+            <a:r>
+              <a:rPr lang="pt-PT" baseline="0"/>
+              <a:t>(</a:t>
+            </a:r>
+            <a:r>
+              <a:rPr lang="pt-PT"/>
+              <a:t>Confidence Intervals)</a:t>
+            </a:r>
+          </a:p>
+        </c:rich>
+      </c:tx>
+      <c:overlay val="0"/>
+      <c:spPr>
+        <a:noFill/>
+        <a:ln>
+          <a:noFill/>
+        </a:ln>
+        <a:effectLst/>
+      </c:spPr>
+      <c:txPr>
+        <a:bodyPr rot="0" spcFirstLastPara="1" vertOverflow="ellipsis" vert="horz" wrap="square" anchor="ctr" anchorCtr="1"/>
+        <a:lstStyle/>
+        <a:p>
+          <a:pPr>
+            <a:defRPr sz="1400" b="0" i="0" u="none" strike="noStrike" kern="1200" spc="0" baseline="0">
+              <a:solidFill>
+                <a:schemeClr val="tx1">
+                  <a:lumMod val="65000"/>
+                  <a:lumOff val="35000"/>
+                </a:schemeClr>
+              </a:solidFill>
+              <a:latin typeface="+mn-lt"/>
+              <a:ea typeface="+mn-ea"/>
+              <a:cs typeface="+mn-cs"/>
+            </a:defRPr>
+          </a:pPr>
+          <a:endParaRPr lang="pt-PT"/>
+        </a:p>
+      </c:txPr>
+    </c:title>
+    <c:autoTitleDeleted val="0"/>
+    <c:plotArea>
+      <c:layout/>
+      <c:barChart>
+        <c:barDir val="col"/>
+        <c:grouping val="clustered"/>
+        <c:varyColors val="0"/>
+        <c:ser>
+          <c:idx val="0"/>
+          <c:order val="0"/>
+          <c:tx>
+            <c:v>Tests</c:v>
+          </c:tx>
+          <c:spPr>
+            <a:solidFill>
+              <a:schemeClr val="accent1"/>
+            </a:solidFill>
+            <a:ln>
+              <a:noFill/>
+            </a:ln>
+            <a:effectLst/>
+          </c:spPr>
+          <c:invertIfNegative val="0"/>
+          <c:errBars>
+            <c:errBarType val="both"/>
+            <c:errValType val="cust"/>
+            <c:noEndCap val="0"/>
+            <c:plus>
+              <c:numRef>
+                <c:f>Questions!$E$88:$E$90</c:f>
+                <c:numCache>
+                  <c:formatCode>General</c:formatCode>
+                  <c:ptCount val="3"/>
+                  <c:pt idx="0">
+                    <c:v>4.1660306298870644</c:v>
+                  </c:pt>
+                  <c:pt idx="1">
+                    <c:v>7.0428116396681943</c:v>
+                  </c:pt>
+                  <c:pt idx="2">
+                    <c:v>2.2828339409237111</c:v>
+                  </c:pt>
+                </c:numCache>
+              </c:numRef>
+            </c:plus>
+            <c:minus>
+              <c:numRef>
+                <c:f>Questions!$E$88:$E$90</c:f>
+                <c:numCache>
+                  <c:formatCode>General</c:formatCode>
+                  <c:ptCount val="3"/>
+                  <c:pt idx="0">
+                    <c:v>4.1660306298870644</c:v>
+                  </c:pt>
+                  <c:pt idx="1">
+                    <c:v>7.0428116396681943</c:v>
+                  </c:pt>
+                  <c:pt idx="2">
+                    <c:v>2.2828339409237111</c:v>
+                  </c:pt>
+                </c:numCache>
+              </c:numRef>
+            </c:minus>
+            <c:spPr>
+              <a:noFill/>
+              <a:ln w="9525" cap="flat" cmpd="sng" algn="ctr">
+                <a:solidFill>
+                  <a:schemeClr val="tx1">
+                    <a:lumMod val="65000"/>
+                    <a:lumOff val="35000"/>
+                  </a:schemeClr>
+                </a:solidFill>
+                <a:round/>
+              </a:ln>
+              <a:effectLst/>
+            </c:spPr>
+          </c:errBars>
+          <c:cat>
+            <c:strRef>
+              <c:f>Questions!$A$62:$A$64</c:f>
+              <c:strCache>
+                <c:ptCount val="3"/>
+                <c:pt idx="0">
+                  <c:v>Task1 (Search)</c:v>
+                </c:pt>
+                <c:pt idx="1">
+                  <c:v>Task2 (Filter &amp; Order)</c:v>
+                </c:pt>
+                <c:pt idx="2">
+                  <c:v>Task3 (Create Offer)</c:v>
+                </c:pt>
+              </c:strCache>
+            </c:strRef>
+          </c:cat>
+          <c:val>
+            <c:numRef>
+              <c:f>Questions!$C$88:$C$90</c:f>
+              <c:numCache>
+                <c:formatCode>General</c:formatCode>
+                <c:ptCount val="3"/>
+                <c:pt idx="0">
+                  <c:v>6.583333333333333</c:v>
+                </c:pt>
+                <c:pt idx="1">
+                  <c:v>15.958333333333334</c:v>
+                </c:pt>
+                <c:pt idx="2">
+                  <c:v>14</c:v>
+                </c:pt>
+              </c:numCache>
+            </c:numRef>
+          </c:val>
+          <c:extLst>
+            <c:ext xmlns:c16="http://schemas.microsoft.com/office/drawing/2014/chart" uri="{C3380CC4-5D6E-409C-BE32-E72D297353CC}">
+              <c16:uniqueId val="{00000000-CD23-456F-B441-4FEE6E89E4B0}"/>
+            </c:ext>
+          </c:extLst>
+        </c:ser>
+        <c:ser>
+          <c:idx val="1"/>
+          <c:order val="1"/>
+          <c:tx>
+            <c:v>Expected</c:v>
+          </c:tx>
+          <c:spPr>
+            <a:solidFill>
+              <a:schemeClr val="accent2"/>
+            </a:solidFill>
+            <a:ln>
+              <a:noFill/>
+            </a:ln>
+            <a:effectLst/>
+          </c:spPr>
+          <c:invertIfNegative val="0"/>
+          <c:val>
+            <c:numRef>
+              <c:f>Questions!$B$88:$B$90</c:f>
+              <c:numCache>
+                <c:formatCode>General</c:formatCode>
+                <c:ptCount val="3"/>
+                <c:pt idx="0">
+                  <c:v>3</c:v>
+                </c:pt>
+                <c:pt idx="1">
+                  <c:v>6</c:v>
+                </c:pt>
+                <c:pt idx="2">
+                  <c:v>10</c:v>
+                </c:pt>
+              </c:numCache>
+            </c:numRef>
+          </c:val>
+          <c:extLst>
+            <c:ext xmlns:c16="http://schemas.microsoft.com/office/drawing/2014/chart" uri="{C3380CC4-5D6E-409C-BE32-E72D297353CC}">
+              <c16:uniqueId val="{00000001-CD23-456F-B441-4FEE6E89E4B0}"/>
+            </c:ext>
+          </c:extLst>
+        </c:ser>
+        <c:dLbls>
+          <c:showLegendKey val="0"/>
+          <c:showVal val="0"/>
+          <c:showCatName val="0"/>
+          <c:showSerName val="0"/>
+          <c:showPercent val="0"/>
+          <c:showBubbleSize val="0"/>
+        </c:dLbls>
+        <c:gapWidth val="219"/>
+        <c:overlap val="-27"/>
+        <c:axId val="722777408"/>
+        <c:axId val="722777824"/>
+      </c:barChart>
+      <c:catAx>
+        <c:axId val="722777408"/>
+        <c:scaling>
+          <c:orientation val="minMax"/>
+        </c:scaling>
+        <c:delete val="0"/>
+        <c:axPos val="b"/>
+        <c:numFmt formatCode="General" sourceLinked="1"/>
+        <c:majorTickMark val="none"/>
+        <c:minorTickMark val="none"/>
+        <c:tickLblPos val="nextTo"/>
+        <c:spPr>
+          <a:noFill/>
+          <a:ln w="9525" cap="flat" cmpd="sng" algn="ctr">
+            <a:solidFill>
+              <a:schemeClr val="tx1">
+                <a:lumMod val="15000"/>
+                <a:lumOff val="85000"/>
+              </a:schemeClr>
+            </a:solidFill>
+            <a:round/>
+          </a:ln>
+          <a:effectLst/>
+        </c:spPr>
+        <c:txPr>
+          <a:bodyPr rot="-60000000" spcFirstLastPara="1" vertOverflow="ellipsis" vert="horz" wrap="square" anchor="ctr" anchorCtr="1"/>
+          <a:lstStyle/>
+          <a:p>
+            <a:pPr>
+              <a:defRPr sz="900" b="0" i="0" u="none" strike="noStrike" kern="1200" baseline="0">
+                <a:solidFill>
+                  <a:schemeClr val="tx1">
+                    <a:lumMod val="65000"/>
+                    <a:lumOff val="35000"/>
+                  </a:schemeClr>
+                </a:solidFill>
+                <a:latin typeface="+mn-lt"/>
+                <a:ea typeface="+mn-ea"/>
+                <a:cs typeface="+mn-cs"/>
+              </a:defRPr>
+            </a:pPr>
+            <a:endParaRPr lang="pt-PT"/>
+          </a:p>
+        </c:txPr>
+        <c:crossAx val="722777824"/>
+        <c:crosses val="autoZero"/>
+        <c:auto val="1"/>
+        <c:lblAlgn val="ctr"/>
+        <c:lblOffset val="100"/>
+        <c:noMultiLvlLbl val="0"/>
+      </c:catAx>
+      <c:valAx>
+        <c:axId val="722777824"/>
+        <c:scaling>
+          <c:orientation val="minMax"/>
+        </c:scaling>
+        <c:delete val="0"/>
+        <c:axPos val="l"/>
+        <c:majorGridlines>
+          <c:spPr>
+            <a:ln w="9525" cap="flat" cmpd="sng" algn="ctr">
+              <a:solidFill>
+                <a:schemeClr val="tx1">
+                  <a:lumMod val="15000"/>
+                  <a:lumOff val="85000"/>
+                </a:schemeClr>
+              </a:solidFill>
+              <a:round/>
+            </a:ln>
+            <a:effectLst/>
+          </c:spPr>
+        </c:majorGridlines>
+        <c:numFmt formatCode="General" sourceLinked="1"/>
+        <c:majorTickMark val="none"/>
+        <c:minorTickMark val="none"/>
+        <c:tickLblPos val="nextTo"/>
+        <c:spPr>
+          <a:noFill/>
+          <a:ln>
+            <a:noFill/>
+          </a:ln>
+          <a:effectLst/>
+        </c:spPr>
+        <c:txPr>
+          <a:bodyPr rot="-60000000" spcFirstLastPara="1" vertOverflow="ellipsis" vert="horz" wrap="square" anchor="ctr" anchorCtr="1"/>
+          <a:lstStyle/>
+          <a:p>
+            <a:pPr>
+              <a:defRPr sz="900" b="0" i="0" u="none" strike="noStrike" kern="1200" baseline="0">
+                <a:solidFill>
+                  <a:schemeClr val="tx1">
+                    <a:lumMod val="65000"/>
+                    <a:lumOff val="35000"/>
+                  </a:schemeClr>
+                </a:solidFill>
+                <a:latin typeface="+mn-lt"/>
+                <a:ea typeface="+mn-ea"/>
+                <a:cs typeface="+mn-cs"/>
+              </a:defRPr>
+            </a:pPr>
+            <a:endParaRPr lang="pt-PT"/>
+          </a:p>
+        </c:txPr>
+        <c:crossAx val="722777408"/>
+        <c:crosses val="autoZero"/>
+        <c:crossBetween val="between"/>
+      </c:valAx>
+      <c:spPr>
+        <a:noFill/>
+        <a:ln>
+          <a:noFill/>
+        </a:ln>
+        <a:effectLst/>
+      </c:spPr>
+    </c:plotArea>
+    <c:legend>
+      <c:legendPos val="r"/>
+      <c:overlay val="0"/>
+      <c:spPr>
+        <a:noFill/>
+        <a:ln>
+          <a:noFill/>
+        </a:ln>
+        <a:effectLst/>
+      </c:spPr>
+      <c:txPr>
+        <a:bodyPr rot="0" spcFirstLastPara="1" vertOverflow="ellipsis" vert="horz" wrap="square" anchor="ctr" anchorCtr="1"/>
+        <a:lstStyle/>
+        <a:p>
+          <a:pPr>
+            <a:defRPr sz="900" b="0" i="0" u="none" strike="noStrike" kern="1200" baseline="0">
+              <a:solidFill>
+                <a:schemeClr val="tx1">
+                  <a:lumMod val="65000"/>
+                  <a:lumOff val="35000"/>
+                </a:schemeClr>
+              </a:solidFill>
+              <a:latin typeface="+mn-lt"/>
+              <a:ea typeface="+mn-ea"/>
+              <a:cs typeface="+mn-cs"/>
+            </a:defRPr>
+          </a:pPr>
+          <a:endParaRPr lang="pt-PT"/>
+        </a:p>
+      </c:txPr>
+    </c:legend>
+    <c:plotVisOnly val="1"/>
+    <c:dispBlanksAs val="gap"/>
+    <c:extLst>
+      <c:ext xmlns:c16r3="http://schemas.microsoft.com/office/drawing/2017/03/chart" uri="{56B9EC1D-385E-4148-901F-78D8002777C0}">
+        <c16r3:dataDisplayOptions16>
+          <c16r3:dispNaAsBlank val="1"/>
+        </c16r3:dataDisplayOptions16>
+      </c:ext>
+    </c:extLst>
+    <c:showDLblsOverMax val="0"/>
+  </c:chart>
+  <c:spPr>
+    <a:noFill/>
+    <a:ln>
+      <a:noFill/>
+    </a:ln>
+    <a:effectLst/>
+  </c:spPr>
+  <c:txPr>
+    <a:bodyPr/>
+    <a:lstStyle/>
+    <a:p>
+      <a:pPr>
+        <a:defRPr/>
+      </a:pPr>
+      <a:endParaRPr lang="pt-PT"/>
+    </a:p>
+  </c:txPr>
+  <c:externalData r:id="rId3">
+    <c:autoUpdate val="0"/>
+  </c:externalData>
+</c:chartSpace>
+</file>
+
+<file path=ppt/charts/chart3.xml><?xml version="1.0" encoding="utf-8"?>
+<c:chartSpace xmlns:c="http://schemas.openxmlformats.org/drawingml/2006/chart" xmlns:a="http://schemas.openxmlformats.org/drawingml/2006/main" xmlns:r="http://schemas.openxmlformats.org/officeDocument/2006/relationships" xmlns:c16r2="http://schemas.microsoft.com/office/drawing/2015/06/chart">
+  <c:date1904 val="0"/>
+  <c:lang val="en-US"/>
+  <c:roundedCorners val="0"/>
+  <mc:AlternateContent xmlns:mc="http://schemas.openxmlformats.org/markup-compatibility/2006">
+    <mc:Choice xmlns:c14="http://schemas.microsoft.com/office/drawing/2007/8/2/chart" Requires="c14">
+      <c14:style val="102"/>
+    </mc:Choice>
+    <mc:Fallback>
+      <c:style val="2"/>
+    </mc:Fallback>
+  </mc:AlternateContent>
+  <c:chart>
+    <c:title>
+      <c:tx>
+        <c:rich>
+          <a:bodyPr rot="0" spcFirstLastPara="1" vertOverflow="ellipsis" vert="horz" wrap="square" anchor="ctr" anchorCtr="1"/>
+          <a:lstStyle/>
+          <a:p>
+            <a:pPr>
+              <a:defRPr sz="1400" b="0" i="0" u="none" strike="noStrike" kern="1200" spc="0" baseline="0">
+                <a:solidFill>
+                  <a:schemeClr val="tx1">
+                    <a:lumMod val="65000"/>
+                    <a:lumOff val="35000"/>
+                  </a:schemeClr>
+                </a:solidFill>
+                <a:latin typeface="+mn-lt"/>
+                <a:ea typeface="+mn-ea"/>
+                <a:cs typeface="+mn-cs"/>
+              </a:defRPr>
+            </a:pPr>
+            <a:r>
+              <a:rPr lang="pt-PT"/>
+              <a:t>Satisfaction </a:t>
+            </a:r>
+            <a:r>
+              <a:rPr lang="pt-PT" baseline="0"/>
+              <a:t>(</a:t>
+            </a:r>
+            <a:r>
+              <a:rPr lang="pt-PT"/>
+              <a:t>Confidence Intervals)</a:t>
+            </a:r>
+          </a:p>
+        </c:rich>
+      </c:tx>
+      <c:overlay val="0"/>
+      <c:spPr>
+        <a:noFill/>
+        <a:ln>
+          <a:noFill/>
+        </a:ln>
+        <a:effectLst/>
+      </c:spPr>
+      <c:txPr>
+        <a:bodyPr rot="0" spcFirstLastPara="1" vertOverflow="ellipsis" vert="horz" wrap="square" anchor="ctr" anchorCtr="1"/>
+        <a:lstStyle/>
+        <a:p>
+          <a:pPr>
+            <a:defRPr sz="1400" b="0" i="0" u="none" strike="noStrike" kern="1200" spc="0" baseline="0">
+              <a:solidFill>
+                <a:schemeClr val="tx1">
+                  <a:lumMod val="65000"/>
+                  <a:lumOff val="35000"/>
+                </a:schemeClr>
+              </a:solidFill>
+              <a:latin typeface="+mn-lt"/>
+              <a:ea typeface="+mn-ea"/>
+              <a:cs typeface="+mn-cs"/>
+            </a:defRPr>
+          </a:pPr>
+          <a:endParaRPr lang="pt-PT"/>
+        </a:p>
+      </c:txPr>
+    </c:title>
+    <c:autoTitleDeleted val="0"/>
+    <c:plotArea>
+      <c:layout/>
+      <c:barChart>
+        <c:barDir val="col"/>
+        <c:grouping val="clustered"/>
+        <c:varyColors val="0"/>
+        <c:ser>
+          <c:idx val="0"/>
+          <c:order val="0"/>
+          <c:tx>
+            <c:v>Tests</c:v>
+          </c:tx>
+          <c:spPr>
+            <a:solidFill>
+              <a:schemeClr val="accent1"/>
+            </a:solidFill>
+            <a:ln>
+              <a:noFill/>
+            </a:ln>
+            <a:effectLst/>
+          </c:spPr>
+          <c:invertIfNegative val="0"/>
+          <c:errBars>
+            <c:errBarType val="both"/>
+            <c:errValType val="cust"/>
+            <c:noEndCap val="0"/>
+            <c:plus>
+              <c:numRef>
+                <c:f>Questions!$E$114:$E$116</c:f>
+                <c:numCache>
+                  <c:formatCode>General</c:formatCode>
+                  <c:ptCount val="3"/>
+                  <c:pt idx="0">
+                    <c:v>0.1722296435936358</c:v>
+                  </c:pt>
+                  <c:pt idx="1">
+                    <c:v>7.5468356784829965E-2</c:v>
+                  </c:pt>
+                  <c:pt idx="2">
+                    <c:v>6.690989738858924E-2</c:v>
+                  </c:pt>
+                </c:numCache>
+              </c:numRef>
+            </c:plus>
+            <c:minus>
+              <c:numRef>
+                <c:f>Questions!$E$114:$E$116</c:f>
+                <c:numCache>
+                  <c:formatCode>General</c:formatCode>
+                  <c:ptCount val="3"/>
+                  <c:pt idx="0">
+                    <c:v>0.1722296435936358</c:v>
+                  </c:pt>
+                  <c:pt idx="1">
+                    <c:v>7.5468356784829965E-2</c:v>
+                  </c:pt>
+                  <c:pt idx="2">
+                    <c:v>6.690989738858924E-2</c:v>
+                  </c:pt>
+                </c:numCache>
+              </c:numRef>
+            </c:minus>
+            <c:spPr>
+              <a:noFill/>
+              <a:ln w="9525" cap="flat" cmpd="sng" algn="ctr">
+                <a:solidFill>
+                  <a:schemeClr val="tx1">
+                    <a:lumMod val="65000"/>
+                    <a:lumOff val="35000"/>
+                  </a:schemeClr>
+                </a:solidFill>
+                <a:round/>
+              </a:ln>
+              <a:effectLst/>
+            </c:spPr>
+          </c:errBars>
+          <c:cat>
+            <c:strRef>
+              <c:f>Questions!$A$62:$A$64</c:f>
+              <c:strCache>
+                <c:ptCount val="3"/>
+                <c:pt idx="0">
+                  <c:v>Task1 (Search)</c:v>
+                </c:pt>
+                <c:pt idx="1">
+                  <c:v>Task2 (Filter &amp; Order)</c:v>
+                </c:pt>
+                <c:pt idx="2">
+                  <c:v>Task3 (Create Offer)</c:v>
+                </c:pt>
+              </c:strCache>
+            </c:strRef>
+          </c:cat>
+          <c:val>
+            <c:numRef>
+              <c:f>Questions!$C$114:$C$116</c:f>
+              <c:numCache>
+                <c:formatCode>General</c:formatCode>
+                <c:ptCount val="3"/>
+                <c:pt idx="0">
+                  <c:v>0.74479166666666663</c:v>
+                </c:pt>
+                <c:pt idx="1">
+                  <c:v>0.78385416666666663</c:v>
+                </c:pt>
+                <c:pt idx="2">
+                  <c:v>0.80989583333333337</c:v>
+                </c:pt>
+              </c:numCache>
+            </c:numRef>
+          </c:val>
+          <c:extLst>
+            <c:ext xmlns:c16="http://schemas.microsoft.com/office/drawing/2014/chart" uri="{C3380CC4-5D6E-409C-BE32-E72D297353CC}">
+              <c16:uniqueId val="{00000000-C792-4CB0-9173-BDE614B981A9}"/>
+            </c:ext>
+          </c:extLst>
+        </c:ser>
+        <c:ser>
+          <c:idx val="1"/>
+          <c:order val="1"/>
+          <c:tx>
+            <c:v>Expected</c:v>
+          </c:tx>
+          <c:spPr>
+            <a:solidFill>
+              <a:schemeClr val="accent2"/>
+            </a:solidFill>
+            <a:ln>
+              <a:noFill/>
+            </a:ln>
+            <a:effectLst/>
+          </c:spPr>
+          <c:invertIfNegative val="0"/>
+          <c:val>
+            <c:numRef>
+              <c:f>Questions!$B$114:$B$116</c:f>
+              <c:numCache>
+                <c:formatCode>General</c:formatCode>
+                <c:ptCount val="3"/>
+                <c:pt idx="0">
+                  <c:v>0.95</c:v>
+                </c:pt>
+                <c:pt idx="1">
+                  <c:v>0.9</c:v>
+                </c:pt>
+                <c:pt idx="2">
+                  <c:v>0.85</c:v>
+                </c:pt>
+              </c:numCache>
+            </c:numRef>
+          </c:val>
+          <c:extLst>
+            <c:ext xmlns:c16="http://schemas.microsoft.com/office/drawing/2014/chart" uri="{C3380CC4-5D6E-409C-BE32-E72D297353CC}">
+              <c16:uniqueId val="{00000001-C792-4CB0-9173-BDE614B981A9}"/>
+            </c:ext>
+          </c:extLst>
+        </c:ser>
+        <c:dLbls>
+          <c:showLegendKey val="0"/>
+          <c:showVal val="0"/>
+          <c:showCatName val="0"/>
+          <c:showSerName val="0"/>
+          <c:showPercent val="0"/>
+          <c:showBubbleSize val="0"/>
+        </c:dLbls>
+        <c:gapWidth val="219"/>
+        <c:overlap val="-27"/>
+        <c:axId val="722777408"/>
+        <c:axId val="722777824"/>
+      </c:barChart>
+      <c:catAx>
+        <c:axId val="722777408"/>
+        <c:scaling>
+          <c:orientation val="minMax"/>
+        </c:scaling>
+        <c:delete val="0"/>
+        <c:axPos val="b"/>
+        <c:numFmt formatCode="General" sourceLinked="1"/>
+        <c:majorTickMark val="none"/>
+        <c:minorTickMark val="none"/>
+        <c:tickLblPos val="nextTo"/>
+        <c:spPr>
+          <a:noFill/>
+          <a:ln w="9525" cap="flat" cmpd="sng" algn="ctr">
+            <a:solidFill>
+              <a:schemeClr val="tx1">
+                <a:lumMod val="15000"/>
+                <a:lumOff val="85000"/>
+              </a:schemeClr>
+            </a:solidFill>
+            <a:round/>
+          </a:ln>
+          <a:effectLst/>
+        </c:spPr>
+        <c:txPr>
+          <a:bodyPr rot="-60000000" spcFirstLastPara="1" vertOverflow="ellipsis" vert="horz" wrap="square" anchor="ctr" anchorCtr="1"/>
+          <a:lstStyle/>
+          <a:p>
+            <a:pPr>
+              <a:defRPr sz="900" b="0" i="0" u="none" strike="noStrike" kern="1200" baseline="0">
+                <a:solidFill>
+                  <a:schemeClr val="tx1">
+                    <a:lumMod val="65000"/>
+                    <a:lumOff val="35000"/>
+                  </a:schemeClr>
+                </a:solidFill>
+                <a:latin typeface="+mn-lt"/>
+                <a:ea typeface="+mn-ea"/>
+                <a:cs typeface="+mn-cs"/>
+              </a:defRPr>
+            </a:pPr>
+            <a:endParaRPr lang="pt-PT"/>
+          </a:p>
+        </c:txPr>
+        <c:crossAx val="722777824"/>
+        <c:crosses val="autoZero"/>
+        <c:auto val="1"/>
+        <c:lblAlgn val="ctr"/>
+        <c:lblOffset val="100"/>
+        <c:noMultiLvlLbl val="0"/>
+      </c:catAx>
+      <c:valAx>
+        <c:axId val="722777824"/>
+        <c:scaling>
+          <c:orientation val="minMax"/>
+        </c:scaling>
+        <c:delete val="0"/>
+        <c:axPos val="l"/>
+        <c:majorGridlines>
+          <c:spPr>
+            <a:ln w="9525" cap="flat" cmpd="sng" algn="ctr">
+              <a:solidFill>
+                <a:schemeClr val="tx1">
+                  <a:lumMod val="15000"/>
+                  <a:lumOff val="85000"/>
+                </a:schemeClr>
+              </a:solidFill>
+              <a:round/>
+            </a:ln>
+            <a:effectLst/>
+          </c:spPr>
+        </c:majorGridlines>
+        <c:numFmt formatCode="General" sourceLinked="1"/>
+        <c:majorTickMark val="none"/>
+        <c:minorTickMark val="none"/>
+        <c:tickLblPos val="nextTo"/>
+        <c:spPr>
+          <a:noFill/>
+          <a:ln>
+            <a:noFill/>
+          </a:ln>
+          <a:effectLst/>
+        </c:spPr>
+        <c:txPr>
+          <a:bodyPr rot="-60000000" spcFirstLastPara="1" vertOverflow="ellipsis" vert="horz" wrap="square" anchor="ctr" anchorCtr="1"/>
+          <a:lstStyle/>
+          <a:p>
+            <a:pPr>
+              <a:defRPr sz="900" b="0" i="0" u="none" strike="noStrike" kern="1200" baseline="0">
+                <a:solidFill>
+                  <a:schemeClr val="tx1">
+                    <a:lumMod val="65000"/>
+                    <a:lumOff val="35000"/>
+                  </a:schemeClr>
+                </a:solidFill>
+                <a:latin typeface="+mn-lt"/>
+                <a:ea typeface="+mn-ea"/>
+                <a:cs typeface="+mn-cs"/>
+              </a:defRPr>
+            </a:pPr>
+            <a:endParaRPr lang="pt-PT"/>
+          </a:p>
+        </c:txPr>
+        <c:crossAx val="722777408"/>
+        <c:crosses val="autoZero"/>
+        <c:crossBetween val="between"/>
+      </c:valAx>
+      <c:spPr>
+        <a:noFill/>
+        <a:ln>
+          <a:noFill/>
+        </a:ln>
+        <a:effectLst/>
+      </c:spPr>
+    </c:plotArea>
+    <c:legend>
+      <c:legendPos val="r"/>
+      <c:overlay val="0"/>
+      <c:spPr>
+        <a:noFill/>
+        <a:ln>
+          <a:noFill/>
+        </a:ln>
+        <a:effectLst/>
+      </c:spPr>
+      <c:txPr>
+        <a:bodyPr rot="0" spcFirstLastPara="1" vertOverflow="ellipsis" vert="horz" wrap="square" anchor="ctr" anchorCtr="1"/>
+        <a:lstStyle/>
+        <a:p>
+          <a:pPr>
+            <a:defRPr sz="900" b="0" i="0" u="none" strike="noStrike" kern="1200" baseline="0">
+              <a:solidFill>
+                <a:schemeClr val="tx1">
+                  <a:lumMod val="65000"/>
+                  <a:lumOff val="35000"/>
+                </a:schemeClr>
+              </a:solidFill>
+              <a:latin typeface="+mn-lt"/>
+              <a:ea typeface="+mn-ea"/>
+              <a:cs typeface="+mn-cs"/>
+            </a:defRPr>
+          </a:pPr>
+          <a:endParaRPr lang="pt-PT"/>
+        </a:p>
+      </c:txPr>
+    </c:legend>
+    <c:plotVisOnly val="1"/>
+    <c:dispBlanksAs val="gap"/>
+    <c:extLst>
+      <c:ext xmlns:c16r3="http://schemas.microsoft.com/office/drawing/2017/03/chart" uri="{56B9EC1D-385E-4148-901F-78D8002777C0}">
+        <c16r3:dataDisplayOptions16>
+          <c16r3:dispNaAsBlank val="1"/>
+        </c16r3:dataDisplayOptions16>
+      </c:ext>
+    </c:extLst>
+    <c:showDLblsOverMax val="0"/>
+  </c:chart>
+  <c:spPr>
+    <a:noFill/>
+    <a:ln>
+      <a:noFill/>
+    </a:ln>
+    <a:effectLst/>
+  </c:spPr>
+  <c:txPr>
+    <a:bodyPr/>
+    <a:lstStyle/>
+    <a:p>
+      <a:pPr>
+        <a:defRPr/>
+      </a:pPr>
+      <a:endParaRPr lang="pt-PT"/>
     </a:p>
   </c:txPr>
   <c:externalData r:id="rId3">
@@ -593,7 +1451,1093 @@
 </cs:colorStyle>
 </file>
 
+<file path=ppt/charts/colors2.xml><?xml version="1.0" encoding="utf-8"?>
+<cs:colorStyle xmlns:cs="http://schemas.microsoft.com/office/drawing/2012/chartStyle" xmlns:a="http://schemas.openxmlformats.org/drawingml/2006/main" meth="cycle" id="10">
+  <a:schemeClr val="accent1"/>
+  <a:schemeClr val="accent2"/>
+  <a:schemeClr val="accent3"/>
+  <a:schemeClr val="accent4"/>
+  <a:schemeClr val="accent5"/>
+  <a:schemeClr val="accent6"/>
+  <cs:variation/>
+  <cs:variation>
+    <a:lumMod val="60000"/>
+  </cs:variation>
+  <cs:variation>
+    <a:lumMod val="80000"/>
+    <a:lumOff val="20000"/>
+  </cs:variation>
+  <cs:variation>
+    <a:lumMod val="80000"/>
+  </cs:variation>
+  <cs:variation>
+    <a:lumMod val="60000"/>
+    <a:lumOff val="40000"/>
+  </cs:variation>
+  <cs:variation>
+    <a:lumMod val="50000"/>
+  </cs:variation>
+  <cs:variation>
+    <a:lumMod val="70000"/>
+    <a:lumOff val="30000"/>
+  </cs:variation>
+  <cs:variation>
+    <a:lumMod val="70000"/>
+  </cs:variation>
+  <cs:variation>
+    <a:lumMod val="50000"/>
+    <a:lumOff val="50000"/>
+  </cs:variation>
+</cs:colorStyle>
+</file>
+
+<file path=ppt/charts/colors3.xml><?xml version="1.0" encoding="utf-8"?>
+<cs:colorStyle xmlns:cs="http://schemas.microsoft.com/office/drawing/2012/chartStyle" xmlns:a="http://schemas.openxmlformats.org/drawingml/2006/main" meth="cycle" id="10">
+  <a:schemeClr val="accent1"/>
+  <a:schemeClr val="accent2"/>
+  <a:schemeClr val="accent3"/>
+  <a:schemeClr val="accent4"/>
+  <a:schemeClr val="accent5"/>
+  <a:schemeClr val="accent6"/>
+  <cs:variation/>
+  <cs:variation>
+    <a:lumMod val="60000"/>
+  </cs:variation>
+  <cs:variation>
+    <a:lumMod val="80000"/>
+    <a:lumOff val="20000"/>
+  </cs:variation>
+  <cs:variation>
+    <a:lumMod val="80000"/>
+  </cs:variation>
+  <cs:variation>
+    <a:lumMod val="60000"/>
+    <a:lumOff val="40000"/>
+  </cs:variation>
+  <cs:variation>
+    <a:lumMod val="50000"/>
+  </cs:variation>
+  <cs:variation>
+    <a:lumMod val="70000"/>
+    <a:lumOff val="30000"/>
+  </cs:variation>
+  <cs:variation>
+    <a:lumMod val="70000"/>
+  </cs:variation>
+  <cs:variation>
+    <a:lumMod val="50000"/>
+    <a:lumOff val="50000"/>
+  </cs:variation>
+</cs:colorStyle>
+</file>
+
 <file path=ppt/charts/style1.xml><?xml version="1.0" encoding="utf-8"?>
+<cs:chartStyle xmlns:cs="http://schemas.microsoft.com/office/drawing/2012/chartStyle" xmlns:a="http://schemas.openxmlformats.org/drawingml/2006/main" id="201">
+  <cs:axisTitle>
+    <cs:lnRef idx="0"/>
+    <cs:fillRef idx="0"/>
+    <cs:effectRef idx="0"/>
+    <cs:fontRef idx="minor">
+      <a:schemeClr val="tx1">
+        <a:lumMod val="65000"/>
+        <a:lumOff val="35000"/>
+      </a:schemeClr>
+    </cs:fontRef>
+    <cs:defRPr sz="1000" kern="1200"/>
+  </cs:axisTitle>
+  <cs:categoryAxis>
+    <cs:lnRef idx="0"/>
+    <cs:fillRef idx="0"/>
+    <cs:effectRef idx="0"/>
+    <cs:fontRef idx="minor">
+      <a:schemeClr val="tx1">
+        <a:lumMod val="65000"/>
+        <a:lumOff val="35000"/>
+      </a:schemeClr>
+    </cs:fontRef>
+    <cs:spPr>
+      <a:ln w="9525" cap="flat" cmpd="sng" algn="ctr">
+        <a:solidFill>
+          <a:schemeClr val="tx1">
+            <a:lumMod val="15000"/>
+            <a:lumOff val="85000"/>
+          </a:schemeClr>
+        </a:solidFill>
+        <a:round/>
+      </a:ln>
+    </cs:spPr>
+    <cs:defRPr sz="900" kern="1200"/>
+  </cs:categoryAxis>
+  <cs:chartArea mods="allowNoFillOverride allowNoLineOverride">
+    <cs:lnRef idx="0"/>
+    <cs:fillRef idx="0"/>
+    <cs:effectRef idx="0"/>
+    <cs:fontRef idx="minor">
+      <a:schemeClr val="tx1"/>
+    </cs:fontRef>
+    <cs:spPr>
+      <a:solidFill>
+        <a:schemeClr val="bg1"/>
+      </a:solidFill>
+      <a:ln w="9525" cap="flat" cmpd="sng" algn="ctr">
+        <a:solidFill>
+          <a:schemeClr val="tx1">
+            <a:lumMod val="15000"/>
+            <a:lumOff val="85000"/>
+          </a:schemeClr>
+        </a:solidFill>
+        <a:round/>
+      </a:ln>
+    </cs:spPr>
+    <cs:defRPr sz="1000" kern="1200"/>
+  </cs:chartArea>
+  <cs:dataLabel>
+    <cs:lnRef idx="0"/>
+    <cs:fillRef idx="0"/>
+    <cs:effectRef idx="0"/>
+    <cs:fontRef idx="minor">
+      <a:schemeClr val="tx1">
+        <a:lumMod val="75000"/>
+        <a:lumOff val="25000"/>
+      </a:schemeClr>
+    </cs:fontRef>
+    <cs:defRPr sz="900" kern="1200"/>
+  </cs:dataLabel>
+  <cs:dataLabelCallout>
+    <cs:lnRef idx="0"/>
+    <cs:fillRef idx="0"/>
+    <cs:effectRef idx="0"/>
+    <cs:fontRef idx="minor">
+      <a:schemeClr val="dk1">
+        <a:lumMod val="65000"/>
+        <a:lumOff val="35000"/>
+      </a:schemeClr>
+    </cs:fontRef>
+    <cs:spPr>
+      <a:solidFill>
+        <a:schemeClr val="lt1"/>
+      </a:solidFill>
+      <a:ln>
+        <a:solidFill>
+          <a:schemeClr val="dk1">
+            <a:lumMod val="25000"/>
+            <a:lumOff val="75000"/>
+          </a:schemeClr>
+        </a:solidFill>
+      </a:ln>
+    </cs:spPr>
+    <cs:defRPr sz="900" kern="1200"/>
+    <cs:bodyPr rot="0" spcFirstLastPara="1" vertOverflow="clip" horzOverflow="clip" vert="horz" wrap="square" lIns="36576" tIns="18288" rIns="36576" bIns="18288" anchor="ctr" anchorCtr="1">
+      <a:spAutoFit/>
+    </cs:bodyPr>
+  </cs:dataLabelCallout>
+  <cs:dataPoint>
+    <cs:lnRef idx="0"/>
+    <cs:fillRef idx="1">
+      <cs:styleClr val="auto"/>
+    </cs:fillRef>
+    <cs:effectRef idx="0"/>
+    <cs:fontRef idx="minor">
+      <a:schemeClr val="tx1"/>
+    </cs:fontRef>
+  </cs:dataPoint>
+  <cs:dataPoint3D>
+    <cs:lnRef idx="0"/>
+    <cs:fillRef idx="1">
+      <cs:styleClr val="auto"/>
+    </cs:fillRef>
+    <cs:effectRef idx="0"/>
+    <cs:fontRef idx="minor">
+      <a:schemeClr val="tx1"/>
+    </cs:fontRef>
+  </cs:dataPoint3D>
+  <cs:dataPointLine>
+    <cs:lnRef idx="0">
+      <cs:styleClr val="auto"/>
+    </cs:lnRef>
+    <cs:fillRef idx="1"/>
+    <cs:effectRef idx="0"/>
+    <cs:fontRef idx="minor">
+      <a:schemeClr val="tx1"/>
+    </cs:fontRef>
+    <cs:spPr>
+      <a:ln w="28575" cap="rnd">
+        <a:solidFill>
+          <a:schemeClr val="phClr"/>
+        </a:solidFill>
+        <a:round/>
+      </a:ln>
+    </cs:spPr>
+  </cs:dataPointLine>
+  <cs:dataPointMarker>
+    <cs:lnRef idx="0">
+      <cs:styleClr val="auto"/>
+    </cs:lnRef>
+    <cs:fillRef idx="1">
+      <cs:styleClr val="auto"/>
+    </cs:fillRef>
+    <cs:effectRef idx="0"/>
+    <cs:fontRef idx="minor">
+      <a:schemeClr val="tx1"/>
+    </cs:fontRef>
+    <cs:spPr>
+      <a:ln w="9525">
+        <a:solidFill>
+          <a:schemeClr val="phClr"/>
+        </a:solidFill>
+      </a:ln>
+    </cs:spPr>
+  </cs:dataPointMarker>
+  <cs:dataPointMarkerLayout symbol="circle" size="5"/>
+  <cs:dataPointWireframe>
+    <cs:lnRef idx="0">
+      <cs:styleClr val="auto"/>
+    </cs:lnRef>
+    <cs:fillRef idx="1"/>
+    <cs:effectRef idx="0"/>
+    <cs:fontRef idx="minor">
+      <a:schemeClr val="tx1"/>
+    </cs:fontRef>
+    <cs:spPr>
+      <a:ln w="9525" cap="rnd">
+        <a:solidFill>
+          <a:schemeClr val="phClr"/>
+        </a:solidFill>
+        <a:round/>
+      </a:ln>
+    </cs:spPr>
+  </cs:dataPointWireframe>
+  <cs:dataTable>
+    <cs:lnRef idx="0"/>
+    <cs:fillRef idx="0"/>
+    <cs:effectRef idx="0"/>
+    <cs:fontRef idx="minor">
+      <a:schemeClr val="tx1">
+        <a:lumMod val="65000"/>
+        <a:lumOff val="35000"/>
+      </a:schemeClr>
+    </cs:fontRef>
+    <cs:spPr>
+      <a:noFill/>
+      <a:ln w="9525" cap="flat" cmpd="sng" algn="ctr">
+        <a:solidFill>
+          <a:schemeClr val="tx1">
+            <a:lumMod val="15000"/>
+            <a:lumOff val="85000"/>
+          </a:schemeClr>
+        </a:solidFill>
+        <a:round/>
+      </a:ln>
+    </cs:spPr>
+    <cs:defRPr sz="900" kern="1200"/>
+  </cs:dataTable>
+  <cs:downBar>
+    <cs:lnRef idx="0"/>
+    <cs:fillRef idx="0"/>
+    <cs:effectRef idx="0"/>
+    <cs:fontRef idx="minor">
+      <a:schemeClr val="dk1"/>
+    </cs:fontRef>
+    <cs:spPr>
+      <a:solidFill>
+        <a:schemeClr val="dk1">
+          <a:lumMod val="65000"/>
+          <a:lumOff val="35000"/>
+        </a:schemeClr>
+      </a:solidFill>
+      <a:ln w="9525">
+        <a:solidFill>
+          <a:schemeClr val="tx1">
+            <a:lumMod val="65000"/>
+            <a:lumOff val="35000"/>
+          </a:schemeClr>
+        </a:solidFill>
+      </a:ln>
+    </cs:spPr>
+  </cs:downBar>
+  <cs:dropLine>
+    <cs:lnRef idx="0"/>
+    <cs:fillRef idx="0"/>
+    <cs:effectRef idx="0"/>
+    <cs:fontRef idx="minor">
+      <a:schemeClr val="tx1"/>
+    </cs:fontRef>
+    <cs:spPr>
+      <a:ln w="9525" cap="flat" cmpd="sng" algn="ctr">
+        <a:solidFill>
+          <a:schemeClr val="tx1">
+            <a:lumMod val="35000"/>
+            <a:lumOff val="65000"/>
+          </a:schemeClr>
+        </a:solidFill>
+        <a:round/>
+      </a:ln>
+    </cs:spPr>
+  </cs:dropLine>
+  <cs:errorBar>
+    <cs:lnRef idx="0"/>
+    <cs:fillRef idx="0"/>
+    <cs:effectRef idx="0"/>
+    <cs:fontRef idx="minor">
+      <a:schemeClr val="tx1"/>
+    </cs:fontRef>
+    <cs:spPr>
+      <a:ln w="9525" cap="flat" cmpd="sng" algn="ctr">
+        <a:solidFill>
+          <a:schemeClr val="tx1">
+            <a:lumMod val="65000"/>
+            <a:lumOff val="35000"/>
+          </a:schemeClr>
+        </a:solidFill>
+        <a:round/>
+      </a:ln>
+    </cs:spPr>
+  </cs:errorBar>
+  <cs:floor>
+    <cs:lnRef idx="0"/>
+    <cs:fillRef idx="0"/>
+    <cs:effectRef idx="0"/>
+    <cs:fontRef idx="minor">
+      <a:schemeClr val="tx1"/>
+    </cs:fontRef>
+    <cs:spPr>
+      <a:noFill/>
+      <a:ln>
+        <a:noFill/>
+      </a:ln>
+    </cs:spPr>
+  </cs:floor>
+  <cs:gridlineMajor>
+    <cs:lnRef idx="0"/>
+    <cs:fillRef idx="0"/>
+    <cs:effectRef idx="0"/>
+    <cs:fontRef idx="minor">
+      <a:schemeClr val="tx1"/>
+    </cs:fontRef>
+    <cs:spPr>
+      <a:ln w="9525" cap="flat" cmpd="sng" algn="ctr">
+        <a:solidFill>
+          <a:schemeClr val="tx1">
+            <a:lumMod val="15000"/>
+            <a:lumOff val="85000"/>
+          </a:schemeClr>
+        </a:solidFill>
+        <a:round/>
+      </a:ln>
+    </cs:spPr>
+  </cs:gridlineMajor>
+  <cs:gridlineMinor>
+    <cs:lnRef idx="0"/>
+    <cs:fillRef idx="0"/>
+    <cs:effectRef idx="0"/>
+    <cs:fontRef idx="minor">
+      <a:schemeClr val="tx1"/>
+    </cs:fontRef>
+    <cs:spPr>
+      <a:ln w="9525" cap="flat" cmpd="sng" algn="ctr">
+        <a:solidFill>
+          <a:schemeClr val="tx1">
+            <a:lumMod val="5000"/>
+            <a:lumOff val="95000"/>
+          </a:schemeClr>
+        </a:solidFill>
+        <a:round/>
+      </a:ln>
+    </cs:spPr>
+  </cs:gridlineMinor>
+  <cs:hiLoLine>
+    <cs:lnRef idx="0"/>
+    <cs:fillRef idx="0"/>
+    <cs:effectRef idx="0"/>
+    <cs:fontRef idx="minor">
+      <a:schemeClr val="tx1"/>
+    </cs:fontRef>
+    <cs:spPr>
+      <a:ln w="9525" cap="flat" cmpd="sng" algn="ctr">
+        <a:solidFill>
+          <a:schemeClr val="tx1">
+            <a:lumMod val="75000"/>
+            <a:lumOff val="25000"/>
+          </a:schemeClr>
+        </a:solidFill>
+        <a:round/>
+      </a:ln>
+    </cs:spPr>
+  </cs:hiLoLine>
+  <cs:leaderLine>
+    <cs:lnRef idx="0"/>
+    <cs:fillRef idx="0"/>
+    <cs:effectRef idx="0"/>
+    <cs:fontRef idx="minor">
+      <a:schemeClr val="tx1"/>
+    </cs:fontRef>
+    <cs:spPr>
+      <a:ln w="9525" cap="flat" cmpd="sng" algn="ctr">
+        <a:solidFill>
+          <a:schemeClr val="tx1">
+            <a:lumMod val="35000"/>
+            <a:lumOff val="65000"/>
+          </a:schemeClr>
+        </a:solidFill>
+        <a:round/>
+      </a:ln>
+    </cs:spPr>
+  </cs:leaderLine>
+  <cs:legend>
+    <cs:lnRef idx="0"/>
+    <cs:fillRef idx="0"/>
+    <cs:effectRef idx="0"/>
+    <cs:fontRef idx="minor">
+      <a:schemeClr val="tx1">
+        <a:lumMod val="65000"/>
+        <a:lumOff val="35000"/>
+      </a:schemeClr>
+    </cs:fontRef>
+    <cs:defRPr sz="900" kern="1200"/>
+  </cs:legend>
+  <cs:plotArea mods="allowNoFillOverride allowNoLineOverride">
+    <cs:lnRef idx="0"/>
+    <cs:fillRef idx="0"/>
+    <cs:effectRef idx="0"/>
+    <cs:fontRef idx="minor">
+      <a:schemeClr val="tx1"/>
+    </cs:fontRef>
+  </cs:plotArea>
+  <cs:plotArea3D mods="allowNoFillOverride allowNoLineOverride">
+    <cs:lnRef idx="0"/>
+    <cs:fillRef idx="0"/>
+    <cs:effectRef idx="0"/>
+    <cs:fontRef idx="minor">
+      <a:schemeClr val="tx1"/>
+    </cs:fontRef>
+  </cs:plotArea3D>
+  <cs:seriesAxis>
+    <cs:lnRef idx="0"/>
+    <cs:fillRef idx="0"/>
+    <cs:effectRef idx="0"/>
+    <cs:fontRef idx="minor">
+      <a:schemeClr val="tx1">
+        <a:lumMod val="65000"/>
+        <a:lumOff val="35000"/>
+      </a:schemeClr>
+    </cs:fontRef>
+    <cs:defRPr sz="900" kern="1200"/>
+  </cs:seriesAxis>
+  <cs:seriesLine>
+    <cs:lnRef idx="0"/>
+    <cs:fillRef idx="0"/>
+    <cs:effectRef idx="0"/>
+    <cs:fontRef idx="minor">
+      <a:schemeClr val="tx1"/>
+    </cs:fontRef>
+    <cs:spPr>
+      <a:ln w="9525" cap="flat" cmpd="sng" algn="ctr">
+        <a:solidFill>
+          <a:schemeClr val="tx1">
+            <a:lumMod val="35000"/>
+            <a:lumOff val="65000"/>
+          </a:schemeClr>
+        </a:solidFill>
+        <a:round/>
+      </a:ln>
+    </cs:spPr>
+  </cs:seriesLine>
+  <cs:title>
+    <cs:lnRef idx="0"/>
+    <cs:fillRef idx="0"/>
+    <cs:effectRef idx="0"/>
+    <cs:fontRef idx="minor">
+      <a:schemeClr val="tx1">
+        <a:lumMod val="65000"/>
+        <a:lumOff val="35000"/>
+      </a:schemeClr>
+    </cs:fontRef>
+    <cs:defRPr sz="1400" b="0" kern="1200" spc="0" baseline="0"/>
+  </cs:title>
+  <cs:trendline>
+    <cs:lnRef idx="0">
+      <cs:styleClr val="auto"/>
+    </cs:lnRef>
+    <cs:fillRef idx="0"/>
+    <cs:effectRef idx="0"/>
+    <cs:fontRef idx="minor">
+      <a:schemeClr val="tx1"/>
+    </cs:fontRef>
+    <cs:spPr>
+      <a:ln w="19050" cap="rnd">
+        <a:solidFill>
+          <a:schemeClr val="phClr"/>
+        </a:solidFill>
+        <a:prstDash val="sysDot"/>
+      </a:ln>
+    </cs:spPr>
+  </cs:trendline>
+  <cs:trendlineLabel>
+    <cs:lnRef idx="0"/>
+    <cs:fillRef idx="0"/>
+    <cs:effectRef idx="0"/>
+    <cs:fontRef idx="minor">
+      <a:schemeClr val="tx1">
+        <a:lumMod val="65000"/>
+        <a:lumOff val="35000"/>
+      </a:schemeClr>
+    </cs:fontRef>
+    <cs:defRPr sz="900" kern="1200"/>
+  </cs:trendlineLabel>
+  <cs:upBar>
+    <cs:lnRef idx="0"/>
+    <cs:fillRef idx="0"/>
+    <cs:effectRef idx="0"/>
+    <cs:fontRef idx="minor">
+      <a:schemeClr val="dk1"/>
+    </cs:fontRef>
+    <cs:spPr>
+      <a:solidFill>
+        <a:schemeClr val="lt1"/>
+      </a:solidFill>
+      <a:ln w="9525">
+        <a:solidFill>
+          <a:schemeClr val="tx1">
+            <a:lumMod val="15000"/>
+            <a:lumOff val="85000"/>
+          </a:schemeClr>
+        </a:solidFill>
+      </a:ln>
+    </cs:spPr>
+  </cs:upBar>
+  <cs:valueAxis>
+    <cs:lnRef idx="0"/>
+    <cs:fillRef idx="0"/>
+    <cs:effectRef idx="0"/>
+    <cs:fontRef idx="minor">
+      <a:schemeClr val="tx1">
+        <a:lumMod val="65000"/>
+        <a:lumOff val="35000"/>
+      </a:schemeClr>
+    </cs:fontRef>
+    <cs:defRPr sz="900" kern="1200"/>
+  </cs:valueAxis>
+  <cs:wall>
+    <cs:lnRef idx="0"/>
+    <cs:fillRef idx="0"/>
+    <cs:effectRef idx="0"/>
+    <cs:fontRef idx="minor">
+      <a:schemeClr val="tx1"/>
+    </cs:fontRef>
+    <cs:spPr>
+      <a:noFill/>
+      <a:ln>
+        <a:noFill/>
+      </a:ln>
+    </cs:spPr>
+  </cs:wall>
+</cs:chartStyle>
+</file>
+
+<file path=ppt/charts/style2.xml><?xml version="1.0" encoding="utf-8"?>
+<cs:chartStyle xmlns:cs="http://schemas.microsoft.com/office/drawing/2012/chartStyle" xmlns:a="http://schemas.openxmlformats.org/drawingml/2006/main" id="201">
+  <cs:axisTitle>
+    <cs:lnRef idx="0"/>
+    <cs:fillRef idx="0"/>
+    <cs:effectRef idx="0"/>
+    <cs:fontRef idx="minor">
+      <a:schemeClr val="tx1">
+        <a:lumMod val="65000"/>
+        <a:lumOff val="35000"/>
+      </a:schemeClr>
+    </cs:fontRef>
+    <cs:defRPr sz="1000" kern="1200"/>
+  </cs:axisTitle>
+  <cs:categoryAxis>
+    <cs:lnRef idx="0"/>
+    <cs:fillRef idx="0"/>
+    <cs:effectRef idx="0"/>
+    <cs:fontRef idx="minor">
+      <a:schemeClr val="tx1">
+        <a:lumMod val="65000"/>
+        <a:lumOff val="35000"/>
+      </a:schemeClr>
+    </cs:fontRef>
+    <cs:spPr>
+      <a:ln w="9525" cap="flat" cmpd="sng" algn="ctr">
+        <a:solidFill>
+          <a:schemeClr val="tx1">
+            <a:lumMod val="15000"/>
+            <a:lumOff val="85000"/>
+          </a:schemeClr>
+        </a:solidFill>
+        <a:round/>
+      </a:ln>
+    </cs:spPr>
+    <cs:defRPr sz="900" kern="1200"/>
+  </cs:categoryAxis>
+  <cs:chartArea mods="allowNoFillOverride allowNoLineOverride">
+    <cs:lnRef idx="0"/>
+    <cs:fillRef idx="0"/>
+    <cs:effectRef idx="0"/>
+    <cs:fontRef idx="minor">
+      <a:schemeClr val="tx1"/>
+    </cs:fontRef>
+    <cs:spPr>
+      <a:solidFill>
+        <a:schemeClr val="bg1"/>
+      </a:solidFill>
+      <a:ln w="9525" cap="flat" cmpd="sng" algn="ctr">
+        <a:solidFill>
+          <a:schemeClr val="tx1">
+            <a:lumMod val="15000"/>
+            <a:lumOff val="85000"/>
+          </a:schemeClr>
+        </a:solidFill>
+        <a:round/>
+      </a:ln>
+    </cs:spPr>
+    <cs:defRPr sz="1000" kern="1200"/>
+  </cs:chartArea>
+  <cs:dataLabel>
+    <cs:lnRef idx="0"/>
+    <cs:fillRef idx="0"/>
+    <cs:effectRef idx="0"/>
+    <cs:fontRef idx="minor">
+      <a:schemeClr val="tx1">
+        <a:lumMod val="75000"/>
+        <a:lumOff val="25000"/>
+      </a:schemeClr>
+    </cs:fontRef>
+    <cs:defRPr sz="900" kern="1200"/>
+  </cs:dataLabel>
+  <cs:dataLabelCallout>
+    <cs:lnRef idx="0"/>
+    <cs:fillRef idx="0"/>
+    <cs:effectRef idx="0"/>
+    <cs:fontRef idx="minor">
+      <a:schemeClr val="dk1">
+        <a:lumMod val="65000"/>
+        <a:lumOff val="35000"/>
+      </a:schemeClr>
+    </cs:fontRef>
+    <cs:spPr>
+      <a:solidFill>
+        <a:schemeClr val="lt1"/>
+      </a:solidFill>
+      <a:ln>
+        <a:solidFill>
+          <a:schemeClr val="dk1">
+            <a:lumMod val="25000"/>
+            <a:lumOff val="75000"/>
+          </a:schemeClr>
+        </a:solidFill>
+      </a:ln>
+    </cs:spPr>
+    <cs:defRPr sz="900" kern="1200"/>
+    <cs:bodyPr rot="0" spcFirstLastPara="1" vertOverflow="clip" horzOverflow="clip" vert="horz" wrap="square" lIns="36576" tIns="18288" rIns="36576" bIns="18288" anchor="ctr" anchorCtr="1">
+      <a:spAutoFit/>
+    </cs:bodyPr>
+  </cs:dataLabelCallout>
+  <cs:dataPoint>
+    <cs:lnRef idx="0"/>
+    <cs:fillRef idx="1">
+      <cs:styleClr val="auto"/>
+    </cs:fillRef>
+    <cs:effectRef idx="0"/>
+    <cs:fontRef idx="minor">
+      <a:schemeClr val="tx1"/>
+    </cs:fontRef>
+  </cs:dataPoint>
+  <cs:dataPoint3D>
+    <cs:lnRef idx="0"/>
+    <cs:fillRef idx="1">
+      <cs:styleClr val="auto"/>
+    </cs:fillRef>
+    <cs:effectRef idx="0"/>
+    <cs:fontRef idx="minor">
+      <a:schemeClr val="tx1"/>
+    </cs:fontRef>
+  </cs:dataPoint3D>
+  <cs:dataPointLine>
+    <cs:lnRef idx="0">
+      <cs:styleClr val="auto"/>
+    </cs:lnRef>
+    <cs:fillRef idx="1"/>
+    <cs:effectRef idx="0"/>
+    <cs:fontRef idx="minor">
+      <a:schemeClr val="tx1"/>
+    </cs:fontRef>
+    <cs:spPr>
+      <a:ln w="28575" cap="rnd">
+        <a:solidFill>
+          <a:schemeClr val="phClr"/>
+        </a:solidFill>
+        <a:round/>
+      </a:ln>
+    </cs:spPr>
+  </cs:dataPointLine>
+  <cs:dataPointMarker>
+    <cs:lnRef idx="0">
+      <cs:styleClr val="auto"/>
+    </cs:lnRef>
+    <cs:fillRef idx="1">
+      <cs:styleClr val="auto"/>
+    </cs:fillRef>
+    <cs:effectRef idx="0"/>
+    <cs:fontRef idx="minor">
+      <a:schemeClr val="tx1"/>
+    </cs:fontRef>
+    <cs:spPr>
+      <a:ln w="9525">
+        <a:solidFill>
+          <a:schemeClr val="phClr"/>
+        </a:solidFill>
+      </a:ln>
+    </cs:spPr>
+  </cs:dataPointMarker>
+  <cs:dataPointMarkerLayout symbol="circle" size="5"/>
+  <cs:dataPointWireframe>
+    <cs:lnRef idx="0">
+      <cs:styleClr val="auto"/>
+    </cs:lnRef>
+    <cs:fillRef idx="1"/>
+    <cs:effectRef idx="0"/>
+    <cs:fontRef idx="minor">
+      <a:schemeClr val="tx1"/>
+    </cs:fontRef>
+    <cs:spPr>
+      <a:ln w="9525" cap="rnd">
+        <a:solidFill>
+          <a:schemeClr val="phClr"/>
+        </a:solidFill>
+        <a:round/>
+      </a:ln>
+    </cs:spPr>
+  </cs:dataPointWireframe>
+  <cs:dataTable>
+    <cs:lnRef idx="0"/>
+    <cs:fillRef idx="0"/>
+    <cs:effectRef idx="0"/>
+    <cs:fontRef idx="minor">
+      <a:schemeClr val="tx1">
+        <a:lumMod val="65000"/>
+        <a:lumOff val="35000"/>
+      </a:schemeClr>
+    </cs:fontRef>
+    <cs:spPr>
+      <a:noFill/>
+      <a:ln w="9525" cap="flat" cmpd="sng" algn="ctr">
+        <a:solidFill>
+          <a:schemeClr val="tx1">
+            <a:lumMod val="15000"/>
+            <a:lumOff val="85000"/>
+          </a:schemeClr>
+        </a:solidFill>
+        <a:round/>
+      </a:ln>
+    </cs:spPr>
+    <cs:defRPr sz="900" kern="1200"/>
+  </cs:dataTable>
+  <cs:downBar>
+    <cs:lnRef idx="0"/>
+    <cs:fillRef idx="0"/>
+    <cs:effectRef idx="0"/>
+    <cs:fontRef idx="minor">
+      <a:schemeClr val="dk1"/>
+    </cs:fontRef>
+    <cs:spPr>
+      <a:solidFill>
+        <a:schemeClr val="dk1">
+          <a:lumMod val="65000"/>
+          <a:lumOff val="35000"/>
+        </a:schemeClr>
+      </a:solidFill>
+      <a:ln w="9525">
+        <a:solidFill>
+          <a:schemeClr val="tx1">
+            <a:lumMod val="65000"/>
+            <a:lumOff val="35000"/>
+          </a:schemeClr>
+        </a:solidFill>
+      </a:ln>
+    </cs:spPr>
+  </cs:downBar>
+  <cs:dropLine>
+    <cs:lnRef idx="0"/>
+    <cs:fillRef idx="0"/>
+    <cs:effectRef idx="0"/>
+    <cs:fontRef idx="minor">
+      <a:schemeClr val="tx1"/>
+    </cs:fontRef>
+    <cs:spPr>
+      <a:ln w="9525" cap="flat" cmpd="sng" algn="ctr">
+        <a:solidFill>
+          <a:schemeClr val="tx1">
+            <a:lumMod val="35000"/>
+            <a:lumOff val="65000"/>
+          </a:schemeClr>
+        </a:solidFill>
+        <a:round/>
+      </a:ln>
+    </cs:spPr>
+  </cs:dropLine>
+  <cs:errorBar>
+    <cs:lnRef idx="0"/>
+    <cs:fillRef idx="0"/>
+    <cs:effectRef idx="0"/>
+    <cs:fontRef idx="minor">
+      <a:schemeClr val="tx1"/>
+    </cs:fontRef>
+    <cs:spPr>
+      <a:ln w="9525" cap="flat" cmpd="sng" algn="ctr">
+        <a:solidFill>
+          <a:schemeClr val="tx1">
+            <a:lumMod val="65000"/>
+            <a:lumOff val="35000"/>
+          </a:schemeClr>
+        </a:solidFill>
+        <a:round/>
+      </a:ln>
+    </cs:spPr>
+  </cs:errorBar>
+  <cs:floor>
+    <cs:lnRef idx="0"/>
+    <cs:fillRef idx="0"/>
+    <cs:effectRef idx="0"/>
+    <cs:fontRef idx="minor">
+      <a:schemeClr val="tx1"/>
+    </cs:fontRef>
+    <cs:spPr>
+      <a:noFill/>
+      <a:ln>
+        <a:noFill/>
+      </a:ln>
+    </cs:spPr>
+  </cs:floor>
+  <cs:gridlineMajor>
+    <cs:lnRef idx="0"/>
+    <cs:fillRef idx="0"/>
+    <cs:effectRef idx="0"/>
+    <cs:fontRef idx="minor">
+      <a:schemeClr val="tx1"/>
+    </cs:fontRef>
+    <cs:spPr>
+      <a:ln w="9525" cap="flat" cmpd="sng" algn="ctr">
+        <a:solidFill>
+          <a:schemeClr val="tx1">
+            <a:lumMod val="15000"/>
+            <a:lumOff val="85000"/>
+          </a:schemeClr>
+        </a:solidFill>
+        <a:round/>
+      </a:ln>
+    </cs:spPr>
+  </cs:gridlineMajor>
+  <cs:gridlineMinor>
+    <cs:lnRef idx="0"/>
+    <cs:fillRef idx="0"/>
+    <cs:effectRef idx="0"/>
+    <cs:fontRef idx="minor">
+      <a:schemeClr val="tx1"/>
+    </cs:fontRef>
+    <cs:spPr>
+      <a:ln w="9525" cap="flat" cmpd="sng" algn="ctr">
+        <a:solidFill>
+          <a:schemeClr val="tx1">
+            <a:lumMod val="5000"/>
+            <a:lumOff val="95000"/>
+          </a:schemeClr>
+        </a:solidFill>
+        <a:round/>
+      </a:ln>
+    </cs:spPr>
+  </cs:gridlineMinor>
+  <cs:hiLoLine>
+    <cs:lnRef idx="0"/>
+    <cs:fillRef idx="0"/>
+    <cs:effectRef idx="0"/>
+    <cs:fontRef idx="minor">
+      <a:schemeClr val="tx1"/>
+    </cs:fontRef>
+    <cs:spPr>
+      <a:ln w="9525" cap="flat" cmpd="sng" algn="ctr">
+        <a:solidFill>
+          <a:schemeClr val="tx1">
+            <a:lumMod val="75000"/>
+            <a:lumOff val="25000"/>
+          </a:schemeClr>
+        </a:solidFill>
+        <a:round/>
+      </a:ln>
+    </cs:spPr>
+  </cs:hiLoLine>
+  <cs:leaderLine>
+    <cs:lnRef idx="0"/>
+    <cs:fillRef idx="0"/>
+    <cs:effectRef idx="0"/>
+    <cs:fontRef idx="minor">
+      <a:schemeClr val="tx1"/>
+    </cs:fontRef>
+    <cs:spPr>
+      <a:ln w="9525" cap="flat" cmpd="sng" algn="ctr">
+        <a:solidFill>
+          <a:schemeClr val="tx1">
+            <a:lumMod val="35000"/>
+            <a:lumOff val="65000"/>
+          </a:schemeClr>
+        </a:solidFill>
+        <a:round/>
+      </a:ln>
+    </cs:spPr>
+  </cs:leaderLine>
+  <cs:legend>
+    <cs:lnRef idx="0"/>
+    <cs:fillRef idx="0"/>
+    <cs:effectRef idx="0"/>
+    <cs:fontRef idx="minor">
+      <a:schemeClr val="tx1">
+        <a:lumMod val="65000"/>
+        <a:lumOff val="35000"/>
+      </a:schemeClr>
+    </cs:fontRef>
+    <cs:defRPr sz="900" kern="1200"/>
+  </cs:legend>
+  <cs:plotArea mods="allowNoFillOverride allowNoLineOverride">
+    <cs:lnRef idx="0"/>
+    <cs:fillRef idx="0"/>
+    <cs:effectRef idx="0"/>
+    <cs:fontRef idx="minor">
+      <a:schemeClr val="tx1"/>
+    </cs:fontRef>
+  </cs:plotArea>
+  <cs:plotArea3D mods="allowNoFillOverride allowNoLineOverride">
+    <cs:lnRef idx="0"/>
+    <cs:fillRef idx="0"/>
+    <cs:effectRef idx="0"/>
+    <cs:fontRef idx="minor">
+      <a:schemeClr val="tx1"/>
+    </cs:fontRef>
+  </cs:plotArea3D>
+  <cs:seriesAxis>
+    <cs:lnRef idx="0"/>
+    <cs:fillRef idx="0"/>
+    <cs:effectRef idx="0"/>
+    <cs:fontRef idx="minor">
+      <a:schemeClr val="tx1">
+        <a:lumMod val="65000"/>
+        <a:lumOff val="35000"/>
+      </a:schemeClr>
+    </cs:fontRef>
+    <cs:defRPr sz="900" kern="1200"/>
+  </cs:seriesAxis>
+  <cs:seriesLine>
+    <cs:lnRef idx="0"/>
+    <cs:fillRef idx="0"/>
+    <cs:effectRef idx="0"/>
+    <cs:fontRef idx="minor">
+      <a:schemeClr val="tx1"/>
+    </cs:fontRef>
+    <cs:spPr>
+      <a:ln w="9525" cap="flat" cmpd="sng" algn="ctr">
+        <a:solidFill>
+          <a:schemeClr val="tx1">
+            <a:lumMod val="35000"/>
+            <a:lumOff val="65000"/>
+          </a:schemeClr>
+        </a:solidFill>
+        <a:round/>
+      </a:ln>
+    </cs:spPr>
+  </cs:seriesLine>
+  <cs:title>
+    <cs:lnRef idx="0"/>
+    <cs:fillRef idx="0"/>
+    <cs:effectRef idx="0"/>
+    <cs:fontRef idx="minor">
+      <a:schemeClr val="tx1">
+        <a:lumMod val="65000"/>
+        <a:lumOff val="35000"/>
+      </a:schemeClr>
+    </cs:fontRef>
+    <cs:defRPr sz="1400" b="0" kern="1200" spc="0" baseline="0"/>
+  </cs:title>
+  <cs:trendline>
+    <cs:lnRef idx="0">
+      <cs:styleClr val="auto"/>
+    </cs:lnRef>
+    <cs:fillRef idx="0"/>
+    <cs:effectRef idx="0"/>
+    <cs:fontRef idx="minor">
+      <a:schemeClr val="tx1"/>
+    </cs:fontRef>
+    <cs:spPr>
+      <a:ln w="19050" cap="rnd">
+        <a:solidFill>
+          <a:schemeClr val="phClr"/>
+        </a:solidFill>
+        <a:prstDash val="sysDot"/>
+      </a:ln>
+    </cs:spPr>
+  </cs:trendline>
+  <cs:trendlineLabel>
+    <cs:lnRef idx="0"/>
+    <cs:fillRef idx="0"/>
+    <cs:effectRef idx="0"/>
+    <cs:fontRef idx="minor">
+      <a:schemeClr val="tx1">
+        <a:lumMod val="65000"/>
+        <a:lumOff val="35000"/>
+      </a:schemeClr>
+    </cs:fontRef>
+    <cs:defRPr sz="900" kern="1200"/>
+  </cs:trendlineLabel>
+  <cs:upBar>
+    <cs:lnRef idx="0"/>
+    <cs:fillRef idx="0"/>
+    <cs:effectRef idx="0"/>
+    <cs:fontRef idx="minor">
+      <a:schemeClr val="dk1"/>
+    </cs:fontRef>
+    <cs:spPr>
+      <a:solidFill>
+        <a:schemeClr val="lt1"/>
+      </a:solidFill>
+      <a:ln w="9525">
+        <a:solidFill>
+          <a:schemeClr val="tx1">
+            <a:lumMod val="15000"/>
+            <a:lumOff val="85000"/>
+          </a:schemeClr>
+        </a:solidFill>
+      </a:ln>
+    </cs:spPr>
+  </cs:upBar>
+  <cs:valueAxis>
+    <cs:lnRef idx="0"/>
+    <cs:fillRef idx="0"/>
+    <cs:effectRef idx="0"/>
+    <cs:fontRef idx="minor">
+      <a:schemeClr val="tx1">
+        <a:lumMod val="65000"/>
+        <a:lumOff val="35000"/>
+      </a:schemeClr>
+    </cs:fontRef>
+    <cs:defRPr sz="900" kern="1200"/>
+  </cs:valueAxis>
+  <cs:wall>
+    <cs:lnRef idx="0"/>
+    <cs:fillRef idx="0"/>
+    <cs:effectRef idx="0"/>
+    <cs:fontRef idx="minor">
+      <a:schemeClr val="tx1"/>
+    </cs:fontRef>
+    <cs:spPr>
+      <a:noFill/>
+      <a:ln>
+        <a:noFill/>
+      </a:ln>
+    </cs:spPr>
+  </cs:wall>
+</cs:chartStyle>
+</file>
+
+<file path=ppt/charts/style3.xml><?xml version="1.0" encoding="utf-8"?>
 <cs:chartStyle xmlns:cs="http://schemas.microsoft.com/office/drawing/2012/chartStyle" xmlns:a="http://schemas.openxmlformats.org/drawingml/2006/main" id="201">
   <cs:axisTitle>
     <cs:lnRef idx="0"/>
@@ -6874,7 +8818,7 @@
         <p:spPr>
           <a:xfrm>
             <a:off x="704851" y="570706"/>
-            <a:ext cx="7219949" cy="914399"/>
+            <a:ext cx="7016749" cy="914399"/>
           </a:xfrm>
           <a:prstGeom prst="rect">
             <a:avLst/>
@@ -6882,7 +8826,7 @@
         </p:spPr>
         <p:txBody>
           <a:bodyPr vert="horz" lIns="91440" tIns="45720" rIns="91440" bIns="45720" rtlCol="0" anchor="ctr">
-            <a:normAutofit/>
+            <a:normAutofit fontScale="85000" lnSpcReduction="20000"/>
           </a:bodyPr>
           <a:lstStyle>
             <a:lvl1pPr algn="l" defTabSz="914400" rtl="0" eaLnBrk="1" latinLnBrk="0" hangingPunct="1">
@@ -6906,14 +8850,14 @@
           <a:p>
             <a:r>
               <a:rPr lang="en-US" b="1" dirty="0"/>
-              <a:t>Conclusions</a:t>
+              <a:t>Results and statistical analysis highlights (1/3)</a:t>
             </a:r>
           </a:p>
         </p:txBody>
       </p:sp>
       <p:graphicFrame>
         <p:nvGraphicFramePr>
-          <p:cNvPr id="3" name="Chart 2">
+          <p:cNvPr id="4" name="Chart 3">
             <a:extLst>
               <a:ext uri="{FF2B5EF4-FFF2-40B4-BE49-F238E27FC236}">
                 <a16:creationId xmlns:a16="http://schemas.microsoft.com/office/drawing/2014/main" id="{9CBAE229-4E3D-8042-5271-A30D6D162001}"/>
@@ -6926,13 +8870,13 @@
           <p:nvPr>
             <p:extLst>
               <p:ext uri="{D42A27DB-BD31-4B8C-83A1-F6EECF244321}">
-                <p14:modId xmlns:p14="http://schemas.microsoft.com/office/powerpoint/2010/main" val="2683093207"/>
+                <p14:modId xmlns:p14="http://schemas.microsoft.com/office/powerpoint/2010/main" val="264619498"/>
               </p:ext>
             </p:extLst>
           </p:nvPr>
         </p:nvGraphicFramePr>
         <p:xfrm>
-          <a:off x="2867025" y="2326770"/>
+          <a:off x="2867025" y="1985025"/>
           <a:ext cx="6457950" cy="3405188"/>
         </p:xfrm>
         <a:graphic>
@@ -6941,10 +8885,2215 @@
           </a:graphicData>
         </a:graphic>
       </p:graphicFrame>
+      <p:cxnSp>
+        <p:nvCxnSpPr>
+          <p:cNvPr id="8" name="Straight Arrow Connector 7">
+            <a:extLst>
+              <a:ext uri="{FF2B5EF4-FFF2-40B4-BE49-F238E27FC236}">
+                <a16:creationId xmlns:a16="http://schemas.microsoft.com/office/drawing/2014/main" id="{AC157592-2D90-1F8A-2268-410595661D56}"/>
+              </a:ext>
+            </a:extLst>
+          </p:cNvPr>
+          <p:cNvCxnSpPr>
+            <a:cxnSpLocks/>
+          </p:cNvCxnSpPr>
+          <p:nvPr/>
+        </p:nvCxnSpPr>
+        <p:spPr>
+          <a:xfrm flipV="1">
+            <a:off x="4276436" y="5486400"/>
+            <a:ext cx="0" cy="403733"/>
+          </a:xfrm>
+          <a:prstGeom prst="straightConnector1">
+            <a:avLst/>
+          </a:prstGeom>
+          <a:ln w="38100">
+            <a:solidFill>
+              <a:schemeClr val="tx1"/>
+            </a:solidFill>
+            <a:tailEnd type="triangle"/>
+          </a:ln>
+        </p:spPr>
+        <p:style>
+          <a:lnRef idx="1">
+            <a:schemeClr val="accent1"/>
+          </a:lnRef>
+          <a:fillRef idx="0">
+            <a:schemeClr val="accent1"/>
+          </a:fillRef>
+          <a:effectRef idx="0">
+            <a:schemeClr val="accent1"/>
+          </a:effectRef>
+          <a:fontRef idx="minor">
+            <a:schemeClr val="tx1"/>
+          </a:fontRef>
+        </p:style>
+      </p:cxnSp>
+      <p:cxnSp>
+        <p:nvCxnSpPr>
+          <p:cNvPr id="13" name="Straight Arrow Connector 12">
+            <a:extLst>
+              <a:ext uri="{FF2B5EF4-FFF2-40B4-BE49-F238E27FC236}">
+                <a16:creationId xmlns:a16="http://schemas.microsoft.com/office/drawing/2014/main" id="{A7413FE2-8563-BA7C-88EF-DD0E6D184EE2}"/>
+              </a:ext>
+            </a:extLst>
+          </p:cNvPr>
+          <p:cNvCxnSpPr>
+            <a:cxnSpLocks/>
+          </p:cNvCxnSpPr>
+          <p:nvPr/>
+        </p:nvCxnSpPr>
+        <p:spPr>
+          <a:xfrm flipV="1">
+            <a:off x="5620331" y="5486400"/>
+            <a:ext cx="0" cy="403733"/>
+          </a:xfrm>
+          <a:prstGeom prst="straightConnector1">
+            <a:avLst/>
+          </a:prstGeom>
+          <a:ln w="38100">
+            <a:solidFill>
+              <a:schemeClr val="tx1"/>
+            </a:solidFill>
+            <a:tailEnd type="triangle"/>
+          </a:ln>
+        </p:spPr>
+        <p:style>
+          <a:lnRef idx="1">
+            <a:schemeClr val="accent1"/>
+          </a:lnRef>
+          <a:fillRef idx="0">
+            <a:schemeClr val="accent1"/>
+          </a:fillRef>
+          <a:effectRef idx="0">
+            <a:schemeClr val="accent1"/>
+          </a:effectRef>
+          <a:fontRef idx="minor">
+            <a:schemeClr val="tx1"/>
+          </a:fontRef>
+        </p:style>
+      </p:cxnSp>
+      <p:cxnSp>
+        <p:nvCxnSpPr>
+          <p:cNvPr id="15" name="Straight Arrow Connector 14">
+            <a:extLst>
+              <a:ext uri="{FF2B5EF4-FFF2-40B4-BE49-F238E27FC236}">
+                <a16:creationId xmlns:a16="http://schemas.microsoft.com/office/drawing/2014/main" id="{A1002539-DFED-3EF6-291B-E2BDE55FE3EC}"/>
+              </a:ext>
+            </a:extLst>
+          </p:cNvPr>
+          <p:cNvCxnSpPr>
+            <a:cxnSpLocks/>
+            <a:stCxn id="16" idx="1"/>
+          </p:cNvCxnSpPr>
+          <p:nvPr/>
+        </p:nvCxnSpPr>
+        <p:spPr>
+          <a:xfrm flipH="1">
+            <a:off x="8608291" y="4726352"/>
+            <a:ext cx="1110025" cy="0"/>
+          </a:xfrm>
+          <a:prstGeom prst="straightConnector1">
+            <a:avLst/>
+          </a:prstGeom>
+          <a:ln w="38100">
+            <a:solidFill>
+              <a:srgbClr val="FF0000"/>
+            </a:solidFill>
+            <a:tailEnd type="triangle"/>
+          </a:ln>
+        </p:spPr>
+        <p:style>
+          <a:lnRef idx="1">
+            <a:schemeClr val="accent1"/>
+          </a:lnRef>
+          <a:fillRef idx="0">
+            <a:schemeClr val="accent1"/>
+          </a:fillRef>
+          <a:effectRef idx="0">
+            <a:schemeClr val="accent1"/>
+          </a:effectRef>
+          <a:fontRef idx="minor">
+            <a:schemeClr val="tx1"/>
+          </a:fontRef>
+        </p:style>
+      </p:cxnSp>
+      <p:sp>
+        <p:nvSpPr>
+          <p:cNvPr id="16" name="Content Placeholder 2">
+            <a:extLst>
+              <a:ext uri="{FF2B5EF4-FFF2-40B4-BE49-F238E27FC236}">
+                <a16:creationId xmlns:a16="http://schemas.microsoft.com/office/drawing/2014/main" id="{C12547F1-66D8-EB34-5F5A-E49507F7DE8C}"/>
+              </a:ext>
+            </a:extLst>
+          </p:cNvPr>
+          <p:cNvSpPr txBox="1">
+            <a:spLocks/>
+          </p:cNvSpPr>
+          <p:nvPr/>
+        </p:nvSpPr>
+        <p:spPr>
+          <a:xfrm>
+            <a:off x="9718316" y="4454096"/>
+            <a:ext cx="2170544" cy="544512"/>
+          </a:xfrm>
+          <a:prstGeom prst="rect">
+            <a:avLst/>
+          </a:prstGeom>
+        </p:spPr>
+        <p:txBody>
+          <a:bodyPr vert="horz" lIns="91440" tIns="45720" rIns="91440" bIns="45720" rtlCol="0">
+            <a:normAutofit fontScale="70000" lnSpcReduction="20000"/>
+          </a:bodyPr>
+          <a:lstStyle>
+            <a:lvl1pPr marL="228600" indent="-228600" algn="l" defTabSz="914400" rtl="0" eaLnBrk="1" latinLnBrk="0" hangingPunct="1">
+              <a:lnSpc>
+                <a:spcPct val="90000"/>
+              </a:lnSpc>
+              <a:spcBef>
+                <a:spcPts val="1000"/>
+              </a:spcBef>
+              <a:buFont typeface="Arial" panose="020B0604020202020204" pitchFamily="34" charset="0"/>
+              <a:buChar char="•"/>
+              <a:defRPr sz="2800" kern="1200">
+                <a:solidFill>
+                  <a:schemeClr val="tx1"/>
+                </a:solidFill>
+                <a:latin typeface="+mn-lt"/>
+                <a:ea typeface="+mn-ea"/>
+                <a:cs typeface="+mn-cs"/>
+              </a:defRPr>
+            </a:lvl1pPr>
+            <a:lvl2pPr marL="685800" indent="-228600" algn="l" defTabSz="914400" rtl="0" eaLnBrk="1" latinLnBrk="0" hangingPunct="1">
+              <a:lnSpc>
+                <a:spcPct val="90000"/>
+              </a:lnSpc>
+              <a:spcBef>
+                <a:spcPts val="500"/>
+              </a:spcBef>
+              <a:buFont typeface="Arial" panose="020B0604020202020204" pitchFamily="34" charset="0"/>
+              <a:buChar char="•"/>
+              <a:defRPr sz="2400" kern="1200">
+                <a:solidFill>
+                  <a:schemeClr val="tx1"/>
+                </a:solidFill>
+                <a:latin typeface="+mn-lt"/>
+                <a:ea typeface="+mn-ea"/>
+                <a:cs typeface="+mn-cs"/>
+              </a:defRPr>
+            </a:lvl2pPr>
+            <a:lvl3pPr marL="1143000" indent="-228600" algn="l" defTabSz="914400" rtl="0" eaLnBrk="1" latinLnBrk="0" hangingPunct="1">
+              <a:lnSpc>
+                <a:spcPct val="90000"/>
+              </a:lnSpc>
+              <a:spcBef>
+                <a:spcPts val="500"/>
+              </a:spcBef>
+              <a:buFont typeface="Arial" panose="020B0604020202020204" pitchFamily="34" charset="0"/>
+              <a:buChar char="•"/>
+              <a:defRPr sz="2000" kern="1200">
+                <a:solidFill>
+                  <a:schemeClr val="tx1"/>
+                </a:solidFill>
+                <a:latin typeface="+mn-lt"/>
+                <a:ea typeface="+mn-ea"/>
+                <a:cs typeface="+mn-cs"/>
+              </a:defRPr>
+            </a:lvl3pPr>
+            <a:lvl4pPr marL="1600200" indent="-228600" algn="l" defTabSz="914400" rtl="0" eaLnBrk="1" latinLnBrk="0" hangingPunct="1">
+              <a:lnSpc>
+                <a:spcPct val="90000"/>
+              </a:lnSpc>
+              <a:spcBef>
+                <a:spcPts val="500"/>
+              </a:spcBef>
+              <a:buFont typeface="Arial" panose="020B0604020202020204" pitchFamily="34" charset="0"/>
+              <a:buChar char="•"/>
+              <a:defRPr sz="1800" kern="1200">
+                <a:solidFill>
+                  <a:schemeClr val="tx1"/>
+                </a:solidFill>
+                <a:latin typeface="+mn-lt"/>
+                <a:ea typeface="+mn-ea"/>
+                <a:cs typeface="+mn-cs"/>
+              </a:defRPr>
+            </a:lvl4pPr>
+            <a:lvl5pPr marL="2057400" indent="-228600" algn="l" defTabSz="914400" rtl="0" eaLnBrk="1" latinLnBrk="0" hangingPunct="1">
+              <a:lnSpc>
+                <a:spcPct val="90000"/>
+              </a:lnSpc>
+              <a:spcBef>
+                <a:spcPts val="500"/>
+              </a:spcBef>
+              <a:buFont typeface="Arial" panose="020B0604020202020204" pitchFamily="34" charset="0"/>
+              <a:buChar char="•"/>
+              <a:defRPr sz="1800" kern="1200">
+                <a:solidFill>
+                  <a:schemeClr val="tx1"/>
+                </a:solidFill>
+                <a:latin typeface="+mn-lt"/>
+                <a:ea typeface="+mn-ea"/>
+                <a:cs typeface="+mn-cs"/>
+              </a:defRPr>
+            </a:lvl5pPr>
+            <a:lvl6pPr marL="2514600" indent="-228600" algn="l" defTabSz="914400" rtl="0" eaLnBrk="1" latinLnBrk="0" hangingPunct="1">
+              <a:lnSpc>
+                <a:spcPct val="90000"/>
+              </a:lnSpc>
+              <a:spcBef>
+                <a:spcPts val="500"/>
+              </a:spcBef>
+              <a:buFont typeface="Arial" panose="020B0604020202020204" pitchFamily="34" charset="0"/>
+              <a:buChar char="•"/>
+              <a:defRPr sz="1800" kern="1200">
+                <a:solidFill>
+                  <a:schemeClr val="tx1"/>
+                </a:solidFill>
+                <a:latin typeface="+mn-lt"/>
+                <a:ea typeface="+mn-ea"/>
+                <a:cs typeface="+mn-cs"/>
+              </a:defRPr>
+            </a:lvl6pPr>
+            <a:lvl7pPr marL="2971800" indent="-228600" algn="l" defTabSz="914400" rtl="0" eaLnBrk="1" latinLnBrk="0" hangingPunct="1">
+              <a:lnSpc>
+                <a:spcPct val="90000"/>
+              </a:lnSpc>
+              <a:spcBef>
+                <a:spcPts val="500"/>
+              </a:spcBef>
+              <a:buFont typeface="Arial" panose="020B0604020202020204" pitchFamily="34" charset="0"/>
+              <a:buChar char="•"/>
+              <a:defRPr sz="1800" kern="1200">
+                <a:solidFill>
+                  <a:schemeClr val="tx1"/>
+                </a:solidFill>
+                <a:latin typeface="+mn-lt"/>
+                <a:ea typeface="+mn-ea"/>
+                <a:cs typeface="+mn-cs"/>
+              </a:defRPr>
+            </a:lvl7pPr>
+            <a:lvl8pPr marL="3429000" indent="-228600" algn="l" defTabSz="914400" rtl="0" eaLnBrk="1" latinLnBrk="0" hangingPunct="1">
+              <a:lnSpc>
+                <a:spcPct val="90000"/>
+              </a:lnSpc>
+              <a:spcBef>
+                <a:spcPts val="500"/>
+              </a:spcBef>
+              <a:buFont typeface="Arial" panose="020B0604020202020204" pitchFamily="34" charset="0"/>
+              <a:buChar char="•"/>
+              <a:defRPr sz="1800" kern="1200">
+                <a:solidFill>
+                  <a:schemeClr val="tx1"/>
+                </a:solidFill>
+                <a:latin typeface="+mn-lt"/>
+                <a:ea typeface="+mn-ea"/>
+                <a:cs typeface="+mn-cs"/>
+              </a:defRPr>
+            </a:lvl8pPr>
+            <a:lvl9pPr marL="3886200" indent="-228600" algn="l" defTabSz="914400" rtl="0" eaLnBrk="1" latinLnBrk="0" hangingPunct="1">
+              <a:lnSpc>
+                <a:spcPct val="90000"/>
+              </a:lnSpc>
+              <a:spcBef>
+                <a:spcPts val="500"/>
+              </a:spcBef>
+              <a:buFont typeface="Arial" panose="020B0604020202020204" pitchFamily="34" charset="0"/>
+              <a:buChar char="•"/>
+              <a:defRPr sz="1800" kern="1200">
+                <a:solidFill>
+                  <a:schemeClr val="tx1"/>
+                </a:solidFill>
+                <a:latin typeface="+mn-lt"/>
+                <a:ea typeface="+mn-ea"/>
+                <a:cs typeface="+mn-cs"/>
+              </a:defRPr>
+            </a:lvl9pPr>
+          </a:lstStyle>
+          <a:p>
+            <a:pPr marL="0" indent="0" algn="ctr">
+              <a:buFont typeface="Arial" panose="020B0604020202020204" pitchFamily="34" charset="0"/>
+              <a:buNone/>
+            </a:pPr>
+            <a:r>
+              <a:rPr lang="en-US" b="1" dirty="0">
+                <a:solidFill>
+                  <a:srgbClr val="FF0000"/>
+                </a:solidFill>
+              </a:rPr>
+              <a:t>Users much faster than we thought</a:t>
+            </a:r>
+          </a:p>
+        </p:txBody>
+      </p:sp>
+      <p:sp>
+        <p:nvSpPr>
+          <p:cNvPr id="18" name="Content Placeholder 2">
+            <a:extLst>
+              <a:ext uri="{FF2B5EF4-FFF2-40B4-BE49-F238E27FC236}">
+                <a16:creationId xmlns:a16="http://schemas.microsoft.com/office/drawing/2014/main" id="{73D2A5B9-F5FF-82A1-EBC4-50BA47037BAC}"/>
+              </a:ext>
+            </a:extLst>
+          </p:cNvPr>
+          <p:cNvSpPr txBox="1">
+            <a:spLocks/>
+          </p:cNvSpPr>
+          <p:nvPr/>
+        </p:nvSpPr>
+        <p:spPr>
+          <a:xfrm>
+            <a:off x="3823855" y="5964531"/>
+            <a:ext cx="2272145" cy="544512"/>
+          </a:xfrm>
+          <a:prstGeom prst="rect">
+            <a:avLst/>
+          </a:prstGeom>
+        </p:spPr>
+        <p:txBody>
+          <a:bodyPr vert="horz" lIns="91440" tIns="45720" rIns="91440" bIns="45720" rtlCol="0">
+            <a:normAutofit/>
+          </a:bodyPr>
+          <a:lstStyle>
+            <a:lvl1pPr marL="228600" indent="-228600" algn="l" defTabSz="914400" rtl="0" eaLnBrk="1" latinLnBrk="0" hangingPunct="1">
+              <a:lnSpc>
+                <a:spcPct val="90000"/>
+              </a:lnSpc>
+              <a:spcBef>
+                <a:spcPts val="1000"/>
+              </a:spcBef>
+              <a:buFont typeface="Arial" panose="020B0604020202020204" pitchFamily="34" charset="0"/>
+              <a:buChar char="•"/>
+              <a:defRPr sz="2800" kern="1200">
+                <a:solidFill>
+                  <a:schemeClr val="tx1"/>
+                </a:solidFill>
+                <a:latin typeface="+mn-lt"/>
+                <a:ea typeface="+mn-ea"/>
+                <a:cs typeface="+mn-cs"/>
+              </a:defRPr>
+            </a:lvl1pPr>
+            <a:lvl2pPr marL="685800" indent="-228600" algn="l" defTabSz="914400" rtl="0" eaLnBrk="1" latinLnBrk="0" hangingPunct="1">
+              <a:lnSpc>
+                <a:spcPct val="90000"/>
+              </a:lnSpc>
+              <a:spcBef>
+                <a:spcPts val="500"/>
+              </a:spcBef>
+              <a:buFont typeface="Arial" panose="020B0604020202020204" pitchFamily="34" charset="0"/>
+              <a:buChar char="•"/>
+              <a:defRPr sz="2400" kern="1200">
+                <a:solidFill>
+                  <a:schemeClr val="tx1"/>
+                </a:solidFill>
+                <a:latin typeface="+mn-lt"/>
+                <a:ea typeface="+mn-ea"/>
+                <a:cs typeface="+mn-cs"/>
+              </a:defRPr>
+            </a:lvl2pPr>
+            <a:lvl3pPr marL="1143000" indent="-228600" algn="l" defTabSz="914400" rtl="0" eaLnBrk="1" latinLnBrk="0" hangingPunct="1">
+              <a:lnSpc>
+                <a:spcPct val="90000"/>
+              </a:lnSpc>
+              <a:spcBef>
+                <a:spcPts val="500"/>
+              </a:spcBef>
+              <a:buFont typeface="Arial" panose="020B0604020202020204" pitchFamily="34" charset="0"/>
+              <a:buChar char="•"/>
+              <a:defRPr sz="2000" kern="1200">
+                <a:solidFill>
+                  <a:schemeClr val="tx1"/>
+                </a:solidFill>
+                <a:latin typeface="+mn-lt"/>
+                <a:ea typeface="+mn-ea"/>
+                <a:cs typeface="+mn-cs"/>
+              </a:defRPr>
+            </a:lvl3pPr>
+            <a:lvl4pPr marL="1600200" indent="-228600" algn="l" defTabSz="914400" rtl="0" eaLnBrk="1" latinLnBrk="0" hangingPunct="1">
+              <a:lnSpc>
+                <a:spcPct val="90000"/>
+              </a:lnSpc>
+              <a:spcBef>
+                <a:spcPts val="500"/>
+              </a:spcBef>
+              <a:buFont typeface="Arial" panose="020B0604020202020204" pitchFamily="34" charset="0"/>
+              <a:buChar char="•"/>
+              <a:defRPr sz="1800" kern="1200">
+                <a:solidFill>
+                  <a:schemeClr val="tx1"/>
+                </a:solidFill>
+                <a:latin typeface="+mn-lt"/>
+                <a:ea typeface="+mn-ea"/>
+                <a:cs typeface="+mn-cs"/>
+              </a:defRPr>
+            </a:lvl4pPr>
+            <a:lvl5pPr marL="2057400" indent="-228600" algn="l" defTabSz="914400" rtl="0" eaLnBrk="1" latinLnBrk="0" hangingPunct="1">
+              <a:lnSpc>
+                <a:spcPct val="90000"/>
+              </a:lnSpc>
+              <a:spcBef>
+                <a:spcPts val="500"/>
+              </a:spcBef>
+              <a:buFont typeface="Arial" panose="020B0604020202020204" pitchFamily="34" charset="0"/>
+              <a:buChar char="•"/>
+              <a:defRPr sz="1800" kern="1200">
+                <a:solidFill>
+                  <a:schemeClr val="tx1"/>
+                </a:solidFill>
+                <a:latin typeface="+mn-lt"/>
+                <a:ea typeface="+mn-ea"/>
+                <a:cs typeface="+mn-cs"/>
+              </a:defRPr>
+            </a:lvl5pPr>
+            <a:lvl6pPr marL="2514600" indent="-228600" algn="l" defTabSz="914400" rtl="0" eaLnBrk="1" latinLnBrk="0" hangingPunct="1">
+              <a:lnSpc>
+                <a:spcPct val="90000"/>
+              </a:lnSpc>
+              <a:spcBef>
+                <a:spcPts val="500"/>
+              </a:spcBef>
+              <a:buFont typeface="Arial" panose="020B0604020202020204" pitchFamily="34" charset="0"/>
+              <a:buChar char="•"/>
+              <a:defRPr sz="1800" kern="1200">
+                <a:solidFill>
+                  <a:schemeClr val="tx1"/>
+                </a:solidFill>
+                <a:latin typeface="+mn-lt"/>
+                <a:ea typeface="+mn-ea"/>
+                <a:cs typeface="+mn-cs"/>
+              </a:defRPr>
+            </a:lvl6pPr>
+            <a:lvl7pPr marL="2971800" indent="-228600" algn="l" defTabSz="914400" rtl="0" eaLnBrk="1" latinLnBrk="0" hangingPunct="1">
+              <a:lnSpc>
+                <a:spcPct val="90000"/>
+              </a:lnSpc>
+              <a:spcBef>
+                <a:spcPts val="500"/>
+              </a:spcBef>
+              <a:buFont typeface="Arial" panose="020B0604020202020204" pitchFamily="34" charset="0"/>
+              <a:buChar char="•"/>
+              <a:defRPr sz="1800" kern="1200">
+                <a:solidFill>
+                  <a:schemeClr val="tx1"/>
+                </a:solidFill>
+                <a:latin typeface="+mn-lt"/>
+                <a:ea typeface="+mn-ea"/>
+                <a:cs typeface="+mn-cs"/>
+              </a:defRPr>
+            </a:lvl7pPr>
+            <a:lvl8pPr marL="3429000" indent="-228600" algn="l" defTabSz="914400" rtl="0" eaLnBrk="1" latinLnBrk="0" hangingPunct="1">
+              <a:lnSpc>
+                <a:spcPct val="90000"/>
+              </a:lnSpc>
+              <a:spcBef>
+                <a:spcPts val="500"/>
+              </a:spcBef>
+              <a:buFont typeface="Arial" panose="020B0604020202020204" pitchFamily="34" charset="0"/>
+              <a:buChar char="•"/>
+              <a:defRPr sz="1800" kern="1200">
+                <a:solidFill>
+                  <a:schemeClr val="tx1"/>
+                </a:solidFill>
+                <a:latin typeface="+mn-lt"/>
+                <a:ea typeface="+mn-ea"/>
+                <a:cs typeface="+mn-cs"/>
+              </a:defRPr>
+            </a:lvl8pPr>
+            <a:lvl9pPr marL="3886200" indent="-228600" algn="l" defTabSz="914400" rtl="0" eaLnBrk="1" latinLnBrk="0" hangingPunct="1">
+              <a:lnSpc>
+                <a:spcPct val="90000"/>
+              </a:lnSpc>
+              <a:spcBef>
+                <a:spcPts val="500"/>
+              </a:spcBef>
+              <a:buFont typeface="Arial" panose="020B0604020202020204" pitchFamily="34" charset="0"/>
+              <a:buChar char="•"/>
+              <a:defRPr sz="1800" kern="1200">
+                <a:solidFill>
+                  <a:schemeClr val="tx1"/>
+                </a:solidFill>
+                <a:latin typeface="+mn-lt"/>
+                <a:ea typeface="+mn-ea"/>
+                <a:cs typeface="+mn-cs"/>
+              </a:defRPr>
+            </a:lvl9pPr>
+          </a:lstStyle>
+          <a:p>
+            <a:pPr marL="0" indent="0" algn="ctr">
+              <a:buFont typeface="Arial" panose="020B0604020202020204" pitchFamily="34" charset="0"/>
+              <a:buNone/>
+            </a:pPr>
+            <a:r>
+              <a:rPr lang="en-US" sz="2000" b="1" dirty="0"/>
+              <a:t>Acceptable Guess</a:t>
+            </a:r>
+          </a:p>
+        </p:txBody>
+      </p:sp>
+      <p:cxnSp>
+        <p:nvCxnSpPr>
+          <p:cNvPr id="24" name="Straight Arrow Connector 23">
+            <a:extLst>
+              <a:ext uri="{FF2B5EF4-FFF2-40B4-BE49-F238E27FC236}">
+                <a16:creationId xmlns:a16="http://schemas.microsoft.com/office/drawing/2014/main" id="{4B4DAFB2-10D4-DA8C-67CA-8FF79749FA99}"/>
+              </a:ext>
+            </a:extLst>
+          </p:cNvPr>
+          <p:cNvCxnSpPr>
+            <a:cxnSpLocks/>
+            <a:endCxn id="16" idx="2"/>
+          </p:cNvCxnSpPr>
+          <p:nvPr/>
+        </p:nvCxnSpPr>
+        <p:spPr>
+          <a:xfrm flipV="1">
+            <a:off x="10803588" y="4998608"/>
+            <a:ext cx="0" cy="580156"/>
+          </a:xfrm>
+          <a:prstGeom prst="straightConnector1">
+            <a:avLst/>
+          </a:prstGeom>
+          <a:ln w="38100">
+            <a:solidFill>
+              <a:srgbClr val="FF0000"/>
+            </a:solidFill>
+            <a:tailEnd type="triangle"/>
+          </a:ln>
+        </p:spPr>
+        <p:style>
+          <a:lnRef idx="1">
+            <a:schemeClr val="accent1"/>
+          </a:lnRef>
+          <a:fillRef idx="0">
+            <a:schemeClr val="accent1"/>
+          </a:fillRef>
+          <a:effectRef idx="0">
+            <a:schemeClr val="accent1"/>
+          </a:effectRef>
+          <a:fontRef idx="minor">
+            <a:schemeClr val="tx1"/>
+          </a:fontRef>
+        </p:style>
+      </p:cxnSp>
+      <p:sp>
+        <p:nvSpPr>
+          <p:cNvPr id="27" name="Content Placeholder 2">
+            <a:extLst>
+              <a:ext uri="{FF2B5EF4-FFF2-40B4-BE49-F238E27FC236}">
+                <a16:creationId xmlns:a16="http://schemas.microsoft.com/office/drawing/2014/main" id="{811BBCBE-BA55-D588-2751-197FF849C740}"/>
+              </a:ext>
+            </a:extLst>
+          </p:cNvPr>
+          <p:cNvSpPr txBox="1">
+            <a:spLocks/>
+          </p:cNvSpPr>
+          <p:nvPr/>
+        </p:nvSpPr>
+        <p:spPr>
+          <a:xfrm>
+            <a:off x="9718316" y="5617877"/>
+            <a:ext cx="2170544" cy="544512"/>
+          </a:xfrm>
+          <a:prstGeom prst="rect">
+            <a:avLst/>
+          </a:prstGeom>
+        </p:spPr>
+        <p:txBody>
+          <a:bodyPr vert="horz" lIns="91440" tIns="45720" rIns="91440" bIns="45720" rtlCol="0">
+            <a:normAutofit fontScale="70000" lnSpcReduction="20000"/>
+          </a:bodyPr>
+          <a:lstStyle>
+            <a:lvl1pPr marL="228600" indent="-228600" algn="l" defTabSz="914400" rtl="0" eaLnBrk="1" latinLnBrk="0" hangingPunct="1">
+              <a:lnSpc>
+                <a:spcPct val="90000"/>
+              </a:lnSpc>
+              <a:spcBef>
+                <a:spcPts val="1000"/>
+              </a:spcBef>
+              <a:buFont typeface="Arial" panose="020B0604020202020204" pitchFamily="34" charset="0"/>
+              <a:buChar char="•"/>
+              <a:defRPr sz="2800" kern="1200">
+                <a:solidFill>
+                  <a:schemeClr val="tx1"/>
+                </a:solidFill>
+                <a:latin typeface="+mn-lt"/>
+                <a:ea typeface="+mn-ea"/>
+                <a:cs typeface="+mn-cs"/>
+              </a:defRPr>
+            </a:lvl1pPr>
+            <a:lvl2pPr marL="685800" indent="-228600" algn="l" defTabSz="914400" rtl="0" eaLnBrk="1" latinLnBrk="0" hangingPunct="1">
+              <a:lnSpc>
+                <a:spcPct val="90000"/>
+              </a:lnSpc>
+              <a:spcBef>
+                <a:spcPts val="500"/>
+              </a:spcBef>
+              <a:buFont typeface="Arial" panose="020B0604020202020204" pitchFamily="34" charset="0"/>
+              <a:buChar char="•"/>
+              <a:defRPr sz="2400" kern="1200">
+                <a:solidFill>
+                  <a:schemeClr val="tx1"/>
+                </a:solidFill>
+                <a:latin typeface="+mn-lt"/>
+                <a:ea typeface="+mn-ea"/>
+                <a:cs typeface="+mn-cs"/>
+              </a:defRPr>
+            </a:lvl2pPr>
+            <a:lvl3pPr marL="1143000" indent="-228600" algn="l" defTabSz="914400" rtl="0" eaLnBrk="1" latinLnBrk="0" hangingPunct="1">
+              <a:lnSpc>
+                <a:spcPct val="90000"/>
+              </a:lnSpc>
+              <a:spcBef>
+                <a:spcPts val="500"/>
+              </a:spcBef>
+              <a:buFont typeface="Arial" panose="020B0604020202020204" pitchFamily="34" charset="0"/>
+              <a:buChar char="•"/>
+              <a:defRPr sz="2000" kern="1200">
+                <a:solidFill>
+                  <a:schemeClr val="tx1"/>
+                </a:solidFill>
+                <a:latin typeface="+mn-lt"/>
+                <a:ea typeface="+mn-ea"/>
+                <a:cs typeface="+mn-cs"/>
+              </a:defRPr>
+            </a:lvl3pPr>
+            <a:lvl4pPr marL="1600200" indent="-228600" algn="l" defTabSz="914400" rtl="0" eaLnBrk="1" latinLnBrk="0" hangingPunct="1">
+              <a:lnSpc>
+                <a:spcPct val="90000"/>
+              </a:lnSpc>
+              <a:spcBef>
+                <a:spcPts val="500"/>
+              </a:spcBef>
+              <a:buFont typeface="Arial" panose="020B0604020202020204" pitchFamily="34" charset="0"/>
+              <a:buChar char="•"/>
+              <a:defRPr sz="1800" kern="1200">
+                <a:solidFill>
+                  <a:schemeClr val="tx1"/>
+                </a:solidFill>
+                <a:latin typeface="+mn-lt"/>
+                <a:ea typeface="+mn-ea"/>
+                <a:cs typeface="+mn-cs"/>
+              </a:defRPr>
+            </a:lvl4pPr>
+            <a:lvl5pPr marL="2057400" indent="-228600" algn="l" defTabSz="914400" rtl="0" eaLnBrk="1" latinLnBrk="0" hangingPunct="1">
+              <a:lnSpc>
+                <a:spcPct val="90000"/>
+              </a:lnSpc>
+              <a:spcBef>
+                <a:spcPts val="500"/>
+              </a:spcBef>
+              <a:buFont typeface="Arial" panose="020B0604020202020204" pitchFamily="34" charset="0"/>
+              <a:buChar char="•"/>
+              <a:defRPr sz="1800" kern="1200">
+                <a:solidFill>
+                  <a:schemeClr val="tx1"/>
+                </a:solidFill>
+                <a:latin typeface="+mn-lt"/>
+                <a:ea typeface="+mn-ea"/>
+                <a:cs typeface="+mn-cs"/>
+              </a:defRPr>
+            </a:lvl5pPr>
+            <a:lvl6pPr marL="2514600" indent="-228600" algn="l" defTabSz="914400" rtl="0" eaLnBrk="1" latinLnBrk="0" hangingPunct="1">
+              <a:lnSpc>
+                <a:spcPct val="90000"/>
+              </a:lnSpc>
+              <a:spcBef>
+                <a:spcPts val="500"/>
+              </a:spcBef>
+              <a:buFont typeface="Arial" panose="020B0604020202020204" pitchFamily="34" charset="0"/>
+              <a:buChar char="•"/>
+              <a:defRPr sz="1800" kern="1200">
+                <a:solidFill>
+                  <a:schemeClr val="tx1"/>
+                </a:solidFill>
+                <a:latin typeface="+mn-lt"/>
+                <a:ea typeface="+mn-ea"/>
+                <a:cs typeface="+mn-cs"/>
+              </a:defRPr>
+            </a:lvl6pPr>
+            <a:lvl7pPr marL="2971800" indent="-228600" algn="l" defTabSz="914400" rtl="0" eaLnBrk="1" latinLnBrk="0" hangingPunct="1">
+              <a:lnSpc>
+                <a:spcPct val="90000"/>
+              </a:lnSpc>
+              <a:spcBef>
+                <a:spcPts val="500"/>
+              </a:spcBef>
+              <a:buFont typeface="Arial" panose="020B0604020202020204" pitchFamily="34" charset="0"/>
+              <a:buChar char="•"/>
+              <a:defRPr sz="1800" kern="1200">
+                <a:solidFill>
+                  <a:schemeClr val="tx1"/>
+                </a:solidFill>
+                <a:latin typeface="+mn-lt"/>
+                <a:ea typeface="+mn-ea"/>
+                <a:cs typeface="+mn-cs"/>
+              </a:defRPr>
+            </a:lvl7pPr>
+            <a:lvl8pPr marL="3429000" indent="-228600" algn="l" defTabSz="914400" rtl="0" eaLnBrk="1" latinLnBrk="0" hangingPunct="1">
+              <a:lnSpc>
+                <a:spcPct val="90000"/>
+              </a:lnSpc>
+              <a:spcBef>
+                <a:spcPts val="500"/>
+              </a:spcBef>
+              <a:buFont typeface="Arial" panose="020B0604020202020204" pitchFamily="34" charset="0"/>
+              <a:buChar char="•"/>
+              <a:defRPr sz="1800" kern="1200">
+                <a:solidFill>
+                  <a:schemeClr val="tx1"/>
+                </a:solidFill>
+                <a:latin typeface="+mn-lt"/>
+                <a:ea typeface="+mn-ea"/>
+                <a:cs typeface="+mn-cs"/>
+              </a:defRPr>
+            </a:lvl8pPr>
+            <a:lvl9pPr marL="3886200" indent="-228600" algn="l" defTabSz="914400" rtl="0" eaLnBrk="1" latinLnBrk="0" hangingPunct="1">
+              <a:lnSpc>
+                <a:spcPct val="90000"/>
+              </a:lnSpc>
+              <a:spcBef>
+                <a:spcPts val="500"/>
+              </a:spcBef>
+              <a:buFont typeface="Arial" panose="020B0604020202020204" pitchFamily="34" charset="0"/>
+              <a:buChar char="•"/>
+              <a:defRPr sz="1800" kern="1200">
+                <a:solidFill>
+                  <a:schemeClr val="tx1"/>
+                </a:solidFill>
+                <a:latin typeface="+mn-lt"/>
+                <a:ea typeface="+mn-ea"/>
+                <a:cs typeface="+mn-cs"/>
+              </a:defRPr>
+            </a:lvl9pPr>
+          </a:lstStyle>
+          <a:p>
+            <a:pPr marL="0" indent="0" algn="ctr">
+              <a:buFont typeface="Arial" panose="020B0604020202020204" pitchFamily="34" charset="0"/>
+              <a:buNone/>
+            </a:pPr>
+            <a:r>
+              <a:rPr lang="en-US" b="1" dirty="0">
+                <a:solidFill>
+                  <a:srgbClr val="FF0000"/>
+                </a:solidFill>
+              </a:rPr>
+              <a:t>Bad estimation in the typing part</a:t>
+            </a:r>
+          </a:p>
+        </p:txBody>
+      </p:sp>
     </p:spTree>
     <p:extLst>
       <p:ext uri="{BB962C8B-B14F-4D97-AF65-F5344CB8AC3E}">
         <p14:creationId xmlns:p14="http://schemas.microsoft.com/office/powerpoint/2010/main" val="2394945557"/>
+      </p:ext>
+    </p:extLst>
+  </p:cSld>
+  <p:clrMapOvr>
+    <a:masterClrMapping/>
+  </p:clrMapOvr>
+</p:sld>
+</file>
+
+<file path=ppt/slides/slide12.xml><?xml version="1.0" encoding="utf-8"?>
+<p:sld xmlns:a="http://schemas.openxmlformats.org/drawingml/2006/main" xmlns:r="http://schemas.openxmlformats.org/officeDocument/2006/relationships" xmlns:p="http://schemas.openxmlformats.org/presentationml/2006/main">
+  <p:cSld>
+    <p:spTree>
+      <p:nvGrpSpPr>
+        <p:cNvPr id="1" name=""/>
+        <p:cNvGrpSpPr/>
+        <p:nvPr/>
+      </p:nvGrpSpPr>
+      <p:grpSpPr>
+        <a:xfrm>
+          <a:off x="0" y="0"/>
+          <a:ext cx="0" cy="0"/>
+          <a:chOff x="0" y="0"/>
+          <a:chExt cx="0" cy="0"/>
+        </a:xfrm>
+      </p:grpSpPr>
+      <p:pic>
+        <p:nvPicPr>
+          <p:cNvPr id="5" name="Picture 4" descr="A picture containing text, clipart&#10;&#10;Description automatically generated">
+            <a:extLst>
+              <a:ext uri="{FF2B5EF4-FFF2-40B4-BE49-F238E27FC236}">
+                <a16:creationId xmlns:a16="http://schemas.microsoft.com/office/drawing/2014/main" id="{AEEF4F80-6182-437F-8FB9-E546318E1786}"/>
+              </a:ext>
+            </a:extLst>
+          </p:cNvPr>
+          <p:cNvPicPr>
+            <a:picLocks noChangeAspect="1"/>
+          </p:cNvPicPr>
+          <p:nvPr/>
+        </p:nvPicPr>
+        <p:blipFill>
+          <a:blip r:embed="rId2">
+            <a:extLst>
+              <a:ext uri="{28A0092B-C50C-407E-A947-70E740481C1C}">
+                <a14:useLocalDpi xmlns:a14="http://schemas.microsoft.com/office/drawing/2010/main" val="0"/>
+              </a:ext>
+            </a:extLst>
+          </a:blip>
+          <a:stretch>
+            <a:fillRect/>
+          </a:stretch>
+        </p:blipFill>
+        <p:spPr>
+          <a:xfrm>
+            <a:off x="8248817" y="327168"/>
+            <a:ext cx="3640043" cy="1401476"/>
+          </a:xfrm>
+          <a:prstGeom prst="rect">
+            <a:avLst/>
+          </a:prstGeom>
+        </p:spPr>
+      </p:pic>
+      <p:sp>
+        <p:nvSpPr>
+          <p:cNvPr id="6" name="Title 1">
+            <a:extLst>
+              <a:ext uri="{FF2B5EF4-FFF2-40B4-BE49-F238E27FC236}">
+                <a16:creationId xmlns:a16="http://schemas.microsoft.com/office/drawing/2014/main" id="{67EAB101-CB65-4E80-9086-38AF17265C5D}"/>
+              </a:ext>
+            </a:extLst>
+          </p:cNvPr>
+          <p:cNvSpPr txBox="1">
+            <a:spLocks/>
+          </p:cNvSpPr>
+          <p:nvPr/>
+        </p:nvSpPr>
+        <p:spPr>
+          <a:xfrm>
+            <a:off x="704851" y="570706"/>
+            <a:ext cx="7016749" cy="914399"/>
+          </a:xfrm>
+          <a:prstGeom prst="rect">
+            <a:avLst/>
+          </a:prstGeom>
+        </p:spPr>
+        <p:txBody>
+          <a:bodyPr vert="horz" lIns="91440" tIns="45720" rIns="91440" bIns="45720" rtlCol="0" anchor="ctr">
+            <a:normAutofit fontScale="85000" lnSpcReduction="20000"/>
+          </a:bodyPr>
+          <a:lstStyle>
+            <a:lvl1pPr algn="l" defTabSz="914400" rtl="0" eaLnBrk="1" latinLnBrk="0" hangingPunct="1">
+              <a:lnSpc>
+                <a:spcPct val="90000"/>
+              </a:lnSpc>
+              <a:spcBef>
+                <a:spcPct val="0"/>
+              </a:spcBef>
+              <a:buNone/>
+              <a:defRPr sz="4400" kern="1200">
+                <a:solidFill>
+                  <a:schemeClr val="tx1"/>
+                </a:solidFill>
+                <a:latin typeface="+mj-lt"/>
+                <a:ea typeface="+mj-ea"/>
+                <a:cs typeface="+mj-cs"/>
+              </a:defRPr>
+            </a:lvl1pPr>
+          </a:lstStyle>
+          <a:p>
+            <a:r>
+              <a:rPr lang="en-US" b="1" dirty="0"/>
+              <a:t>Results and statistical analysis highlights (2/3)</a:t>
+            </a:r>
+          </a:p>
+        </p:txBody>
+      </p:sp>
+      <p:graphicFrame>
+        <p:nvGraphicFramePr>
+          <p:cNvPr id="2" name="Chart 1">
+            <a:extLst>
+              <a:ext uri="{FF2B5EF4-FFF2-40B4-BE49-F238E27FC236}">
+                <a16:creationId xmlns:a16="http://schemas.microsoft.com/office/drawing/2014/main" id="{1765A056-CD19-4352-8A60-A0B24B8F4A75}"/>
+              </a:ext>
+            </a:extLst>
+          </p:cNvPr>
+          <p:cNvGraphicFramePr>
+            <a:graphicFrameLocks/>
+          </p:cNvGraphicFramePr>
+          <p:nvPr/>
+        </p:nvGraphicFramePr>
+        <p:xfrm>
+          <a:off x="2867025" y="1726406"/>
+          <a:ext cx="6457950" cy="3405188"/>
+        </p:xfrm>
+        <a:graphic>
+          <a:graphicData uri="http://schemas.openxmlformats.org/drawingml/2006/chart">
+            <c:chart xmlns:c="http://schemas.openxmlformats.org/drawingml/2006/chart" xmlns:r="http://schemas.openxmlformats.org/officeDocument/2006/relationships" r:id="rId3"/>
+          </a:graphicData>
+        </a:graphic>
+      </p:graphicFrame>
+      <p:cxnSp>
+        <p:nvCxnSpPr>
+          <p:cNvPr id="3" name="Straight Arrow Connector 2">
+            <a:extLst>
+              <a:ext uri="{FF2B5EF4-FFF2-40B4-BE49-F238E27FC236}">
+                <a16:creationId xmlns:a16="http://schemas.microsoft.com/office/drawing/2014/main" id="{23BADAA2-B129-8518-F0D5-E14BB6D490C1}"/>
+              </a:ext>
+            </a:extLst>
+          </p:cNvPr>
+          <p:cNvCxnSpPr>
+            <a:cxnSpLocks/>
+          </p:cNvCxnSpPr>
+          <p:nvPr/>
+        </p:nvCxnSpPr>
+        <p:spPr>
+          <a:xfrm flipV="1">
+            <a:off x="3990109" y="5171028"/>
+            <a:ext cx="0" cy="403733"/>
+          </a:xfrm>
+          <a:prstGeom prst="straightConnector1">
+            <a:avLst/>
+          </a:prstGeom>
+          <a:ln w="38100">
+            <a:solidFill>
+              <a:schemeClr val="tx1"/>
+            </a:solidFill>
+            <a:tailEnd type="triangle"/>
+          </a:ln>
+        </p:spPr>
+        <p:style>
+          <a:lnRef idx="1">
+            <a:schemeClr val="accent1"/>
+          </a:lnRef>
+          <a:fillRef idx="0">
+            <a:schemeClr val="accent1"/>
+          </a:fillRef>
+          <a:effectRef idx="0">
+            <a:schemeClr val="accent1"/>
+          </a:effectRef>
+          <a:fontRef idx="minor">
+            <a:schemeClr val="tx1"/>
+          </a:fontRef>
+        </p:style>
+      </p:cxnSp>
+      <p:sp>
+        <p:nvSpPr>
+          <p:cNvPr id="7" name="Content Placeholder 2">
+            <a:extLst>
+              <a:ext uri="{FF2B5EF4-FFF2-40B4-BE49-F238E27FC236}">
+                <a16:creationId xmlns:a16="http://schemas.microsoft.com/office/drawing/2014/main" id="{14730595-4782-A331-D257-07BFAD7E6042}"/>
+              </a:ext>
+            </a:extLst>
+          </p:cNvPr>
+          <p:cNvSpPr txBox="1">
+            <a:spLocks/>
+          </p:cNvSpPr>
+          <p:nvPr/>
+        </p:nvSpPr>
+        <p:spPr>
+          <a:xfrm>
+            <a:off x="2558473" y="5614194"/>
+            <a:ext cx="2863272" cy="1056441"/>
+          </a:xfrm>
+          <a:prstGeom prst="rect">
+            <a:avLst/>
+          </a:prstGeom>
+        </p:spPr>
+        <p:txBody>
+          <a:bodyPr vert="horz" lIns="91440" tIns="45720" rIns="91440" bIns="45720" rtlCol="0">
+            <a:normAutofit/>
+          </a:bodyPr>
+          <a:lstStyle>
+            <a:lvl1pPr marL="228600" indent="-228600" algn="l" defTabSz="914400" rtl="0" eaLnBrk="1" latinLnBrk="0" hangingPunct="1">
+              <a:lnSpc>
+                <a:spcPct val="90000"/>
+              </a:lnSpc>
+              <a:spcBef>
+                <a:spcPts val="1000"/>
+              </a:spcBef>
+              <a:buFont typeface="Arial" panose="020B0604020202020204" pitchFamily="34" charset="0"/>
+              <a:buChar char="•"/>
+              <a:defRPr sz="2800" kern="1200">
+                <a:solidFill>
+                  <a:schemeClr val="tx1"/>
+                </a:solidFill>
+                <a:latin typeface="+mn-lt"/>
+                <a:ea typeface="+mn-ea"/>
+                <a:cs typeface="+mn-cs"/>
+              </a:defRPr>
+            </a:lvl1pPr>
+            <a:lvl2pPr marL="685800" indent="-228600" algn="l" defTabSz="914400" rtl="0" eaLnBrk="1" latinLnBrk="0" hangingPunct="1">
+              <a:lnSpc>
+                <a:spcPct val="90000"/>
+              </a:lnSpc>
+              <a:spcBef>
+                <a:spcPts val="500"/>
+              </a:spcBef>
+              <a:buFont typeface="Arial" panose="020B0604020202020204" pitchFamily="34" charset="0"/>
+              <a:buChar char="•"/>
+              <a:defRPr sz="2400" kern="1200">
+                <a:solidFill>
+                  <a:schemeClr val="tx1"/>
+                </a:solidFill>
+                <a:latin typeface="+mn-lt"/>
+                <a:ea typeface="+mn-ea"/>
+                <a:cs typeface="+mn-cs"/>
+              </a:defRPr>
+            </a:lvl2pPr>
+            <a:lvl3pPr marL="1143000" indent="-228600" algn="l" defTabSz="914400" rtl="0" eaLnBrk="1" latinLnBrk="0" hangingPunct="1">
+              <a:lnSpc>
+                <a:spcPct val="90000"/>
+              </a:lnSpc>
+              <a:spcBef>
+                <a:spcPts val="500"/>
+              </a:spcBef>
+              <a:buFont typeface="Arial" panose="020B0604020202020204" pitchFamily="34" charset="0"/>
+              <a:buChar char="•"/>
+              <a:defRPr sz="2000" kern="1200">
+                <a:solidFill>
+                  <a:schemeClr val="tx1"/>
+                </a:solidFill>
+                <a:latin typeface="+mn-lt"/>
+                <a:ea typeface="+mn-ea"/>
+                <a:cs typeface="+mn-cs"/>
+              </a:defRPr>
+            </a:lvl3pPr>
+            <a:lvl4pPr marL="1600200" indent="-228600" algn="l" defTabSz="914400" rtl="0" eaLnBrk="1" latinLnBrk="0" hangingPunct="1">
+              <a:lnSpc>
+                <a:spcPct val="90000"/>
+              </a:lnSpc>
+              <a:spcBef>
+                <a:spcPts val="500"/>
+              </a:spcBef>
+              <a:buFont typeface="Arial" panose="020B0604020202020204" pitchFamily="34" charset="0"/>
+              <a:buChar char="•"/>
+              <a:defRPr sz="1800" kern="1200">
+                <a:solidFill>
+                  <a:schemeClr val="tx1"/>
+                </a:solidFill>
+                <a:latin typeface="+mn-lt"/>
+                <a:ea typeface="+mn-ea"/>
+                <a:cs typeface="+mn-cs"/>
+              </a:defRPr>
+            </a:lvl4pPr>
+            <a:lvl5pPr marL="2057400" indent="-228600" algn="l" defTabSz="914400" rtl="0" eaLnBrk="1" latinLnBrk="0" hangingPunct="1">
+              <a:lnSpc>
+                <a:spcPct val="90000"/>
+              </a:lnSpc>
+              <a:spcBef>
+                <a:spcPts val="500"/>
+              </a:spcBef>
+              <a:buFont typeface="Arial" panose="020B0604020202020204" pitchFamily="34" charset="0"/>
+              <a:buChar char="•"/>
+              <a:defRPr sz="1800" kern="1200">
+                <a:solidFill>
+                  <a:schemeClr val="tx1"/>
+                </a:solidFill>
+                <a:latin typeface="+mn-lt"/>
+                <a:ea typeface="+mn-ea"/>
+                <a:cs typeface="+mn-cs"/>
+              </a:defRPr>
+            </a:lvl5pPr>
+            <a:lvl6pPr marL="2514600" indent="-228600" algn="l" defTabSz="914400" rtl="0" eaLnBrk="1" latinLnBrk="0" hangingPunct="1">
+              <a:lnSpc>
+                <a:spcPct val="90000"/>
+              </a:lnSpc>
+              <a:spcBef>
+                <a:spcPts val="500"/>
+              </a:spcBef>
+              <a:buFont typeface="Arial" panose="020B0604020202020204" pitchFamily="34" charset="0"/>
+              <a:buChar char="•"/>
+              <a:defRPr sz="1800" kern="1200">
+                <a:solidFill>
+                  <a:schemeClr val="tx1"/>
+                </a:solidFill>
+                <a:latin typeface="+mn-lt"/>
+                <a:ea typeface="+mn-ea"/>
+                <a:cs typeface="+mn-cs"/>
+              </a:defRPr>
+            </a:lvl6pPr>
+            <a:lvl7pPr marL="2971800" indent="-228600" algn="l" defTabSz="914400" rtl="0" eaLnBrk="1" latinLnBrk="0" hangingPunct="1">
+              <a:lnSpc>
+                <a:spcPct val="90000"/>
+              </a:lnSpc>
+              <a:spcBef>
+                <a:spcPts val="500"/>
+              </a:spcBef>
+              <a:buFont typeface="Arial" panose="020B0604020202020204" pitchFamily="34" charset="0"/>
+              <a:buChar char="•"/>
+              <a:defRPr sz="1800" kern="1200">
+                <a:solidFill>
+                  <a:schemeClr val="tx1"/>
+                </a:solidFill>
+                <a:latin typeface="+mn-lt"/>
+                <a:ea typeface="+mn-ea"/>
+                <a:cs typeface="+mn-cs"/>
+              </a:defRPr>
+            </a:lvl7pPr>
+            <a:lvl8pPr marL="3429000" indent="-228600" algn="l" defTabSz="914400" rtl="0" eaLnBrk="1" latinLnBrk="0" hangingPunct="1">
+              <a:lnSpc>
+                <a:spcPct val="90000"/>
+              </a:lnSpc>
+              <a:spcBef>
+                <a:spcPts val="500"/>
+              </a:spcBef>
+              <a:buFont typeface="Arial" panose="020B0604020202020204" pitchFamily="34" charset="0"/>
+              <a:buChar char="•"/>
+              <a:defRPr sz="1800" kern="1200">
+                <a:solidFill>
+                  <a:schemeClr val="tx1"/>
+                </a:solidFill>
+                <a:latin typeface="+mn-lt"/>
+                <a:ea typeface="+mn-ea"/>
+                <a:cs typeface="+mn-cs"/>
+              </a:defRPr>
+            </a:lvl8pPr>
+            <a:lvl9pPr marL="3886200" indent="-228600" algn="l" defTabSz="914400" rtl="0" eaLnBrk="1" latinLnBrk="0" hangingPunct="1">
+              <a:lnSpc>
+                <a:spcPct val="90000"/>
+              </a:lnSpc>
+              <a:spcBef>
+                <a:spcPts val="500"/>
+              </a:spcBef>
+              <a:buFont typeface="Arial" panose="020B0604020202020204" pitchFamily="34" charset="0"/>
+              <a:buChar char="•"/>
+              <a:defRPr sz="1800" kern="1200">
+                <a:solidFill>
+                  <a:schemeClr val="tx1"/>
+                </a:solidFill>
+                <a:latin typeface="+mn-lt"/>
+                <a:ea typeface="+mn-ea"/>
+                <a:cs typeface="+mn-cs"/>
+              </a:defRPr>
+            </a:lvl9pPr>
+          </a:lstStyle>
+          <a:p>
+            <a:pPr marL="0" indent="0" algn="ctr">
+              <a:buFont typeface="Arial" panose="020B0604020202020204" pitchFamily="34" charset="0"/>
+              <a:buNone/>
+            </a:pPr>
+            <a:r>
+              <a:rPr lang="en-US" sz="2000" b="1" dirty="0"/>
+              <a:t>Acceptable Guess</a:t>
+            </a:r>
+          </a:p>
+          <a:p>
+            <a:pPr marL="0" indent="0" algn="ctr">
+              <a:buFont typeface="Arial" panose="020B0604020202020204" pitchFamily="34" charset="0"/>
+              <a:buNone/>
+            </a:pPr>
+            <a:r>
+              <a:rPr lang="en-US" sz="2000" b="1" dirty="0"/>
+              <a:t>(although very close from a bad one)</a:t>
+            </a:r>
+          </a:p>
+        </p:txBody>
+      </p:sp>
+      <p:cxnSp>
+        <p:nvCxnSpPr>
+          <p:cNvPr id="9" name="Straight Arrow Connector 8">
+            <a:extLst>
+              <a:ext uri="{FF2B5EF4-FFF2-40B4-BE49-F238E27FC236}">
+                <a16:creationId xmlns:a16="http://schemas.microsoft.com/office/drawing/2014/main" id="{4640DC90-D063-7C15-63A3-97E5A25AAF63}"/>
+              </a:ext>
+            </a:extLst>
+          </p:cNvPr>
+          <p:cNvCxnSpPr>
+            <a:cxnSpLocks/>
+          </p:cNvCxnSpPr>
+          <p:nvPr/>
+        </p:nvCxnSpPr>
+        <p:spPr>
+          <a:xfrm flipV="1">
+            <a:off x="7606152" y="5148478"/>
+            <a:ext cx="0" cy="403733"/>
+          </a:xfrm>
+          <a:prstGeom prst="straightConnector1">
+            <a:avLst/>
+          </a:prstGeom>
+          <a:ln w="38100">
+            <a:solidFill>
+              <a:srgbClr val="FF0000"/>
+            </a:solidFill>
+            <a:tailEnd type="triangle"/>
+          </a:ln>
+        </p:spPr>
+        <p:style>
+          <a:lnRef idx="1">
+            <a:schemeClr val="accent1"/>
+          </a:lnRef>
+          <a:fillRef idx="0">
+            <a:schemeClr val="accent1"/>
+          </a:fillRef>
+          <a:effectRef idx="0">
+            <a:schemeClr val="accent1"/>
+          </a:effectRef>
+          <a:fontRef idx="minor">
+            <a:schemeClr val="tx1"/>
+          </a:fontRef>
+        </p:style>
+      </p:cxnSp>
+      <p:cxnSp>
+        <p:nvCxnSpPr>
+          <p:cNvPr id="10" name="Straight Arrow Connector 9">
+            <a:extLst>
+              <a:ext uri="{FF2B5EF4-FFF2-40B4-BE49-F238E27FC236}">
+                <a16:creationId xmlns:a16="http://schemas.microsoft.com/office/drawing/2014/main" id="{37459D37-5636-67AF-9D73-05B83EA6C7DE}"/>
+              </a:ext>
+            </a:extLst>
+          </p:cNvPr>
+          <p:cNvCxnSpPr>
+            <a:cxnSpLocks/>
+          </p:cNvCxnSpPr>
+          <p:nvPr/>
+        </p:nvCxnSpPr>
+        <p:spPr>
+          <a:xfrm flipV="1">
+            <a:off x="5892800" y="5153102"/>
+            <a:ext cx="0" cy="403733"/>
+          </a:xfrm>
+          <a:prstGeom prst="straightConnector1">
+            <a:avLst/>
+          </a:prstGeom>
+          <a:ln w="38100">
+            <a:solidFill>
+              <a:srgbClr val="FF0000"/>
+            </a:solidFill>
+            <a:tailEnd type="triangle"/>
+          </a:ln>
+        </p:spPr>
+        <p:style>
+          <a:lnRef idx="1">
+            <a:schemeClr val="accent1"/>
+          </a:lnRef>
+          <a:fillRef idx="0">
+            <a:schemeClr val="accent1"/>
+          </a:fillRef>
+          <a:effectRef idx="0">
+            <a:schemeClr val="accent1"/>
+          </a:effectRef>
+          <a:fontRef idx="minor">
+            <a:schemeClr val="tx1"/>
+          </a:fontRef>
+        </p:style>
+      </p:cxnSp>
+      <p:sp>
+        <p:nvSpPr>
+          <p:cNvPr id="11" name="Content Placeholder 2">
+            <a:extLst>
+              <a:ext uri="{FF2B5EF4-FFF2-40B4-BE49-F238E27FC236}">
+                <a16:creationId xmlns:a16="http://schemas.microsoft.com/office/drawing/2014/main" id="{89B438E0-10CB-3E96-CD17-CF8B7BA3786D}"/>
+              </a:ext>
+            </a:extLst>
+          </p:cNvPr>
+          <p:cNvSpPr txBox="1">
+            <a:spLocks/>
+          </p:cNvSpPr>
+          <p:nvPr/>
+        </p:nvSpPr>
+        <p:spPr>
+          <a:xfrm>
+            <a:off x="5292435" y="5614194"/>
+            <a:ext cx="2863271" cy="1056441"/>
+          </a:xfrm>
+          <a:prstGeom prst="rect">
+            <a:avLst/>
+          </a:prstGeom>
+        </p:spPr>
+        <p:txBody>
+          <a:bodyPr vert="horz" lIns="91440" tIns="45720" rIns="91440" bIns="45720" rtlCol="0">
+            <a:normAutofit/>
+          </a:bodyPr>
+          <a:lstStyle>
+            <a:lvl1pPr marL="228600" indent="-228600" algn="l" defTabSz="914400" rtl="0" eaLnBrk="1" latinLnBrk="0" hangingPunct="1">
+              <a:lnSpc>
+                <a:spcPct val="90000"/>
+              </a:lnSpc>
+              <a:spcBef>
+                <a:spcPts val="1000"/>
+              </a:spcBef>
+              <a:buFont typeface="Arial" panose="020B0604020202020204" pitchFamily="34" charset="0"/>
+              <a:buChar char="•"/>
+              <a:defRPr sz="2800" kern="1200">
+                <a:solidFill>
+                  <a:schemeClr val="tx1"/>
+                </a:solidFill>
+                <a:latin typeface="+mn-lt"/>
+                <a:ea typeface="+mn-ea"/>
+                <a:cs typeface="+mn-cs"/>
+              </a:defRPr>
+            </a:lvl1pPr>
+            <a:lvl2pPr marL="685800" indent="-228600" algn="l" defTabSz="914400" rtl="0" eaLnBrk="1" latinLnBrk="0" hangingPunct="1">
+              <a:lnSpc>
+                <a:spcPct val="90000"/>
+              </a:lnSpc>
+              <a:spcBef>
+                <a:spcPts val="500"/>
+              </a:spcBef>
+              <a:buFont typeface="Arial" panose="020B0604020202020204" pitchFamily="34" charset="0"/>
+              <a:buChar char="•"/>
+              <a:defRPr sz="2400" kern="1200">
+                <a:solidFill>
+                  <a:schemeClr val="tx1"/>
+                </a:solidFill>
+                <a:latin typeface="+mn-lt"/>
+                <a:ea typeface="+mn-ea"/>
+                <a:cs typeface="+mn-cs"/>
+              </a:defRPr>
+            </a:lvl2pPr>
+            <a:lvl3pPr marL="1143000" indent="-228600" algn="l" defTabSz="914400" rtl="0" eaLnBrk="1" latinLnBrk="0" hangingPunct="1">
+              <a:lnSpc>
+                <a:spcPct val="90000"/>
+              </a:lnSpc>
+              <a:spcBef>
+                <a:spcPts val="500"/>
+              </a:spcBef>
+              <a:buFont typeface="Arial" panose="020B0604020202020204" pitchFamily="34" charset="0"/>
+              <a:buChar char="•"/>
+              <a:defRPr sz="2000" kern="1200">
+                <a:solidFill>
+                  <a:schemeClr val="tx1"/>
+                </a:solidFill>
+                <a:latin typeface="+mn-lt"/>
+                <a:ea typeface="+mn-ea"/>
+                <a:cs typeface="+mn-cs"/>
+              </a:defRPr>
+            </a:lvl3pPr>
+            <a:lvl4pPr marL="1600200" indent="-228600" algn="l" defTabSz="914400" rtl="0" eaLnBrk="1" latinLnBrk="0" hangingPunct="1">
+              <a:lnSpc>
+                <a:spcPct val="90000"/>
+              </a:lnSpc>
+              <a:spcBef>
+                <a:spcPts val="500"/>
+              </a:spcBef>
+              <a:buFont typeface="Arial" panose="020B0604020202020204" pitchFamily="34" charset="0"/>
+              <a:buChar char="•"/>
+              <a:defRPr sz="1800" kern="1200">
+                <a:solidFill>
+                  <a:schemeClr val="tx1"/>
+                </a:solidFill>
+                <a:latin typeface="+mn-lt"/>
+                <a:ea typeface="+mn-ea"/>
+                <a:cs typeface="+mn-cs"/>
+              </a:defRPr>
+            </a:lvl4pPr>
+            <a:lvl5pPr marL="2057400" indent="-228600" algn="l" defTabSz="914400" rtl="0" eaLnBrk="1" latinLnBrk="0" hangingPunct="1">
+              <a:lnSpc>
+                <a:spcPct val="90000"/>
+              </a:lnSpc>
+              <a:spcBef>
+                <a:spcPts val="500"/>
+              </a:spcBef>
+              <a:buFont typeface="Arial" panose="020B0604020202020204" pitchFamily="34" charset="0"/>
+              <a:buChar char="•"/>
+              <a:defRPr sz="1800" kern="1200">
+                <a:solidFill>
+                  <a:schemeClr val="tx1"/>
+                </a:solidFill>
+                <a:latin typeface="+mn-lt"/>
+                <a:ea typeface="+mn-ea"/>
+                <a:cs typeface="+mn-cs"/>
+              </a:defRPr>
+            </a:lvl5pPr>
+            <a:lvl6pPr marL="2514600" indent="-228600" algn="l" defTabSz="914400" rtl="0" eaLnBrk="1" latinLnBrk="0" hangingPunct="1">
+              <a:lnSpc>
+                <a:spcPct val="90000"/>
+              </a:lnSpc>
+              <a:spcBef>
+                <a:spcPts val="500"/>
+              </a:spcBef>
+              <a:buFont typeface="Arial" panose="020B0604020202020204" pitchFamily="34" charset="0"/>
+              <a:buChar char="•"/>
+              <a:defRPr sz="1800" kern="1200">
+                <a:solidFill>
+                  <a:schemeClr val="tx1"/>
+                </a:solidFill>
+                <a:latin typeface="+mn-lt"/>
+                <a:ea typeface="+mn-ea"/>
+                <a:cs typeface="+mn-cs"/>
+              </a:defRPr>
+            </a:lvl6pPr>
+            <a:lvl7pPr marL="2971800" indent="-228600" algn="l" defTabSz="914400" rtl="0" eaLnBrk="1" latinLnBrk="0" hangingPunct="1">
+              <a:lnSpc>
+                <a:spcPct val="90000"/>
+              </a:lnSpc>
+              <a:spcBef>
+                <a:spcPts val="500"/>
+              </a:spcBef>
+              <a:buFont typeface="Arial" panose="020B0604020202020204" pitchFamily="34" charset="0"/>
+              <a:buChar char="•"/>
+              <a:defRPr sz="1800" kern="1200">
+                <a:solidFill>
+                  <a:schemeClr val="tx1"/>
+                </a:solidFill>
+                <a:latin typeface="+mn-lt"/>
+                <a:ea typeface="+mn-ea"/>
+                <a:cs typeface="+mn-cs"/>
+              </a:defRPr>
+            </a:lvl7pPr>
+            <a:lvl8pPr marL="3429000" indent="-228600" algn="l" defTabSz="914400" rtl="0" eaLnBrk="1" latinLnBrk="0" hangingPunct="1">
+              <a:lnSpc>
+                <a:spcPct val="90000"/>
+              </a:lnSpc>
+              <a:spcBef>
+                <a:spcPts val="500"/>
+              </a:spcBef>
+              <a:buFont typeface="Arial" panose="020B0604020202020204" pitchFamily="34" charset="0"/>
+              <a:buChar char="•"/>
+              <a:defRPr sz="1800" kern="1200">
+                <a:solidFill>
+                  <a:schemeClr val="tx1"/>
+                </a:solidFill>
+                <a:latin typeface="+mn-lt"/>
+                <a:ea typeface="+mn-ea"/>
+                <a:cs typeface="+mn-cs"/>
+              </a:defRPr>
+            </a:lvl8pPr>
+            <a:lvl9pPr marL="3886200" indent="-228600" algn="l" defTabSz="914400" rtl="0" eaLnBrk="1" latinLnBrk="0" hangingPunct="1">
+              <a:lnSpc>
+                <a:spcPct val="90000"/>
+              </a:lnSpc>
+              <a:spcBef>
+                <a:spcPts val="500"/>
+              </a:spcBef>
+              <a:buFont typeface="Arial" panose="020B0604020202020204" pitchFamily="34" charset="0"/>
+              <a:buChar char="•"/>
+              <a:defRPr sz="1800" kern="1200">
+                <a:solidFill>
+                  <a:schemeClr val="tx1"/>
+                </a:solidFill>
+                <a:latin typeface="+mn-lt"/>
+                <a:ea typeface="+mn-ea"/>
+                <a:cs typeface="+mn-cs"/>
+              </a:defRPr>
+            </a:lvl9pPr>
+          </a:lstStyle>
+          <a:p>
+            <a:pPr marL="0" indent="0" algn="ctr">
+              <a:buFont typeface="Arial" panose="020B0604020202020204" pitchFamily="34" charset="0"/>
+              <a:buNone/>
+            </a:pPr>
+            <a:r>
+              <a:rPr lang="en-US" sz="2000" b="1" dirty="0">
+                <a:solidFill>
+                  <a:srgbClr val="FF0000"/>
+                </a:solidFill>
+              </a:rPr>
+              <a:t>Much more clicks</a:t>
+            </a:r>
+          </a:p>
+          <a:p>
+            <a:pPr marL="0" indent="0" algn="ctr">
+              <a:buFont typeface="Arial" panose="020B0604020202020204" pitchFamily="34" charset="0"/>
+              <a:buNone/>
+            </a:pPr>
+            <a:r>
+              <a:rPr lang="en-US" sz="2000" b="1" dirty="0">
+                <a:solidFill>
+                  <a:srgbClr val="FF0000"/>
+                </a:solidFill>
+              </a:rPr>
+              <a:t>(maybe redesign / rethink our expectations)</a:t>
+            </a:r>
+          </a:p>
+        </p:txBody>
+      </p:sp>
+    </p:spTree>
+    <p:extLst>
+      <p:ext uri="{BB962C8B-B14F-4D97-AF65-F5344CB8AC3E}">
+        <p14:creationId xmlns:p14="http://schemas.microsoft.com/office/powerpoint/2010/main" val="1591578606"/>
+      </p:ext>
+    </p:extLst>
+  </p:cSld>
+  <p:clrMapOvr>
+    <a:masterClrMapping/>
+  </p:clrMapOvr>
+</p:sld>
+</file>
+
+<file path=ppt/slides/slide13.xml><?xml version="1.0" encoding="utf-8"?>
+<p:sld xmlns:a="http://schemas.openxmlformats.org/drawingml/2006/main" xmlns:r="http://schemas.openxmlformats.org/officeDocument/2006/relationships" xmlns:p="http://schemas.openxmlformats.org/presentationml/2006/main">
+  <p:cSld>
+    <p:spTree>
+      <p:nvGrpSpPr>
+        <p:cNvPr id="1" name=""/>
+        <p:cNvGrpSpPr/>
+        <p:nvPr/>
+      </p:nvGrpSpPr>
+      <p:grpSpPr>
+        <a:xfrm>
+          <a:off x="0" y="0"/>
+          <a:ext cx="0" cy="0"/>
+          <a:chOff x="0" y="0"/>
+          <a:chExt cx="0" cy="0"/>
+        </a:xfrm>
+      </p:grpSpPr>
+      <p:pic>
+        <p:nvPicPr>
+          <p:cNvPr id="5" name="Picture 4" descr="A picture containing text, clipart&#10;&#10;Description automatically generated">
+            <a:extLst>
+              <a:ext uri="{FF2B5EF4-FFF2-40B4-BE49-F238E27FC236}">
+                <a16:creationId xmlns:a16="http://schemas.microsoft.com/office/drawing/2014/main" id="{AEEF4F80-6182-437F-8FB9-E546318E1786}"/>
+              </a:ext>
+            </a:extLst>
+          </p:cNvPr>
+          <p:cNvPicPr>
+            <a:picLocks noChangeAspect="1"/>
+          </p:cNvPicPr>
+          <p:nvPr/>
+        </p:nvPicPr>
+        <p:blipFill>
+          <a:blip r:embed="rId2">
+            <a:extLst>
+              <a:ext uri="{28A0092B-C50C-407E-A947-70E740481C1C}">
+                <a14:useLocalDpi xmlns:a14="http://schemas.microsoft.com/office/drawing/2010/main" val="0"/>
+              </a:ext>
+            </a:extLst>
+          </a:blip>
+          <a:stretch>
+            <a:fillRect/>
+          </a:stretch>
+        </p:blipFill>
+        <p:spPr>
+          <a:xfrm>
+            <a:off x="8248817" y="327168"/>
+            <a:ext cx="3640043" cy="1401476"/>
+          </a:xfrm>
+          <a:prstGeom prst="rect">
+            <a:avLst/>
+          </a:prstGeom>
+        </p:spPr>
+      </p:pic>
+      <p:sp>
+        <p:nvSpPr>
+          <p:cNvPr id="6" name="Title 1">
+            <a:extLst>
+              <a:ext uri="{FF2B5EF4-FFF2-40B4-BE49-F238E27FC236}">
+                <a16:creationId xmlns:a16="http://schemas.microsoft.com/office/drawing/2014/main" id="{67EAB101-CB65-4E80-9086-38AF17265C5D}"/>
+              </a:ext>
+            </a:extLst>
+          </p:cNvPr>
+          <p:cNvSpPr txBox="1">
+            <a:spLocks/>
+          </p:cNvSpPr>
+          <p:nvPr/>
+        </p:nvSpPr>
+        <p:spPr>
+          <a:xfrm>
+            <a:off x="704851" y="570706"/>
+            <a:ext cx="7016749" cy="914399"/>
+          </a:xfrm>
+          <a:prstGeom prst="rect">
+            <a:avLst/>
+          </a:prstGeom>
+        </p:spPr>
+        <p:txBody>
+          <a:bodyPr vert="horz" lIns="91440" tIns="45720" rIns="91440" bIns="45720" rtlCol="0" anchor="ctr">
+            <a:normAutofit fontScale="85000" lnSpcReduction="20000"/>
+          </a:bodyPr>
+          <a:lstStyle>
+            <a:lvl1pPr algn="l" defTabSz="914400" rtl="0" eaLnBrk="1" latinLnBrk="0" hangingPunct="1">
+              <a:lnSpc>
+                <a:spcPct val="90000"/>
+              </a:lnSpc>
+              <a:spcBef>
+                <a:spcPct val="0"/>
+              </a:spcBef>
+              <a:buNone/>
+              <a:defRPr sz="4400" kern="1200">
+                <a:solidFill>
+                  <a:schemeClr val="tx1"/>
+                </a:solidFill>
+                <a:latin typeface="+mj-lt"/>
+                <a:ea typeface="+mj-ea"/>
+                <a:cs typeface="+mj-cs"/>
+              </a:defRPr>
+            </a:lvl1pPr>
+          </a:lstStyle>
+          <a:p>
+            <a:r>
+              <a:rPr lang="en-US" b="1" dirty="0"/>
+              <a:t>Results and statistical analysis highlights (3/3)</a:t>
+            </a:r>
+          </a:p>
+        </p:txBody>
+      </p:sp>
+      <p:graphicFrame>
+        <p:nvGraphicFramePr>
+          <p:cNvPr id="2" name="Chart 1">
+            <a:extLst>
+              <a:ext uri="{FF2B5EF4-FFF2-40B4-BE49-F238E27FC236}">
+                <a16:creationId xmlns:a16="http://schemas.microsoft.com/office/drawing/2014/main" id="{6B209765-44E0-4C06-ABC7-D16EC9799E08}"/>
+              </a:ext>
+            </a:extLst>
+          </p:cNvPr>
+          <p:cNvGraphicFramePr>
+            <a:graphicFrameLocks/>
+          </p:cNvGraphicFramePr>
+          <p:nvPr/>
+        </p:nvGraphicFramePr>
+        <p:xfrm>
+          <a:off x="2867025" y="1726406"/>
+          <a:ext cx="6457950" cy="3405188"/>
+        </p:xfrm>
+        <a:graphic>
+          <a:graphicData uri="http://schemas.openxmlformats.org/drawingml/2006/chart">
+            <c:chart xmlns:c="http://schemas.openxmlformats.org/drawingml/2006/chart" xmlns:r="http://schemas.openxmlformats.org/officeDocument/2006/relationships" r:id="rId3"/>
+          </a:graphicData>
+        </a:graphic>
+      </p:graphicFrame>
+      <p:cxnSp>
+        <p:nvCxnSpPr>
+          <p:cNvPr id="3" name="Straight Arrow Connector 2">
+            <a:extLst>
+              <a:ext uri="{FF2B5EF4-FFF2-40B4-BE49-F238E27FC236}">
+                <a16:creationId xmlns:a16="http://schemas.microsoft.com/office/drawing/2014/main" id="{90CD1C67-9CB2-3305-BA77-94C2CA59FEE8}"/>
+              </a:ext>
+            </a:extLst>
+          </p:cNvPr>
+          <p:cNvCxnSpPr>
+            <a:cxnSpLocks/>
+          </p:cNvCxnSpPr>
+          <p:nvPr/>
+        </p:nvCxnSpPr>
+        <p:spPr>
+          <a:xfrm flipV="1">
+            <a:off x="7596914" y="5144654"/>
+            <a:ext cx="0" cy="403733"/>
+          </a:xfrm>
+          <a:prstGeom prst="straightConnector1">
+            <a:avLst/>
+          </a:prstGeom>
+          <a:ln w="38100">
+            <a:solidFill>
+              <a:schemeClr val="tx1"/>
+            </a:solidFill>
+            <a:tailEnd type="triangle"/>
+          </a:ln>
+        </p:spPr>
+        <p:style>
+          <a:lnRef idx="1">
+            <a:schemeClr val="accent1"/>
+          </a:lnRef>
+          <a:fillRef idx="0">
+            <a:schemeClr val="accent1"/>
+          </a:fillRef>
+          <a:effectRef idx="0">
+            <a:schemeClr val="accent1"/>
+          </a:effectRef>
+          <a:fontRef idx="minor">
+            <a:schemeClr val="tx1"/>
+          </a:fontRef>
+        </p:style>
+      </p:cxnSp>
+      <p:sp>
+        <p:nvSpPr>
+          <p:cNvPr id="7" name="Content Placeholder 2">
+            <a:extLst>
+              <a:ext uri="{FF2B5EF4-FFF2-40B4-BE49-F238E27FC236}">
+                <a16:creationId xmlns:a16="http://schemas.microsoft.com/office/drawing/2014/main" id="{9B037F1D-7CB0-3CA0-20CB-F845141405AD}"/>
+              </a:ext>
+            </a:extLst>
+          </p:cNvPr>
+          <p:cNvSpPr txBox="1">
+            <a:spLocks/>
+          </p:cNvSpPr>
+          <p:nvPr/>
+        </p:nvSpPr>
+        <p:spPr>
+          <a:xfrm>
+            <a:off x="6460841" y="5578342"/>
+            <a:ext cx="2272145" cy="544512"/>
+          </a:xfrm>
+          <a:prstGeom prst="rect">
+            <a:avLst/>
+          </a:prstGeom>
+        </p:spPr>
+        <p:txBody>
+          <a:bodyPr vert="horz" lIns="91440" tIns="45720" rIns="91440" bIns="45720" rtlCol="0">
+            <a:normAutofit/>
+          </a:bodyPr>
+          <a:lstStyle>
+            <a:lvl1pPr marL="228600" indent="-228600" algn="l" defTabSz="914400" rtl="0" eaLnBrk="1" latinLnBrk="0" hangingPunct="1">
+              <a:lnSpc>
+                <a:spcPct val="90000"/>
+              </a:lnSpc>
+              <a:spcBef>
+                <a:spcPts val="1000"/>
+              </a:spcBef>
+              <a:buFont typeface="Arial" panose="020B0604020202020204" pitchFamily="34" charset="0"/>
+              <a:buChar char="•"/>
+              <a:defRPr sz="2800" kern="1200">
+                <a:solidFill>
+                  <a:schemeClr val="tx1"/>
+                </a:solidFill>
+                <a:latin typeface="+mn-lt"/>
+                <a:ea typeface="+mn-ea"/>
+                <a:cs typeface="+mn-cs"/>
+              </a:defRPr>
+            </a:lvl1pPr>
+            <a:lvl2pPr marL="685800" indent="-228600" algn="l" defTabSz="914400" rtl="0" eaLnBrk="1" latinLnBrk="0" hangingPunct="1">
+              <a:lnSpc>
+                <a:spcPct val="90000"/>
+              </a:lnSpc>
+              <a:spcBef>
+                <a:spcPts val="500"/>
+              </a:spcBef>
+              <a:buFont typeface="Arial" panose="020B0604020202020204" pitchFamily="34" charset="0"/>
+              <a:buChar char="•"/>
+              <a:defRPr sz="2400" kern="1200">
+                <a:solidFill>
+                  <a:schemeClr val="tx1"/>
+                </a:solidFill>
+                <a:latin typeface="+mn-lt"/>
+                <a:ea typeface="+mn-ea"/>
+                <a:cs typeface="+mn-cs"/>
+              </a:defRPr>
+            </a:lvl2pPr>
+            <a:lvl3pPr marL="1143000" indent="-228600" algn="l" defTabSz="914400" rtl="0" eaLnBrk="1" latinLnBrk="0" hangingPunct="1">
+              <a:lnSpc>
+                <a:spcPct val="90000"/>
+              </a:lnSpc>
+              <a:spcBef>
+                <a:spcPts val="500"/>
+              </a:spcBef>
+              <a:buFont typeface="Arial" panose="020B0604020202020204" pitchFamily="34" charset="0"/>
+              <a:buChar char="•"/>
+              <a:defRPr sz="2000" kern="1200">
+                <a:solidFill>
+                  <a:schemeClr val="tx1"/>
+                </a:solidFill>
+                <a:latin typeface="+mn-lt"/>
+                <a:ea typeface="+mn-ea"/>
+                <a:cs typeface="+mn-cs"/>
+              </a:defRPr>
+            </a:lvl3pPr>
+            <a:lvl4pPr marL="1600200" indent="-228600" algn="l" defTabSz="914400" rtl="0" eaLnBrk="1" latinLnBrk="0" hangingPunct="1">
+              <a:lnSpc>
+                <a:spcPct val="90000"/>
+              </a:lnSpc>
+              <a:spcBef>
+                <a:spcPts val="500"/>
+              </a:spcBef>
+              <a:buFont typeface="Arial" panose="020B0604020202020204" pitchFamily="34" charset="0"/>
+              <a:buChar char="•"/>
+              <a:defRPr sz="1800" kern="1200">
+                <a:solidFill>
+                  <a:schemeClr val="tx1"/>
+                </a:solidFill>
+                <a:latin typeface="+mn-lt"/>
+                <a:ea typeface="+mn-ea"/>
+                <a:cs typeface="+mn-cs"/>
+              </a:defRPr>
+            </a:lvl4pPr>
+            <a:lvl5pPr marL="2057400" indent="-228600" algn="l" defTabSz="914400" rtl="0" eaLnBrk="1" latinLnBrk="0" hangingPunct="1">
+              <a:lnSpc>
+                <a:spcPct val="90000"/>
+              </a:lnSpc>
+              <a:spcBef>
+                <a:spcPts val="500"/>
+              </a:spcBef>
+              <a:buFont typeface="Arial" panose="020B0604020202020204" pitchFamily="34" charset="0"/>
+              <a:buChar char="•"/>
+              <a:defRPr sz="1800" kern="1200">
+                <a:solidFill>
+                  <a:schemeClr val="tx1"/>
+                </a:solidFill>
+                <a:latin typeface="+mn-lt"/>
+                <a:ea typeface="+mn-ea"/>
+                <a:cs typeface="+mn-cs"/>
+              </a:defRPr>
+            </a:lvl5pPr>
+            <a:lvl6pPr marL="2514600" indent="-228600" algn="l" defTabSz="914400" rtl="0" eaLnBrk="1" latinLnBrk="0" hangingPunct="1">
+              <a:lnSpc>
+                <a:spcPct val="90000"/>
+              </a:lnSpc>
+              <a:spcBef>
+                <a:spcPts val="500"/>
+              </a:spcBef>
+              <a:buFont typeface="Arial" panose="020B0604020202020204" pitchFamily="34" charset="0"/>
+              <a:buChar char="•"/>
+              <a:defRPr sz="1800" kern="1200">
+                <a:solidFill>
+                  <a:schemeClr val="tx1"/>
+                </a:solidFill>
+                <a:latin typeface="+mn-lt"/>
+                <a:ea typeface="+mn-ea"/>
+                <a:cs typeface="+mn-cs"/>
+              </a:defRPr>
+            </a:lvl6pPr>
+            <a:lvl7pPr marL="2971800" indent="-228600" algn="l" defTabSz="914400" rtl="0" eaLnBrk="1" latinLnBrk="0" hangingPunct="1">
+              <a:lnSpc>
+                <a:spcPct val="90000"/>
+              </a:lnSpc>
+              <a:spcBef>
+                <a:spcPts val="500"/>
+              </a:spcBef>
+              <a:buFont typeface="Arial" panose="020B0604020202020204" pitchFamily="34" charset="0"/>
+              <a:buChar char="•"/>
+              <a:defRPr sz="1800" kern="1200">
+                <a:solidFill>
+                  <a:schemeClr val="tx1"/>
+                </a:solidFill>
+                <a:latin typeface="+mn-lt"/>
+                <a:ea typeface="+mn-ea"/>
+                <a:cs typeface="+mn-cs"/>
+              </a:defRPr>
+            </a:lvl7pPr>
+            <a:lvl8pPr marL="3429000" indent="-228600" algn="l" defTabSz="914400" rtl="0" eaLnBrk="1" latinLnBrk="0" hangingPunct="1">
+              <a:lnSpc>
+                <a:spcPct val="90000"/>
+              </a:lnSpc>
+              <a:spcBef>
+                <a:spcPts val="500"/>
+              </a:spcBef>
+              <a:buFont typeface="Arial" panose="020B0604020202020204" pitchFamily="34" charset="0"/>
+              <a:buChar char="•"/>
+              <a:defRPr sz="1800" kern="1200">
+                <a:solidFill>
+                  <a:schemeClr val="tx1"/>
+                </a:solidFill>
+                <a:latin typeface="+mn-lt"/>
+                <a:ea typeface="+mn-ea"/>
+                <a:cs typeface="+mn-cs"/>
+              </a:defRPr>
+            </a:lvl8pPr>
+            <a:lvl9pPr marL="3886200" indent="-228600" algn="l" defTabSz="914400" rtl="0" eaLnBrk="1" latinLnBrk="0" hangingPunct="1">
+              <a:lnSpc>
+                <a:spcPct val="90000"/>
+              </a:lnSpc>
+              <a:spcBef>
+                <a:spcPts val="500"/>
+              </a:spcBef>
+              <a:buFont typeface="Arial" panose="020B0604020202020204" pitchFamily="34" charset="0"/>
+              <a:buChar char="•"/>
+              <a:defRPr sz="1800" kern="1200">
+                <a:solidFill>
+                  <a:schemeClr val="tx1"/>
+                </a:solidFill>
+                <a:latin typeface="+mn-lt"/>
+                <a:ea typeface="+mn-ea"/>
+                <a:cs typeface="+mn-cs"/>
+              </a:defRPr>
+            </a:lvl9pPr>
+          </a:lstStyle>
+          <a:p>
+            <a:pPr marL="0" indent="0" algn="ctr">
+              <a:buFont typeface="Arial" panose="020B0604020202020204" pitchFamily="34" charset="0"/>
+              <a:buNone/>
+            </a:pPr>
+            <a:r>
+              <a:rPr lang="en-US" sz="2000" b="1" dirty="0"/>
+              <a:t>Acceptable Guess</a:t>
+            </a:r>
+          </a:p>
+        </p:txBody>
+      </p:sp>
+      <p:cxnSp>
+        <p:nvCxnSpPr>
+          <p:cNvPr id="10" name="Straight Arrow Connector 9">
+            <a:extLst>
+              <a:ext uri="{FF2B5EF4-FFF2-40B4-BE49-F238E27FC236}">
+                <a16:creationId xmlns:a16="http://schemas.microsoft.com/office/drawing/2014/main" id="{27505170-E021-B642-E95D-A1A2542A3B3E}"/>
+              </a:ext>
+            </a:extLst>
+          </p:cNvPr>
+          <p:cNvCxnSpPr>
+            <a:cxnSpLocks/>
+          </p:cNvCxnSpPr>
+          <p:nvPr/>
+        </p:nvCxnSpPr>
+        <p:spPr>
+          <a:xfrm flipV="1">
+            <a:off x="5869714" y="5148478"/>
+            <a:ext cx="0" cy="403733"/>
+          </a:xfrm>
+          <a:prstGeom prst="straightConnector1">
+            <a:avLst/>
+          </a:prstGeom>
+          <a:ln w="38100">
+            <a:solidFill>
+              <a:srgbClr val="FF0000"/>
+            </a:solidFill>
+            <a:tailEnd type="triangle"/>
+          </a:ln>
+        </p:spPr>
+        <p:style>
+          <a:lnRef idx="1">
+            <a:schemeClr val="accent1"/>
+          </a:lnRef>
+          <a:fillRef idx="0">
+            <a:schemeClr val="accent1"/>
+          </a:fillRef>
+          <a:effectRef idx="0">
+            <a:schemeClr val="accent1"/>
+          </a:effectRef>
+          <a:fontRef idx="minor">
+            <a:schemeClr val="tx1"/>
+          </a:fontRef>
+        </p:style>
+      </p:cxnSp>
+      <p:cxnSp>
+        <p:nvCxnSpPr>
+          <p:cNvPr id="11" name="Straight Arrow Connector 10">
+            <a:extLst>
+              <a:ext uri="{FF2B5EF4-FFF2-40B4-BE49-F238E27FC236}">
+                <a16:creationId xmlns:a16="http://schemas.microsoft.com/office/drawing/2014/main" id="{6B105C76-2210-2414-9A1B-518837CF0F24}"/>
+              </a:ext>
+            </a:extLst>
+          </p:cNvPr>
+          <p:cNvCxnSpPr>
+            <a:cxnSpLocks/>
+          </p:cNvCxnSpPr>
+          <p:nvPr/>
+        </p:nvCxnSpPr>
+        <p:spPr>
+          <a:xfrm flipV="1">
+            <a:off x="4064002" y="5153102"/>
+            <a:ext cx="0" cy="403733"/>
+          </a:xfrm>
+          <a:prstGeom prst="straightConnector1">
+            <a:avLst/>
+          </a:prstGeom>
+          <a:ln w="38100">
+            <a:solidFill>
+              <a:srgbClr val="FF0000"/>
+            </a:solidFill>
+            <a:tailEnd type="triangle"/>
+          </a:ln>
+        </p:spPr>
+        <p:style>
+          <a:lnRef idx="1">
+            <a:schemeClr val="accent1"/>
+          </a:lnRef>
+          <a:fillRef idx="0">
+            <a:schemeClr val="accent1"/>
+          </a:fillRef>
+          <a:effectRef idx="0">
+            <a:schemeClr val="accent1"/>
+          </a:effectRef>
+          <a:fontRef idx="minor">
+            <a:schemeClr val="tx1"/>
+          </a:fontRef>
+        </p:style>
+      </p:cxnSp>
+      <p:sp>
+        <p:nvSpPr>
+          <p:cNvPr id="12" name="Content Placeholder 2">
+            <a:extLst>
+              <a:ext uri="{FF2B5EF4-FFF2-40B4-BE49-F238E27FC236}">
+                <a16:creationId xmlns:a16="http://schemas.microsoft.com/office/drawing/2014/main" id="{5045ED49-22D3-2C55-EB2C-6213726A26A2}"/>
+              </a:ext>
+            </a:extLst>
+          </p:cNvPr>
+          <p:cNvSpPr txBox="1">
+            <a:spLocks/>
+          </p:cNvSpPr>
+          <p:nvPr/>
+        </p:nvSpPr>
+        <p:spPr>
+          <a:xfrm>
+            <a:off x="3255824" y="5578342"/>
+            <a:ext cx="3348176" cy="952490"/>
+          </a:xfrm>
+          <a:prstGeom prst="rect">
+            <a:avLst/>
+          </a:prstGeom>
+        </p:spPr>
+        <p:txBody>
+          <a:bodyPr vert="horz" lIns="91440" tIns="45720" rIns="91440" bIns="45720" rtlCol="0">
+            <a:normAutofit/>
+          </a:bodyPr>
+          <a:lstStyle>
+            <a:lvl1pPr marL="228600" indent="-228600" algn="l" defTabSz="914400" rtl="0" eaLnBrk="1" latinLnBrk="0" hangingPunct="1">
+              <a:lnSpc>
+                <a:spcPct val="90000"/>
+              </a:lnSpc>
+              <a:spcBef>
+                <a:spcPts val="1000"/>
+              </a:spcBef>
+              <a:buFont typeface="Arial" panose="020B0604020202020204" pitchFamily="34" charset="0"/>
+              <a:buChar char="•"/>
+              <a:defRPr sz="2800" kern="1200">
+                <a:solidFill>
+                  <a:schemeClr val="tx1"/>
+                </a:solidFill>
+                <a:latin typeface="+mn-lt"/>
+                <a:ea typeface="+mn-ea"/>
+                <a:cs typeface="+mn-cs"/>
+              </a:defRPr>
+            </a:lvl1pPr>
+            <a:lvl2pPr marL="685800" indent="-228600" algn="l" defTabSz="914400" rtl="0" eaLnBrk="1" latinLnBrk="0" hangingPunct="1">
+              <a:lnSpc>
+                <a:spcPct val="90000"/>
+              </a:lnSpc>
+              <a:spcBef>
+                <a:spcPts val="500"/>
+              </a:spcBef>
+              <a:buFont typeface="Arial" panose="020B0604020202020204" pitchFamily="34" charset="0"/>
+              <a:buChar char="•"/>
+              <a:defRPr sz="2400" kern="1200">
+                <a:solidFill>
+                  <a:schemeClr val="tx1"/>
+                </a:solidFill>
+                <a:latin typeface="+mn-lt"/>
+                <a:ea typeface="+mn-ea"/>
+                <a:cs typeface="+mn-cs"/>
+              </a:defRPr>
+            </a:lvl2pPr>
+            <a:lvl3pPr marL="1143000" indent="-228600" algn="l" defTabSz="914400" rtl="0" eaLnBrk="1" latinLnBrk="0" hangingPunct="1">
+              <a:lnSpc>
+                <a:spcPct val="90000"/>
+              </a:lnSpc>
+              <a:spcBef>
+                <a:spcPts val="500"/>
+              </a:spcBef>
+              <a:buFont typeface="Arial" panose="020B0604020202020204" pitchFamily="34" charset="0"/>
+              <a:buChar char="•"/>
+              <a:defRPr sz="2000" kern="1200">
+                <a:solidFill>
+                  <a:schemeClr val="tx1"/>
+                </a:solidFill>
+                <a:latin typeface="+mn-lt"/>
+                <a:ea typeface="+mn-ea"/>
+                <a:cs typeface="+mn-cs"/>
+              </a:defRPr>
+            </a:lvl3pPr>
+            <a:lvl4pPr marL="1600200" indent="-228600" algn="l" defTabSz="914400" rtl="0" eaLnBrk="1" latinLnBrk="0" hangingPunct="1">
+              <a:lnSpc>
+                <a:spcPct val="90000"/>
+              </a:lnSpc>
+              <a:spcBef>
+                <a:spcPts val="500"/>
+              </a:spcBef>
+              <a:buFont typeface="Arial" panose="020B0604020202020204" pitchFamily="34" charset="0"/>
+              <a:buChar char="•"/>
+              <a:defRPr sz="1800" kern="1200">
+                <a:solidFill>
+                  <a:schemeClr val="tx1"/>
+                </a:solidFill>
+                <a:latin typeface="+mn-lt"/>
+                <a:ea typeface="+mn-ea"/>
+                <a:cs typeface="+mn-cs"/>
+              </a:defRPr>
+            </a:lvl4pPr>
+            <a:lvl5pPr marL="2057400" indent="-228600" algn="l" defTabSz="914400" rtl="0" eaLnBrk="1" latinLnBrk="0" hangingPunct="1">
+              <a:lnSpc>
+                <a:spcPct val="90000"/>
+              </a:lnSpc>
+              <a:spcBef>
+                <a:spcPts val="500"/>
+              </a:spcBef>
+              <a:buFont typeface="Arial" panose="020B0604020202020204" pitchFamily="34" charset="0"/>
+              <a:buChar char="•"/>
+              <a:defRPr sz="1800" kern="1200">
+                <a:solidFill>
+                  <a:schemeClr val="tx1"/>
+                </a:solidFill>
+                <a:latin typeface="+mn-lt"/>
+                <a:ea typeface="+mn-ea"/>
+                <a:cs typeface="+mn-cs"/>
+              </a:defRPr>
+            </a:lvl5pPr>
+            <a:lvl6pPr marL="2514600" indent="-228600" algn="l" defTabSz="914400" rtl="0" eaLnBrk="1" latinLnBrk="0" hangingPunct="1">
+              <a:lnSpc>
+                <a:spcPct val="90000"/>
+              </a:lnSpc>
+              <a:spcBef>
+                <a:spcPts val="500"/>
+              </a:spcBef>
+              <a:buFont typeface="Arial" panose="020B0604020202020204" pitchFamily="34" charset="0"/>
+              <a:buChar char="•"/>
+              <a:defRPr sz="1800" kern="1200">
+                <a:solidFill>
+                  <a:schemeClr val="tx1"/>
+                </a:solidFill>
+                <a:latin typeface="+mn-lt"/>
+                <a:ea typeface="+mn-ea"/>
+                <a:cs typeface="+mn-cs"/>
+              </a:defRPr>
+            </a:lvl6pPr>
+            <a:lvl7pPr marL="2971800" indent="-228600" algn="l" defTabSz="914400" rtl="0" eaLnBrk="1" latinLnBrk="0" hangingPunct="1">
+              <a:lnSpc>
+                <a:spcPct val="90000"/>
+              </a:lnSpc>
+              <a:spcBef>
+                <a:spcPts val="500"/>
+              </a:spcBef>
+              <a:buFont typeface="Arial" panose="020B0604020202020204" pitchFamily="34" charset="0"/>
+              <a:buChar char="•"/>
+              <a:defRPr sz="1800" kern="1200">
+                <a:solidFill>
+                  <a:schemeClr val="tx1"/>
+                </a:solidFill>
+                <a:latin typeface="+mn-lt"/>
+                <a:ea typeface="+mn-ea"/>
+                <a:cs typeface="+mn-cs"/>
+              </a:defRPr>
+            </a:lvl7pPr>
+            <a:lvl8pPr marL="3429000" indent="-228600" algn="l" defTabSz="914400" rtl="0" eaLnBrk="1" latinLnBrk="0" hangingPunct="1">
+              <a:lnSpc>
+                <a:spcPct val="90000"/>
+              </a:lnSpc>
+              <a:spcBef>
+                <a:spcPts val="500"/>
+              </a:spcBef>
+              <a:buFont typeface="Arial" panose="020B0604020202020204" pitchFamily="34" charset="0"/>
+              <a:buChar char="•"/>
+              <a:defRPr sz="1800" kern="1200">
+                <a:solidFill>
+                  <a:schemeClr val="tx1"/>
+                </a:solidFill>
+                <a:latin typeface="+mn-lt"/>
+                <a:ea typeface="+mn-ea"/>
+                <a:cs typeface="+mn-cs"/>
+              </a:defRPr>
+            </a:lvl8pPr>
+            <a:lvl9pPr marL="3886200" indent="-228600" algn="l" defTabSz="914400" rtl="0" eaLnBrk="1" latinLnBrk="0" hangingPunct="1">
+              <a:lnSpc>
+                <a:spcPct val="90000"/>
+              </a:lnSpc>
+              <a:spcBef>
+                <a:spcPts val="500"/>
+              </a:spcBef>
+              <a:buFont typeface="Arial" panose="020B0604020202020204" pitchFamily="34" charset="0"/>
+              <a:buChar char="•"/>
+              <a:defRPr sz="1800" kern="1200">
+                <a:solidFill>
+                  <a:schemeClr val="tx1"/>
+                </a:solidFill>
+                <a:latin typeface="+mn-lt"/>
+                <a:ea typeface="+mn-ea"/>
+                <a:cs typeface="+mn-cs"/>
+              </a:defRPr>
+            </a:lvl9pPr>
+          </a:lstStyle>
+          <a:p>
+            <a:pPr marL="0" indent="0" algn="ctr">
+              <a:buFont typeface="Arial" panose="020B0604020202020204" pitchFamily="34" charset="0"/>
+              <a:buNone/>
+            </a:pPr>
+            <a:r>
+              <a:rPr lang="en-US" sz="2000" b="1" dirty="0">
+                <a:solidFill>
+                  <a:srgbClr val="FF0000"/>
+                </a:solidFill>
+              </a:rPr>
+              <a:t>Low satisfaction</a:t>
+            </a:r>
+          </a:p>
+          <a:p>
+            <a:pPr marL="0" indent="0" algn="ctr">
+              <a:buFont typeface="Arial" panose="020B0604020202020204" pitchFamily="34" charset="0"/>
+              <a:buNone/>
+            </a:pPr>
+            <a:r>
+              <a:rPr lang="en-US" sz="2000" b="1" dirty="0">
+                <a:solidFill>
+                  <a:srgbClr val="FF0000"/>
+                </a:solidFill>
+              </a:rPr>
+              <a:t>Much room for improvement</a:t>
+            </a:r>
+          </a:p>
+        </p:txBody>
+      </p:sp>
+    </p:spTree>
+    <p:extLst>
+      <p:ext uri="{BB962C8B-B14F-4D97-AF65-F5344CB8AC3E}">
+        <p14:creationId xmlns:p14="http://schemas.microsoft.com/office/powerpoint/2010/main" val="2069865654"/>
       </p:ext>
     </p:extLst>
   </p:cSld>
@@ -22874,15 +27023,6 @@
 </file>
 
 <file path=customXml/item1.xml><?xml version="1.0" encoding="utf-8"?>
-<?mso-contentType ?>
-<FormTemplates xmlns="http://schemas.microsoft.com/sharepoint/v3/contenttype/forms">
-  <Display>DocumentLibraryForm</Display>
-  <Edit>DocumentLibraryForm</Edit>
-  <New>DocumentLibraryForm</New>
-</FormTemplates>
-</file>
-
-<file path=customXml/item2.xml><?xml version="1.0" encoding="utf-8"?>
 <ct:contentTypeSchema xmlns:ct="http://schemas.microsoft.com/office/2006/metadata/contentType" xmlns:ma="http://schemas.microsoft.com/office/2006/metadata/properties/metaAttributes" ct:_="" ma:_="" ma:contentTypeName="Documento" ma:contentTypeID="0x01010014BC32AFF3718747B5A2CE47A88F3C6A" ma:contentTypeVersion="2" ma:contentTypeDescription="Criar um novo documento." ma:contentTypeScope="" ma:versionID="fee3d826901bcb9451dce0bbc19dadc3">
   <xsd:schema xmlns:xsd="http://www.w3.org/2001/XMLSchema" xmlns:xs="http://www.w3.org/2001/XMLSchema" xmlns:p="http://schemas.microsoft.com/office/2006/metadata/properties" xmlns:ns3="a47fcd35-67e3-4b66-9352-8d0db098ec50" targetNamespace="http://schemas.microsoft.com/office/2006/metadata/properties" ma:root="true" ma:fieldsID="deb6b73c7f47f6e6612a6af669b62c39" ns3:_="">
     <xsd:import namespace="a47fcd35-67e3-4b66-9352-8d0db098ec50"/>
@@ -23014,6 +27154,15 @@
 </ct:contentTypeSchema>
 </file>
 
+<file path=customXml/item2.xml><?xml version="1.0" encoding="utf-8"?>
+<?mso-contentType ?>
+<FormTemplates xmlns="http://schemas.microsoft.com/sharepoint/v3/contenttype/forms">
+  <Display>DocumentLibraryForm</Display>
+  <Edit>DocumentLibraryForm</Edit>
+  <New>DocumentLibraryForm</New>
+</FormTemplates>
+</file>
+
 <file path=customXml/item3.xml><?xml version="1.0" encoding="utf-8"?>
 <p:properties xmlns:p="http://schemas.microsoft.com/office/2006/metadata/properties" xmlns:xsi="http://www.w3.org/2001/XMLSchema-instance" xmlns:pc="http://schemas.microsoft.com/office/infopath/2007/PartnerControls">
   <documentManagement/>
@@ -23021,14 +27170,6 @@
 </file>
 
 <file path=customXml/itemProps1.xml><?xml version="1.0" encoding="utf-8"?>
-<ds:datastoreItem xmlns:ds="http://schemas.openxmlformats.org/officeDocument/2006/customXml" ds:itemID="{76EE102A-C587-47D4-980D-6EF803504572}">
-  <ds:schemaRefs>
-    <ds:schemaRef ds:uri="http://schemas.microsoft.com/sharepoint/v3/contenttype/forms"/>
-  </ds:schemaRefs>
-</ds:datastoreItem>
-</file>
-
-<file path=customXml/itemProps2.xml><?xml version="1.0" encoding="utf-8"?>
 <ds:datastoreItem xmlns:ds="http://schemas.openxmlformats.org/officeDocument/2006/customXml" ds:itemID="{9697E427-2E56-4B40-B661-233DAE44C32F}">
   <ds:schemaRefs>
     <ds:schemaRef ds:uri="http://schemas.microsoft.com/office/2006/metadata/contentType"/>
@@ -23042,6 +27183,14 @@
     <ds:schemaRef ds:uri="http://purl.org/dc/elements/1.1/"/>
     <ds:schemaRef ds:uri="http://purl.org/dc/terms/"/>
     <ds:schemaRef ds:uri="http://schemas.microsoft.com/internal/obd"/>
+  </ds:schemaRefs>
+</ds:datastoreItem>
+</file>
+
+<file path=customXml/itemProps2.xml><?xml version="1.0" encoding="utf-8"?>
+<ds:datastoreItem xmlns:ds="http://schemas.openxmlformats.org/officeDocument/2006/customXml" ds:itemID="{76EE102A-C587-47D4-980D-6EF803504572}">
+  <ds:schemaRefs>
+    <ds:schemaRef ds:uri="http://schemas.microsoft.com/sharepoint/v3/contenttype/forms"/>
   </ds:schemaRefs>
 </ds:datastoreItem>
 </file>
